--- a/designs/designs.pptx
+++ b/designs/designs.pptx
@@ -7,26 +7,29 @@
   <p:sldIdLst>
     <p:sldId id="267" r:id="rId2"/>
     <p:sldId id="275" r:id="rId3"/>
-    <p:sldId id="276" r:id="rId4"/>
-    <p:sldId id="278" r:id="rId5"/>
-    <p:sldId id="279" r:id="rId6"/>
-    <p:sldId id="280" r:id="rId7"/>
-    <p:sldId id="273" r:id="rId8"/>
-    <p:sldId id="268" r:id="rId9"/>
-    <p:sldId id="269" r:id="rId10"/>
-    <p:sldId id="270" r:id="rId11"/>
-    <p:sldId id="271" r:id="rId12"/>
-    <p:sldId id="265" r:id="rId13"/>
-    <p:sldId id="266" r:id="rId14"/>
-    <p:sldId id="258" r:id="rId15"/>
-    <p:sldId id="256" r:id="rId16"/>
-    <p:sldId id="257" r:id="rId17"/>
-    <p:sldId id="259" r:id="rId18"/>
-    <p:sldId id="260" r:id="rId19"/>
-    <p:sldId id="261" r:id="rId20"/>
-    <p:sldId id="263" r:id="rId21"/>
-    <p:sldId id="264" r:id="rId22"/>
-    <p:sldId id="262" r:id="rId23"/>
+    <p:sldId id="281" r:id="rId4"/>
+    <p:sldId id="282" r:id="rId5"/>
+    <p:sldId id="283" r:id="rId6"/>
+    <p:sldId id="276" r:id="rId7"/>
+    <p:sldId id="278" r:id="rId8"/>
+    <p:sldId id="279" r:id="rId9"/>
+    <p:sldId id="280" r:id="rId10"/>
+    <p:sldId id="273" r:id="rId11"/>
+    <p:sldId id="268" r:id="rId12"/>
+    <p:sldId id="269" r:id="rId13"/>
+    <p:sldId id="270" r:id="rId14"/>
+    <p:sldId id="271" r:id="rId15"/>
+    <p:sldId id="265" r:id="rId16"/>
+    <p:sldId id="266" r:id="rId17"/>
+    <p:sldId id="258" r:id="rId18"/>
+    <p:sldId id="256" r:id="rId19"/>
+    <p:sldId id="257" r:id="rId20"/>
+    <p:sldId id="259" r:id="rId21"/>
+    <p:sldId id="260" r:id="rId22"/>
+    <p:sldId id="261" r:id="rId23"/>
+    <p:sldId id="263" r:id="rId24"/>
+    <p:sldId id="264" r:id="rId25"/>
+    <p:sldId id="262" r:id="rId26"/>
   </p:sldIdLst>
   <p:sldSz cx="12192000" cy="6858000"/>
   <p:notesSz cx="6858000" cy="9144000"/>
@@ -368,7 +371,7 @@
           <a:p>
             <a:fld id="{CB7EA943-9A64-4425-8E1D-8123D7EBA719}" type="datetimeFigureOut">
               <a:rPr lang="en-US" smtClean="0"/>
-              <a:t>11/18/2018</a:t>
+              <a:t>4/4/2019</a:t>
             </a:fld>
             <a:endParaRPr lang="en-US"/>
           </a:p>
@@ -538,7 +541,7 @@
           <a:p>
             <a:fld id="{CB7EA943-9A64-4425-8E1D-8123D7EBA719}" type="datetimeFigureOut">
               <a:rPr lang="en-US" smtClean="0"/>
-              <a:t>11/18/2018</a:t>
+              <a:t>4/4/2019</a:t>
             </a:fld>
             <a:endParaRPr lang="en-US"/>
           </a:p>
@@ -718,7 +721,7 @@
           <a:p>
             <a:fld id="{CB7EA943-9A64-4425-8E1D-8123D7EBA719}" type="datetimeFigureOut">
               <a:rPr lang="en-US" smtClean="0"/>
-              <a:t>11/18/2018</a:t>
+              <a:t>4/4/2019</a:t>
             </a:fld>
             <a:endParaRPr lang="en-US"/>
           </a:p>
@@ -888,7 +891,7 @@
           <a:p>
             <a:fld id="{CB7EA943-9A64-4425-8E1D-8123D7EBA719}" type="datetimeFigureOut">
               <a:rPr lang="en-US" smtClean="0"/>
-              <a:t>11/18/2018</a:t>
+              <a:t>4/4/2019</a:t>
             </a:fld>
             <a:endParaRPr lang="en-US"/>
           </a:p>
@@ -1146,7 +1149,7 @@
           <a:p>
             <a:fld id="{CB7EA943-9A64-4425-8E1D-8123D7EBA719}" type="datetimeFigureOut">
               <a:rPr lang="en-US" smtClean="0"/>
-              <a:t>11/18/2018</a:t>
+              <a:t>4/4/2019</a:t>
             </a:fld>
             <a:endParaRPr lang="en-US"/>
           </a:p>
@@ -1434,7 +1437,7 @@
           <a:p>
             <a:fld id="{CB7EA943-9A64-4425-8E1D-8123D7EBA719}" type="datetimeFigureOut">
               <a:rPr lang="en-US" smtClean="0"/>
-              <a:t>11/18/2018</a:t>
+              <a:t>4/4/2019</a:t>
             </a:fld>
             <a:endParaRPr lang="en-US"/>
           </a:p>
@@ -1876,7 +1879,7 @@
           <a:p>
             <a:fld id="{CB7EA943-9A64-4425-8E1D-8123D7EBA719}" type="datetimeFigureOut">
               <a:rPr lang="en-US" smtClean="0"/>
-              <a:t>11/18/2018</a:t>
+              <a:t>4/4/2019</a:t>
             </a:fld>
             <a:endParaRPr lang="en-US"/>
           </a:p>
@@ -1994,7 +1997,7 @@
           <a:p>
             <a:fld id="{CB7EA943-9A64-4425-8E1D-8123D7EBA719}" type="datetimeFigureOut">
               <a:rPr lang="en-US" smtClean="0"/>
-              <a:t>11/18/2018</a:t>
+              <a:t>4/4/2019</a:t>
             </a:fld>
             <a:endParaRPr lang="en-US"/>
           </a:p>
@@ -2089,7 +2092,7 @@
           <a:p>
             <a:fld id="{CB7EA943-9A64-4425-8E1D-8123D7EBA719}" type="datetimeFigureOut">
               <a:rPr lang="en-US" smtClean="0"/>
-              <a:t>11/18/2018</a:t>
+              <a:t>4/4/2019</a:t>
             </a:fld>
             <a:endParaRPr lang="en-US"/>
           </a:p>
@@ -2377,7 +2380,7 @@
           <a:p>
             <a:fld id="{CB7EA943-9A64-4425-8E1D-8123D7EBA719}" type="datetimeFigureOut">
               <a:rPr lang="en-US" smtClean="0"/>
-              <a:t>11/18/2018</a:t>
+              <a:t>4/4/2019</a:t>
             </a:fld>
             <a:endParaRPr lang="en-US"/>
           </a:p>
@@ -2650,7 +2653,7 @@
           <a:p>
             <a:fld id="{CB7EA943-9A64-4425-8E1D-8123D7EBA719}" type="datetimeFigureOut">
               <a:rPr lang="en-US" smtClean="0"/>
-              <a:t>11/18/2018</a:t>
+              <a:t>4/4/2019</a:t>
             </a:fld>
             <a:endParaRPr lang="en-US"/>
           </a:p>
@@ -2947,7 +2950,7 @@
           <a:p>
             <a:fld id="{CB7EA943-9A64-4425-8E1D-8123D7EBA719}" type="datetimeFigureOut">
               <a:rPr lang="en-US" smtClean="0"/>
-              <a:t>11/18/2018</a:t>
+              <a:t>4/4/2019</a:t>
             </a:fld>
             <a:endParaRPr lang="en-US"/>
           </a:p>
@@ -4186,6 +4189,1984 @@
       </p:grpSpPr>
       <p:sp>
         <p:nvSpPr>
+          <p:cNvPr id="2" name="Rectángulo 1"/>
+          <p:cNvSpPr/>
+          <p:nvPr/>
+        </p:nvSpPr>
+        <p:spPr>
+          <a:xfrm>
+            <a:off x="1471415" y="979026"/>
+            <a:ext cx="739382" cy="188686"/>
+          </a:xfrm>
+          <a:prstGeom prst="rect">
+            <a:avLst/>
+          </a:prstGeom>
+          <a:solidFill>
+            <a:srgbClr val="FF8000"/>
+          </a:solidFill>
+          <a:ln>
+            <a:solidFill>
+              <a:srgbClr val="FF8000"/>
+            </a:solidFill>
+          </a:ln>
+        </p:spPr>
+        <p:style>
+          <a:lnRef idx="2">
+            <a:schemeClr val="accent1">
+              <a:shade val="50000"/>
+            </a:schemeClr>
+          </a:lnRef>
+          <a:fillRef idx="1">
+            <a:schemeClr val="accent1"/>
+          </a:fillRef>
+          <a:effectRef idx="0">
+            <a:schemeClr val="accent1"/>
+          </a:effectRef>
+          <a:fontRef idx="minor">
+            <a:schemeClr val="lt1"/>
+          </a:fontRef>
+        </p:style>
+        <p:txBody>
+          <a:bodyPr rtlCol="0" anchor="ctr"/>
+          <a:lstStyle/>
+          <a:p>
+            <a:pPr algn="ctr"/>
+            <a:endParaRPr lang="en-US"/>
+          </a:p>
+        </p:txBody>
+      </p:sp>
+      <p:sp>
+        <p:nvSpPr>
+          <p:cNvPr id="3" name="Rectángulo 2"/>
+          <p:cNvSpPr/>
+          <p:nvPr/>
+        </p:nvSpPr>
+        <p:spPr>
+          <a:xfrm rot="5400000">
+            <a:off x="1267700" y="1185123"/>
+            <a:ext cx="596113" cy="188686"/>
+          </a:xfrm>
+          <a:prstGeom prst="rect">
+            <a:avLst/>
+          </a:prstGeom>
+          <a:solidFill>
+            <a:srgbClr val="FF8000"/>
+          </a:solidFill>
+          <a:ln>
+            <a:solidFill>
+              <a:srgbClr val="FF8000"/>
+            </a:solidFill>
+          </a:ln>
+        </p:spPr>
+        <p:style>
+          <a:lnRef idx="2">
+            <a:schemeClr val="accent1">
+              <a:shade val="50000"/>
+            </a:schemeClr>
+          </a:lnRef>
+          <a:fillRef idx="1">
+            <a:schemeClr val="accent1"/>
+          </a:fillRef>
+          <a:effectRef idx="0">
+            <a:schemeClr val="accent1"/>
+          </a:effectRef>
+          <a:fontRef idx="minor">
+            <a:schemeClr val="lt1"/>
+          </a:fontRef>
+        </p:style>
+        <p:txBody>
+          <a:bodyPr rtlCol="0" anchor="ctr"/>
+          <a:lstStyle/>
+          <a:p>
+            <a:pPr algn="ctr"/>
+            <a:endParaRPr lang="en-US"/>
+          </a:p>
+        </p:txBody>
+      </p:sp>
+      <p:sp>
+        <p:nvSpPr>
+          <p:cNvPr id="4" name="Rectángulo 6"/>
+          <p:cNvSpPr/>
+          <p:nvPr/>
+        </p:nvSpPr>
+        <p:spPr>
+          <a:xfrm rot="16200000" flipV="1">
+            <a:off x="2131203" y="2173282"/>
+            <a:ext cx="472746" cy="200389"/>
+          </a:xfrm>
+          <a:custGeom>
+            <a:avLst/>
+            <a:gdLst>
+              <a:gd name="connsiteX0" fmla="*/ 0 w 1021842"/>
+              <a:gd name="connsiteY0" fmla="*/ 0 h 188686"/>
+              <a:gd name="connsiteX1" fmla="*/ 1021842 w 1021842"/>
+              <a:gd name="connsiteY1" fmla="*/ 0 h 188686"/>
+              <a:gd name="connsiteX2" fmla="*/ 1021842 w 1021842"/>
+              <a:gd name="connsiteY2" fmla="*/ 188686 h 188686"/>
+              <a:gd name="connsiteX3" fmla="*/ 0 w 1021842"/>
+              <a:gd name="connsiteY3" fmla="*/ 188686 h 188686"/>
+              <a:gd name="connsiteX4" fmla="*/ 0 w 1021842"/>
+              <a:gd name="connsiteY4" fmla="*/ 0 h 188686"/>
+              <a:gd name="connsiteX0" fmla="*/ 0 w 1021842"/>
+              <a:gd name="connsiteY0" fmla="*/ 0 h 188686"/>
+              <a:gd name="connsiteX1" fmla="*/ 1021842 w 1021842"/>
+              <a:gd name="connsiteY1" fmla="*/ 0 h 188686"/>
+              <a:gd name="connsiteX2" fmla="*/ 848010 w 1021842"/>
+              <a:gd name="connsiteY2" fmla="*/ 188686 h 188686"/>
+              <a:gd name="connsiteX3" fmla="*/ 0 w 1021842"/>
+              <a:gd name="connsiteY3" fmla="*/ 188686 h 188686"/>
+              <a:gd name="connsiteX4" fmla="*/ 0 w 1021842"/>
+              <a:gd name="connsiteY4" fmla="*/ 0 h 188686"/>
+              <a:gd name="connsiteX0" fmla="*/ 0 w 1021842"/>
+              <a:gd name="connsiteY0" fmla="*/ 0 h 188686"/>
+              <a:gd name="connsiteX1" fmla="*/ 1021842 w 1021842"/>
+              <a:gd name="connsiteY1" fmla="*/ 0 h 188686"/>
+              <a:gd name="connsiteX2" fmla="*/ 1016781 w 1021842"/>
+              <a:gd name="connsiteY2" fmla="*/ 188683 h 188686"/>
+              <a:gd name="connsiteX3" fmla="*/ 0 w 1021842"/>
+              <a:gd name="connsiteY3" fmla="*/ 188686 h 188686"/>
+              <a:gd name="connsiteX4" fmla="*/ 0 w 1021842"/>
+              <a:gd name="connsiteY4" fmla="*/ 0 h 188686"/>
+              <a:gd name="connsiteX0" fmla="*/ 0 w 1016782"/>
+              <a:gd name="connsiteY0" fmla="*/ 2271 h 190957"/>
+              <a:gd name="connsiteX1" fmla="*/ 826656 w 1016782"/>
+              <a:gd name="connsiteY1" fmla="*/ 0 h 190957"/>
+              <a:gd name="connsiteX2" fmla="*/ 1016781 w 1016782"/>
+              <a:gd name="connsiteY2" fmla="*/ 190954 h 190957"/>
+              <a:gd name="connsiteX3" fmla="*/ 0 w 1016782"/>
+              <a:gd name="connsiteY3" fmla="*/ 190957 h 190957"/>
+              <a:gd name="connsiteX4" fmla="*/ 0 w 1016782"/>
+              <a:gd name="connsiteY4" fmla="*/ 2271 h 190957"/>
+              <a:gd name="connsiteX0" fmla="*/ 0 w 1016780"/>
+              <a:gd name="connsiteY0" fmla="*/ 2273 h 190959"/>
+              <a:gd name="connsiteX1" fmla="*/ 846571 w 1016780"/>
+              <a:gd name="connsiteY1" fmla="*/ 0 h 190959"/>
+              <a:gd name="connsiteX2" fmla="*/ 1016781 w 1016780"/>
+              <a:gd name="connsiteY2" fmla="*/ 190956 h 190959"/>
+              <a:gd name="connsiteX3" fmla="*/ 0 w 1016780"/>
+              <a:gd name="connsiteY3" fmla="*/ 190959 h 190959"/>
+              <a:gd name="connsiteX4" fmla="*/ 0 w 1016780"/>
+              <a:gd name="connsiteY4" fmla="*/ 2273 h 190959"/>
+              <a:gd name="connsiteX0" fmla="*/ 0 w 1016782"/>
+              <a:gd name="connsiteY0" fmla="*/ 2273 h 190959"/>
+              <a:gd name="connsiteX1" fmla="*/ 838604 w 1016782"/>
+              <a:gd name="connsiteY1" fmla="*/ 0 h 190959"/>
+              <a:gd name="connsiteX2" fmla="*/ 1016781 w 1016782"/>
+              <a:gd name="connsiteY2" fmla="*/ 190956 h 190959"/>
+              <a:gd name="connsiteX3" fmla="*/ 0 w 1016782"/>
+              <a:gd name="connsiteY3" fmla="*/ 190959 h 190959"/>
+              <a:gd name="connsiteX4" fmla="*/ 0 w 1016782"/>
+              <a:gd name="connsiteY4" fmla="*/ 2273 h 190959"/>
+              <a:gd name="connsiteX0" fmla="*/ 0 w 1016782"/>
+              <a:gd name="connsiteY0" fmla="*/ 6 h 188692"/>
+              <a:gd name="connsiteX1" fmla="*/ 778877 w 1016782"/>
+              <a:gd name="connsiteY1" fmla="*/ 0 h 188692"/>
+              <a:gd name="connsiteX2" fmla="*/ 1016781 w 1016782"/>
+              <a:gd name="connsiteY2" fmla="*/ 188689 h 188692"/>
+              <a:gd name="connsiteX3" fmla="*/ 0 w 1016782"/>
+              <a:gd name="connsiteY3" fmla="*/ 188692 h 188692"/>
+              <a:gd name="connsiteX4" fmla="*/ 0 w 1016782"/>
+              <a:gd name="connsiteY4" fmla="*/ 6 h 188692"/>
+              <a:gd name="connsiteX0" fmla="*/ 0 w 1016782"/>
+              <a:gd name="connsiteY0" fmla="*/ 2277 h 190963"/>
+              <a:gd name="connsiteX1" fmla="*/ 1004019 w 1016782"/>
+              <a:gd name="connsiteY1" fmla="*/ 0 h 190963"/>
+              <a:gd name="connsiteX2" fmla="*/ 1016781 w 1016782"/>
+              <a:gd name="connsiteY2" fmla="*/ 190960 h 190963"/>
+              <a:gd name="connsiteX3" fmla="*/ 0 w 1016782"/>
+              <a:gd name="connsiteY3" fmla="*/ 190963 h 190963"/>
+              <a:gd name="connsiteX4" fmla="*/ 0 w 1016782"/>
+              <a:gd name="connsiteY4" fmla="*/ 2277 h 190963"/>
+            </a:gdLst>
+            <a:ahLst/>
+            <a:cxnLst>
+              <a:cxn ang="0">
+                <a:pos x="connsiteX0" y="connsiteY0"/>
+              </a:cxn>
+              <a:cxn ang="0">
+                <a:pos x="connsiteX1" y="connsiteY1"/>
+              </a:cxn>
+              <a:cxn ang="0">
+                <a:pos x="connsiteX2" y="connsiteY2"/>
+              </a:cxn>
+              <a:cxn ang="0">
+                <a:pos x="connsiteX3" y="connsiteY3"/>
+              </a:cxn>
+              <a:cxn ang="0">
+                <a:pos x="connsiteX4" y="connsiteY4"/>
+              </a:cxn>
+            </a:cxnLst>
+            <a:rect l="l" t="t" r="r" b="b"/>
+            <a:pathLst>
+              <a:path w="1016782" h="190963">
+                <a:moveTo>
+                  <a:pt x="0" y="2277"/>
+                </a:moveTo>
+                <a:lnTo>
+                  <a:pt x="1004019" y="0"/>
+                </a:lnTo>
+                <a:lnTo>
+                  <a:pt x="1016781" y="190960"/>
+                </a:lnTo>
+                <a:lnTo>
+                  <a:pt x="0" y="190963"/>
+                </a:lnTo>
+                <a:lnTo>
+                  <a:pt x="0" y="2277"/>
+                </a:lnTo>
+                <a:close/>
+              </a:path>
+            </a:pathLst>
+          </a:custGeom>
+          <a:solidFill>
+            <a:schemeClr val="tx1"/>
+          </a:solidFill>
+          <a:ln>
+            <a:solidFill>
+              <a:schemeClr val="tx1"/>
+            </a:solidFill>
+          </a:ln>
+        </p:spPr>
+        <p:style>
+          <a:lnRef idx="2">
+            <a:schemeClr val="accent1">
+              <a:shade val="50000"/>
+            </a:schemeClr>
+          </a:lnRef>
+          <a:fillRef idx="1">
+            <a:schemeClr val="accent1"/>
+          </a:fillRef>
+          <a:effectRef idx="0">
+            <a:schemeClr val="accent1"/>
+          </a:effectRef>
+          <a:fontRef idx="minor">
+            <a:schemeClr val="lt1"/>
+          </a:fontRef>
+        </p:style>
+        <p:txBody>
+          <a:bodyPr rtlCol="0" anchor="ctr"/>
+          <a:lstStyle/>
+          <a:p>
+            <a:pPr algn="ctr"/>
+            <a:endParaRPr lang="en-US"/>
+          </a:p>
+        </p:txBody>
+      </p:sp>
+      <p:sp>
+        <p:nvSpPr>
+          <p:cNvPr id="5" name="Rectángulo 7"/>
+          <p:cNvSpPr/>
+          <p:nvPr/>
+        </p:nvSpPr>
+        <p:spPr>
+          <a:xfrm rot="1728145">
+            <a:off x="1457489" y="2427099"/>
+            <a:ext cx="987412" cy="188910"/>
+          </a:xfrm>
+          <a:custGeom>
+            <a:avLst/>
+            <a:gdLst>
+              <a:gd name="connsiteX0" fmla="*/ 0 w 987412"/>
+              <a:gd name="connsiteY0" fmla="*/ 0 h 188686"/>
+              <a:gd name="connsiteX1" fmla="*/ 987412 w 987412"/>
+              <a:gd name="connsiteY1" fmla="*/ 0 h 188686"/>
+              <a:gd name="connsiteX2" fmla="*/ 987412 w 987412"/>
+              <a:gd name="connsiteY2" fmla="*/ 188686 h 188686"/>
+              <a:gd name="connsiteX3" fmla="*/ 0 w 987412"/>
+              <a:gd name="connsiteY3" fmla="*/ 188686 h 188686"/>
+              <a:gd name="connsiteX4" fmla="*/ 0 w 987412"/>
+              <a:gd name="connsiteY4" fmla="*/ 0 h 188686"/>
+              <a:gd name="connsiteX0" fmla="*/ 0 w 987412"/>
+              <a:gd name="connsiteY0" fmla="*/ 224 h 188910"/>
+              <a:gd name="connsiteX1" fmla="*/ 884026 w 987412"/>
+              <a:gd name="connsiteY1" fmla="*/ 0 h 188910"/>
+              <a:gd name="connsiteX2" fmla="*/ 987412 w 987412"/>
+              <a:gd name="connsiteY2" fmla="*/ 188910 h 188910"/>
+              <a:gd name="connsiteX3" fmla="*/ 0 w 987412"/>
+              <a:gd name="connsiteY3" fmla="*/ 188910 h 188910"/>
+              <a:gd name="connsiteX4" fmla="*/ 0 w 987412"/>
+              <a:gd name="connsiteY4" fmla="*/ 224 h 188910"/>
+            </a:gdLst>
+            <a:ahLst/>
+            <a:cxnLst>
+              <a:cxn ang="0">
+                <a:pos x="connsiteX0" y="connsiteY0"/>
+              </a:cxn>
+              <a:cxn ang="0">
+                <a:pos x="connsiteX1" y="connsiteY1"/>
+              </a:cxn>
+              <a:cxn ang="0">
+                <a:pos x="connsiteX2" y="connsiteY2"/>
+              </a:cxn>
+              <a:cxn ang="0">
+                <a:pos x="connsiteX3" y="connsiteY3"/>
+              </a:cxn>
+              <a:cxn ang="0">
+                <a:pos x="connsiteX4" y="connsiteY4"/>
+              </a:cxn>
+            </a:cxnLst>
+            <a:rect l="l" t="t" r="r" b="b"/>
+            <a:pathLst>
+              <a:path w="987412" h="188910">
+                <a:moveTo>
+                  <a:pt x="0" y="224"/>
+                </a:moveTo>
+                <a:lnTo>
+                  <a:pt x="884026" y="0"/>
+                </a:lnTo>
+                <a:lnTo>
+                  <a:pt x="987412" y="188910"/>
+                </a:lnTo>
+                <a:lnTo>
+                  <a:pt x="0" y="188910"/>
+                </a:lnTo>
+                <a:lnTo>
+                  <a:pt x="0" y="224"/>
+                </a:lnTo>
+                <a:close/>
+              </a:path>
+            </a:pathLst>
+          </a:custGeom>
+          <a:solidFill>
+            <a:srgbClr val="FF8000"/>
+          </a:solidFill>
+          <a:ln>
+            <a:solidFill>
+              <a:srgbClr val="FF8000"/>
+            </a:solidFill>
+          </a:ln>
+        </p:spPr>
+        <p:style>
+          <a:lnRef idx="2">
+            <a:schemeClr val="accent1">
+              <a:shade val="50000"/>
+            </a:schemeClr>
+          </a:lnRef>
+          <a:fillRef idx="1">
+            <a:schemeClr val="accent1"/>
+          </a:fillRef>
+          <a:effectRef idx="0">
+            <a:schemeClr val="accent1"/>
+          </a:effectRef>
+          <a:fontRef idx="minor">
+            <a:schemeClr val="lt1"/>
+          </a:fontRef>
+        </p:style>
+        <p:txBody>
+          <a:bodyPr rtlCol="0" anchor="ctr"/>
+          <a:lstStyle/>
+          <a:p>
+            <a:pPr algn="ctr"/>
+            <a:endParaRPr lang="en-US"/>
+          </a:p>
+        </p:txBody>
+      </p:sp>
+      <p:sp>
+        <p:nvSpPr>
+          <p:cNvPr id="6" name="Rectángulo 5"/>
+          <p:cNvSpPr/>
+          <p:nvPr/>
+        </p:nvSpPr>
+        <p:spPr>
+          <a:xfrm>
+            <a:off x="2253796" y="979026"/>
+            <a:ext cx="1008125" cy="188686"/>
+          </a:xfrm>
+          <a:prstGeom prst="rect">
+            <a:avLst/>
+          </a:prstGeom>
+          <a:solidFill>
+            <a:srgbClr val="666666"/>
+          </a:solidFill>
+          <a:ln>
+            <a:solidFill>
+              <a:srgbClr val="666666"/>
+            </a:solidFill>
+          </a:ln>
+        </p:spPr>
+        <p:style>
+          <a:lnRef idx="2">
+            <a:schemeClr val="accent1">
+              <a:shade val="50000"/>
+            </a:schemeClr>
+          </a:lnRef>
+          <a:fillRef idx="1">
+            <a:schemeClr val="accent1"/>
+          </a:fillRef>
+          <a:effectRef idx="0">
+            <a:schemeClr val="accent1"/>
+          </a:effectRef>
+          <a:fontRef idx="minor">
+            <a:schemeClr val="lt1"/>
+          </a:fontRef>
+        </p:style>
+        <p:txBody>
+          <a:bodyPr rtlCol="0" anchor="ctr"/>
+          <a:lstStyle/>
+          <a:p>
+            <a:pPr algn="ctr"/>
+            <a:endParaRPr lang="en-US"/>
+          </a:p>
+        </p:txBody>
+      </p:sp>
+      <p:sp>
+        <p:nvSpPr>
+          <p:cNvPr id="7" name="Rectángulo 6"/>
+          <p:cNvSpPr/>
+          <p:nvPr/>
+        </p:nvSpPr>
+        <p:spPr>
+          <a:xfrm rot="5400000">
+            <a:off x="2038369" y="1202889"/>
+            <a:ext cx="619543" cy="188686"/>
+          </a:xfrm>
+          <a:prstGeom prst="rect">
+            <a:avLst/>
+          </a:prstGeom>
+          <a:solidFill>
+            <a:srgbClr val="666666"/>
+          </a:solidFill>
+          <a:ln>
+            <a:solidFill>
+              <a:srgbClr val="666666"/>
+            </a:solidFill>
+          </a:ln>
+        </p:spPr>
+        <p:style>
+          <a:lnRef idx="2">
+            <a:schemeClr val="accent1">
+              <a:shade val="50000"/>
+            </a:schemeClr>
+          </a:lnRef>
+          <a:fillRef idx="1">
+            <a:schemeClr val="accent1"/>
+          </a:fillRef>
+          <a:effectRef idx="0">
+            <a:schemeClr val="accent1"/>
+          </a:effectRef>
+          <a:fontRef idx="minor">
+            <a:schemeClr val="lt1"/>
+          </a:fontRef>
+        </p:style>
+        <p:txBody>
+          <a:bodyPr rtlCol="0" anchor="ctr"/>
+          <a:lstStyle/>
+          <a:p>
+            <a:pPr algn="ctr"/>
+            <a:endParaRPr lang="en-US"/>
+          </a:p>
+        </p:txBody>
+      </p:sp>
+      <p:sp>
+        <p:nvSpPr>
+          <p:cNvPr id="8" name="Rectángulo 6"/>
+          <p:cNvSpPr/>
+          <p:nvPr/>
+        </p:nvSpPr>
+        <p:spPr>
+          <a:xfrm rot="5400000">
+            <a:off x="2828382" y="1229221"/>
+            <a:ext cx="679351" cy="195831"/>
+          </a:xfrm>
+          <a:custGeom>
+            <a:avLst/>
+            <a:gdLst>
+              <a:gd name="connsiteX0" fmla="*/ 0 w 1021842"/>
+              <a:gd name="connsiteY0" fmla="*/ 0 h 188686"/>
+              <a:gd name="connsiteX1" fmla="*/ 1021842 w 1021842"/>
+              <a:gd name="connsiteY1" fmla="*/ 0 h 188686"/>
+              <a:gd name="connsiteX2" fmla="*/ 1021842 w 1021842"/>
+              <a:gd name="connsiteY2" fmla="*/ 188686 h 188686"/>
+              <a:gd name="connsiteX3" fmla="*/ 0 w 1021842"/>
+              <a:gd name="connsiteY3" fmla="*/ 188686 h 188686"/>
+              <a:gd name="connsiteX4" fmla="*/ 0 w 1021842"/>
+              <a:gd name="connsiteY4" fmla="*/ 0 h 188686"/>
+              <a:gd name="connsiteX0" fmla="*/ 0 w 1021842"/>
+              <a:gd name="connsiteY0" fmla="*/ 0 h 188686"/>
+              <a:gd name="connsiteX1" fmla="*/ 1021842 w 1021842"/>
+              <a:gd name="connsiteY1" fmla="*/ 0 h 188686"/>
+              <a:gd name="connsiteX2" fmla="*/ 848010 w 1021842"/>
+              <a:gd name="connsiteY2" fmla="*/ 188686 h 188686"/>
+              <a:gd name="connsiteX3" fmla="*/ 0 w 1021842"/>
+              <a:gd name="connsiteY3" fmla="*/ 188686 h 188686"/>
+              <a:gd name="connsiteX4" fmla="*/ 0 w 1021842"/>
+              <a:gd name="connsiteY4" fmla="*/ 0 h 188686"/>
+              <a:gd name="connsiteX0" fmla="*/ 0 w 1021842"/>
+              <a:gd name="connsiteY0" fmla="*/ 0 h 188686"/>
+              <a:gd name="connsiteX1" fmla="*/ 1021842 w 1021842"/>
+              <a:gd name="connsiteY1" fmla="*/ 0 h 188686"/>
+              <a:gd name="connsiteX2" fmla="*/ 894057 w 1021842"/>
+              <a:gd name="connsiteY2" fmla="*/ 188686 h 188686"/>
+              <a:gd name="connsiteX3" fmla="*/ 0 w 1021842"/>
+              <a:gd name="connsiteY3" fmla="*/ 188686 h 188686"/>
+              <a:gd name="connsiteX4" fmla="*/ 0 w 1021842"/>
+              <a:gd name="connsiteY4" fmla="*/ 0 h 188686"/>
+              <a:gd name="connsiteX0" fmla="*/ 0 w 1021842"/>
+              <a:gd name="connsiteY0" fmla="*/ 0 h 193449"/>
+              <a:gd name="connsiteX1" fmla="*/ 1021842 w 1021842"/>
+              <a:gd name="connsiteY1" fmla="*/ 0 h 193449"/>
+              <a:gd name="connsiteX2" fmla="*/ 858637 w 1021842"/>
+              <a:gd name="connsiteY2" fmla="*/ 193449 h 193449"/>
+              <a:gd name="connsiteX3" fmla="*/ 0 w 1021842"/>
+              <a:gd name="connsiteY3" fmla="*/ 188686 h 193449"/>
+              <a:gd name="connsiteX4" fmla="*/ 0 w 1021842"/>
+              <a:gd name="connsiteY4" fmla="*/ 0 h 193449"/>
+              <a:gd name="connsiteX0" fmla="*/ 0 w 1021842"/>
+              <a:gd name="connsiteY0" fmla="*/ 0 h 195831"/>
+              <a:gd name="connsiteX1" fmla="*/ 1021842 w 1021842"/>
+              <a:gd name="connsiteY1" fmla="*/ 0 h 195831"/>
+              <a:gd name="connsiteX2" fmla="*/ 862183 w 1021842"/>
+              <a:gd name="connsiteY2" fmla="*/ 195831 h 195831"/>
+              <a:gd name="connsiteX3" fmla="*/ 0 w 1021842"/>
+              <a:gd name="connsiteY3" fmla="*/ 188686 h 195831"/>
+              <a:gd name="connsiteX4" fmla="*/ 0 w 1021842"/>
+              <a:gd name="connsiteY4" fmla="*/ 0 h 195831"/>
+            </a:gdLst>
+            <a:ahLst/>
+            <a:cxnLst>
+              <a:cxn ang="0">
+                <a:pos x="connsiteX0" y="connsiteY0"/>
+              </a:cxn>
+              <a:cxn ang="0">
+                <a:pos x="connsiteX1" y="connsiteY1"/>
+              </a:cxn>
+              <a:cxn ang="0">
+                <a:pos x="connsiteX2" y="connsiteY2"/>
+              </a:cxn>
+              <a:cxn ang="0">
+                <a:pos x="connsiteX3" y="connsiteY3"/>
+              </a:cxn>
+              <a:cxn ang="0">
+                <a:pos x="connsiteX4" y="connsiteY4"/>
+              </a:cxn>
+            </a:cxnLst>
+            <a:rect l="l" t="t" r="r" b="b"/>
+            <a:pathLst>
+              <a:path w="1021842" h="195831">
+                <a:moveTo>
+                  <a:pt x="0" y="0"/>
+                </a:moveTo>
+                <a:lnTo>
+                  <a:pt x="1021842" y="0"/>
+                </a:lnTo>
+                <a:lnTo>
+                  <a:pt x="862183" y="195831"/>
+                </a:lnTo>
+                <a:lnTo>
+                  <a:pt x="0" y="188686"/>
+                </a:lnTo>
+                <a:lnTo>
+                  <a:pt x="0" y="0"/>
+                </a:lnTo>
+                <a:close/>
+              </a:path>
+            </a:pathLst>
+          </a:custGeom>
+          <a:solidFill>
+            <a:srgbClr val="666666"/>
+          </a:solidFill>
+          <a:ln>
+            <a:solidFill>
+              <a:srgbClr val="666666"/>
+            </a:solidFill>
+          </a:ln>
+        </p:spPr>
+        <p:style>
+          <a:lnRef idx="2">
+            <a:schemeClr val="accent1">
+              <a:shade val="50000"/>
+            </a:schemeClr>
+          </a:lnRef>
+          <a:fillRef idx="1">
+            <a:schemeClr val="accent1"/>
+          </a:fillRef>
+          <a:effectRef idx="0">
+            <a:schemeClr val="accent1"/>
+          </a:effectRef>
+          <a:fontRef idx="minor">
+            <a:schemeClr val="lt1"/>
+          </a:fontRef>
+        </p:style>
+        <p:txBody>
+          <a:bodyPr rtlCol="0" anchor="ctr"/>
+          <a:lstStyle/>
+          <a:p>
+            <a:pPr algn="ctr"/>
+            <a:endParaRPr lang="en-US"/>
+          </a:p>
+        </p:txBody>
+      </p:sp>
+      <p:sp>
+        <p:nvSpPr>
+          <p:cNvPr id="9" name="Rectángulo 6"/>
+          <p:cNvSpPr/>
+          <p:nvPr/>
+        </p:nvSpPr>
+        <p:spPr>
+          <a:xfrm rot="5400000" flipH="1" flipV="1">
+            <a:off x="1265880" y="1966500"/>
+            <a:ext cx="610018" cy="195831"/>
+          </a:xfrm>
+          <a:custGeom>
+            <a:avLst/>
+            <a:gdLst>
+              <a:gd name="connsiteX0" fmla="*/ 0 w 1021842"/>
+              <a:gd name="connsiteY0" fmla="*/ 0 h 188686"/>
+              <a:gd name="connsiteX1" fmla="*/ 1021842 w 1021842"/>
+              <a:gd name="connsiteY1" fmla="*/ 0 h 188686"/>
+              <a:gd name="connsiteX2" fmla="*/ 1021842 w 1021842"/>
+              <a:gd name="connsiteY2" fmla="*/ 188686 h 188686"/>
+              <a:gd name="connsiteX3" fmla="*/ 0 w 1021842"/>
+              <a:gd name="connsiteY3" fmla="*/ 188686 h 188686"/>
+              <a:gd name="connsiteX4" fmla="*/ 0 w 1021842"/>
+              <a:gd name="connsiteY4" fmla="*/ 0 h 188686"/>
+              <a:gd name="connsiteX0" fmla="*/ 0 w 1021842"/>
+              <a:gd name="connsiteY0" fmla="*/ 0 h 188686"/>
+              <a:gd name="connsiteX1" fmla="*/ 1021842 w 1021842"/>
+              <a:gd name="connsiteY1" fmla="*/ 0 h 188686"/>
+              <a:gd name="connsiteX2" fmla="*/ 848010 w 1021842"/>
+              <a:gd name="connsiteY2" fmla="*/ 188686 h 188686"/>
+              <a:gd name="connsiteX3" fmla="*/ 0 w 1021842"/>
+              <a:gd name="connsiteY3" fmla="*/ 188686 h 188686"/>
+              <a:gd name="connsiteX4" fmla="*/ 0 w 1021842"/>
+              <a:gd name="connsiteY4" fmla="*/ 0 h 188686"/>
+              <a:gd name="connsiteX0" fmla="*/ 0 w 1021842"/>
+              <a:gd name="connsiteY0" fmla="*/ 0 h 188686"/>
+              <a:gd name="connsiteX1" fmla="*/ 1021842 w 1021842"/>
+              <a:gd name="connsiteY1" fmla="*/ 0 h 188686"/>
+              <a:gd name="connsiteX2" fmla="*/ 894057 w 1021842"/>
+              <a:gd name="connsiteY2" fmla="*/ 188686 h 188686"/>
+              <a:gd name="connsiteX3" fmla="*/ 0 w 1021842"/>
+              <a:gd name="connsiteY3" fmla="*/ 188686 h 188686"/>
+              <a:gd name="connsiteX4" fmla="*/ 0 w 1021842"/>
+              <a:gd name="connsiteY4" fmla="*/ 0 h 188686"/>
+              <a:gd name="connsiteX0" fmla="*/ 0 w 1021842"/>
+              <a:gd name="connsiteY0" fmla="*/ 0 h 193449"/>
+              <a:gd name="connsiteX1" fmla="*/ 1021842 w 1021842"/>
+              <a:gd name="connsiteY1" fmla="*/ 0 h 193449"/>
+              <a:gd name="connsiteX2" fmla="*/ 858637 w 1021842"/>
+              <a:gd name="connsiteY2" fmla="*/ 193449 h 193449"/>
+              <a:gd name="connsiteX3" fmla="*/ 0 w 1021842"/>
+              <a:gd name="connsiteY3" fmla="*/ 188686 h 193449"/>
+              <a:gd name="connsiteX4" fmla="*/ 0 w 1021842"/>
+              <a:gd name="connsiteY4" fmla="*/ 0 h 193449"/>
+              <a:gd name="connsiteX0" fmla="*/ 0 w 1021842"/>
+              <a:gd name="connsiteY0" fmla="*/ 0 h 195831"/>
+              <a:gd name="connsiteX1" fmla="*/ 1021842 w 1021842"/>
+              <a:gd name="connsiteY1" fmla="*/ 0 h 195831"/>
+              <a:gd name="connsiteX2" fmla="*/ 862183 w 1021842"/>
+              <a:gd name="connsiteY2" fmla="*/ 195831 h 195831"/>
+              <a:gd name="connsiteX3" fmla="*/ 0 w 1021842"/>
+              <a:gd name="connsiteY3" fmla="*/ 188686 h 195831"/>
+              <a:gd name="connsiteX4" fmla="*/ 0 w 1021842"/>
+              <a:gd name="connsiteY4" fmla="*/ 0 h 195831"/>
+            </a:gdLst>
+            <a:ahLst/>
+            <a:cxnLst>
+              <a:cxn ang="0">
+                <a:pos x="connsiteX0" y="connsiteY0"/>
+              </a:cxn>
+              <a:cxn ang="0">
+                <a:pos x="connsiteX1" y="connsiteY1"/>
+              </a:cxn>
+              <a:cxn ang="0">
+                <a:pos x="connsiteX2" y="connsiteY2"/>
+              </a:cxn>
+              <a:cxn ang="0">
+                <a:pos x="connsiteX3" y="connsiteY3"/>
+              </a:cxn>
+              <a:cxn ang="0">
+                <a:pos x="connsiteX4" y="connsiteY4"/>
+              </a:cxn>
+            </a:cxnLst>
+            <a:rect l="l" t="t" r="r" b="b"/>
+            <a:pathLst>
+              <a:path w="1021842" h="195831">
+                <a:moveTo>
+                  <a:pt x="0" y="0"/>
+                </a:moveTo>
+                <a:lnTo>
+                  <a:pt x="1021842" y="0"/>
+                </a:lnTo>
+                <a:lnTo>
+                  <a:pt x="862183" y="195831"/>
+                </a:lnTo>
+                <a:lnTo>
+                  <a:pt x="0" y="188686"/>
+                </a:lnTo>
+                <a:lnTo>
+                  <a:pt x="0" y="0"/>
+                </a:lnTo>
+                <a:close/>
+              </a:path>
+            </a:pathLst>
+          </a:custGeom>
+          <a:solidFill>
+            <a:srgbClr val="FF8000"/>
+          </a:solidFill>
+          <a:ln>
+            <a:solidFill>
+              <a:srgbClr val="FF8000"/>
+            </a:solidFill>
+          </a:ln>
+        </p:spPr>
+        <p:style>
+          <a:lnRef idx="2">
+            <a:schemeClr val="accent1">
+              <a:shade val="50000"/>
+            </a:schemeClr>
+          </a:lnRef>
+          <a:fillRef idx="1">
+            <a:schemeClr val="accent1"/>
+          </a:fillRef>
+          <a:effectRef idx="0">
+            <a:schemeClr val="accent1"/>
+          </a:effectRef>
+          <a:fontRef idx="minor">
+            <a:schemeClr val="lt1"/>
+          </a:fontRef>
+        </p:style>
+        <p:txBody>
+          <a:bodyPr rtlCol="0" anchor="ctr"/>
+          <a:lstStyle/>
+          <a:p>
+            <a:pPr algn="ctr"/>
+            <a:endParaRPr lang="en-US"/>
+          </a:p>
+        </p:txBody>
+      </p:sp>
+      <p:sp>
+        <p:nvSpPr>
+          <p:cNvPr id="10" name="Triángulo isósceles 9"/>
+          <p:cNvSpPr/>
+          <p:nvPr/>
+        </p:nvSpPr>
+        <p:spPr>
+          <a:xfrm flipV="1">
+            <a:off x="2285818" y="2522531"/>
+            <a:ext cx="163328" cy="45719"/>
+          </a:xfrm>
+          <a:prstGeom prst="triangle">
+            <a:avLst/>
+          </a:prstGeom>
+          <a:solidFill>
+            <a:schemeClr val="tx1"/>
+          </a:solidFill>
+          <a:ln>
+            <a:solidFill>
+              <a:schemeClr val="tx1"/>
+            </a:solidFill>
+          </a:ln>
+        </p:spPr>
+        <p:style>
+          <a:lnRef idx="2">
+            <a:schemeClr val="accent1">
+              <a:shade val="50000"/>
+            </a:schemeClr>
+          </a:lnRef>
+          <a:fillRef idx="1">
+            <a:schemeClr val="accent1"/>
+          </a:fillRef>
+          <a:effectRef idx="0">
+            <a:schemeClr val="accent1"/>
+          </a:effectRef>
+          <a:fontRef idx="minor">
+            <a:schemeClr val="lt1"/>
+          </a:fontRef>
+        </p:style>
+        <p:txBody>
+          <a:bodyPr rtlCol="0" anchor="ctr"/>
+          <a:lstStyle/>
+          <a:p>
+            <a:pPr algn="ctr"/>
+            <a:endParaRPr lang="en-US"/>
+          </a:p>
+        </p:txBody>
+      </p:sp>
+      <p:sp>
+        <p:nvSpPr>
+          <p:cNvPr id="11" name="Hexágono 16"/>
+          <p:cNvSpPr/>
+          <p:nvPr/>
+        </p:nvSpPr>
+        <p:spPr>
+          <a:xfrm rot="5400000">
+            <a:off x="2199696" y="1807726"/>
+            <a:ext cx="337231" cy="240595"/>
+          </a:xfrm>
+          <a:custGeom>
+            <a:avLst/>
+            <a:gdLst>
+              <a:gd name="connsiteX0" fmla="*/ 0 w 288132"/>
+              <a:gd name="connsiteY0" fmla="*/ 104895 h 209789"/>
+              <a:gd name="connsiteX1" fmla="*/ 52447 w 288132"/>
+              <a:gd name="connsiteY1" fmla="*/ 0 h 209789"/>
+              <a:gd name="connsiteX2" fmla="*/ 235685 w 288132"/>
+              <a:gd name="connsiteY2" fmla="*/ 0 h 209789"/>
+              <a:gd name="connsiteX3" fmla="*/ 288132 w 288132"/>
+              <a:gd name="connsiteY3" fmla="*/ 104895 h 209789"/>
+              <a:gd name="connsiteX4" fmla="*/ 235685 w 288132"/>
+              <a:gd name="connsiteY4" fmla="*/ 209789 h 209789"/>
+              <a:gd name="connsiteX5" fmla="*/ 52447 w 288132"/>
+              <a:gd name="connsiteY5" fmla="*/ 209789 h 209789"/>
+              <a:gd name="connsiteX6" fmla="*/ 0 w 288132"/>
+              <a:gd name="connsiteY6" fmla="*/ 104895 h 209789"/>
+              <a:gd name="connsiteX0" fmla="*/ 0 w 235685"/>
+              <a:gd name="connsiteY0" fmla="*/ 209789 h 209789"/>
+              <a:gd name="connsiteX1" fmla="*/ 0 w 235685"/>
+              <a:gd name="connsiteY1" fmla="*/ 0 h 209789"/>
+              <a:gd name="connsiteX2" fmla="*/ 183238 w 235685"/>
+              <a:gd name="connsiteY2" fmla="*/ 0 h 209789"/>
+              <a:gd name="connsiteX3" fmla="*/ 235685 w 235685"/>
+              <a:gd name="connsiteY3" fmla="*/ 104895 h 209789"/>
+              <a:gd name="connsiteX4" fmla="*/ 183238 w 235685"/>
+              <a:gd name="connsiteY4" fmla="*/ 209789 h 209789"/>
+              <a:gd name="connsiteX5" fmla="*/ 0 w 235685"/>
+              <a:gd name="connsiteY5" fmla="*/ 209789 h 209789"/>
+              <a:gd name="connsiteX0" fmla="*/ 0 w 235685"/>
+              <a:gd name="connsiteY0" fmla="*/ 209789 h 209789"/>
+              <a:gd name="connsiteX1" fmla="*/ 55868 w 235685"/>
+              <a:gd name="connsiteY1" fmla="*/ 0 h 209789"/>
+              <a:gd name="connsiteX2" fmla="*/ 183238 w 235685"/>
+              <a:gd name="connsiteY2" fmla="*/ 0 h 209789"/>
+              <a:gd name="connsiteX3" fmla="*/ 235685 w 235685"/>
+              <a:gd name="connsiteY3" fmla="*/ 104895 h 209789"/>
+              <a:gd name="connsiteX4" fmla="*/ 183238 w 235685"/>
+              <a:gd name="connsiteY4" fmla="*/ 209789 h 209789"/>
+              <a:gd name="connsiteX5" fmla="*/ 0 w 235685"/>
+              <a:gd name="connsiteY5" fmla="*/ 209789 h 209789"/>
+              <a:gd name="connsiteX0" fmla="*/ 0 w 235685"/>
+              <a:gd name="connsiteY0" fmla="*/ 209789 h 209789"/>
+              <a:gd name="connsiteX1" fmla="*/ 68090 w 235685"/>
+              <a:gd name="connsiteY1" fmla="*/ 0 h 209789"/>
+              <a:gd name="connsiteX2" fmla="*/ 183238 w 235685"/>
+              <a:gd name="connsiteY2" fmla="*/ 0 h 209789"/>
+              <a:gd name="connsiteX3" fmla="*/ 235685 w 235685"/>
+              <a:gd name="connsiteY3" fmla="*/ 104895 h 209789"/>
+              <a:gd name="connsiteX4" fmla="*/ 183238 w 235685"/>
+              <a:gd name="connsiteY4" fmla="*/ 209789 h 209789"/>
+              <a:gd name="connsiteX5" fmla="*/ 0 w 235685"/>
+              <a:gd name="connsiteY5" fmla="*/ 209789 h 209789"/>
+              <a:gd name="connsiteX0" fmla="*/ 0 w 235685"/>
+              <a:gd name="connsiteY0" fmla="*/ 209789 h 209789"/>
+              <a:gd name="connsiteX1" fmla="*/ 78567 w 235685"/>
+              <a:gd name="connsiteY1" fmla="*/ 0 h 209789"/>
+              <a:gd name="connsiteX2" fmla="*/ 183238 w 235685"/>
+              <a:gd name="connsiteY2" fmla="*/ 0 h 209789"/>
+              <a:gd name="connsiteX3" fmla="*/ 235685 w 235685"/>
+              <a:gd name="connsiteY3" fmla="*/ 104895 h 209789"/>
+              <a:gd name="connsiteX4" fmla="*/ 183238 w 235685"/>
+              <a:gd name="connsiteY4" fmla="*/ 209789 h 209789"/>
+              <a:gd name="connsiteX5" fmla="*/ 0 w 235685"/>
+              <a:gd name="connsiteY5" fmla="*/ 209789 h 209789"/>
+              <a:gd name="connsiteX0" fmla="*/ 0 w 235685"/>
+              <a:gd name="connsiteY0" fmla="*/ 209789 h 209789"/>
+              <a:gd name="connsiteX1" fmla="*/ 98538 w 235685"/>
+              <a:gd name="connsiteY1" fmla="*/ 0 h 209789"/>
+              <a:gd name="connsiteX2" fmla="*/ 183238 w 235685"/>
+              <a:gd name="connsiteY2" fmla="*/ 0 h 209789"/>
+              <a:gd name="connsiteX3" fmla="*/ 235685 w 235685"/>
+              <a:gd name="connsiteY3" fmla="*/ 104895 h 209789"/>
+              <a:gd name="connsiteX4" fmla="*/ 183238 w 235685"/>
+              <a:gd name="connsiteY4" fmla="*/ 209789 h 209789"/>
+              <a:gd name="connsiteX5" fmla="*/ 0 w 235685"/>
+              <a:gd name="connsiteY5" fmla="*/ 209789 h 209789"/>
+            </a:gdLst>
+            <a:ahLst/>
+            <a:cxnLst>
+              <a:cxn ang="0">
+                <a:pos x="connsiteX0" y="connsiteY0"/>
+              </a:cxn>
+              <a:cxn ang="0">
+                <a:pos x="connsiteX1" y="connsiteY1"/>
+              </a:cxn>
+              <a:cxn ang="0">
+                <a:pos x="connsiteX2" y="connsiteY2"/>
+              </a:cxn>
+              <a:cxn ang="0">
+                <a:pos x="connsiteX3" y="connsiteY3"/>
+              </a:cxn>
+              <a:cxn ang="0">
+                <a:pos x="connsiteX4" y="connsiteY4"/>
+              </a:cxn>
+              <a:cxn ang="0">
+                <a:pos x="connsiteX5" y="connsiteY5"/>
+              </a:cxn>
+            </a:cxnLst>
+            <a:rect l="l" t="t" r="r" b="b"/>
+            <a:pathLst>
+              <a:path w="235685" h="209789">
+                <a:moveTo>
+                  <a:pt x="0" y="209789"/>
+                </a:moveTo>
+                <a:lnTo>
+                  <a:pt x="98538" y="0"/>
+                </a:lnTo>
+                <a:lnTo>
+                  <a:pt x="183238" y="0"/>
+                </a:lnTo>
+                <a:lnTo>
+                  <a:pt x="235685" y="104895"/>
+                </a:lnTo>
+                <a:lnTo>
+                  <a:pt x="183238" y="209789"/>
+                </a:lnTo>
+                <a:lnTo>
+                  <a:pt x="0" y="209789"/>
+                </a:lnTo>
+                <a:close/>
+              </a:path>
+            </a:pathLst>
+          </a:custGeom>
+          <a:solidFill>
+            <a:schemeClr val="tx1"/>
+          </a:solidFill>
+          <a:ln w="28575">
+            <a:solidFill>
+              <a:schemeClr val="bg1"/>
+            </a:solidFill>
+          </a:ln>
+        </p:spPr>
+        <p:style>
+          <a:lnRef idx="2">
+            <a:schemeClr val="accent1">
+              <a:shade val="50000"/>
+            </a:schemeClr>
+          </a:lnRef>
+          <a:fillRef idx="1">
+            <a:schemeClr val="accent1"/>
+          </a:fillRef>
+          <a:effectRef idx="0">
+            <a:schemeClr val="accent1"/>
+          </a:effectRef>
+          <a:fontRef idx="minor">
+            <a:schemeClr val="lt1"/>
+          </a:fontRef>
+        </p:style>
+        <p:txBody>
+          <a:bodyPr rtlCol="0" anchor="ctr"/>
+          <a:lstStyle/>
+          <a:p>
+            <a:pPr algn="ctr"/>
+            <a:endParaRPr lang="en-US"/>
+          </a:p>
+        </p:txBody>
+      </p:sp>
+      <p:sp>
+        <p:nvSpPr>
+          <p:cNvPr id="12" name="Rectángulo 14"/>
+          <p:cNvSpPr/>
+          <p:nvPr/>
+        </p:nvSpPr>
+        <p:spPr>
+          <a:xfrm rot="1728145">
+            <a:off x="1462227" y="1611579"/>
+            <a:ext cx="877762" cy="196109"/>
+          </a:xfrm>
+          <a:custGeom>
+            <a:avLst/>
+            <a:gdLst>
+              <a:gd name="connsiteX0" fmla="*/ 0 w 779095"/>
+              <a:gd name="connsiteY0" fmla="*/ 0 h 188686"/>
+              <a:gd name="connsiteX1" fmla="*/ 779095 w 779095"/>
+              <a:gd name="connsiteY1" fmla="*/ 0 h 188686"/>
+              <a:gd name="connsiteX2" fmla="*/ 779095 w 779095"/>
+              <a:gd name="connsiteY2" fmla="*/ 188686 h 188686"/>
+              <a:gd name="connsiteX3" fmla="*/ 0 w 779095"/>
+              <a:gd name="connsiteY3" fmla="*/ 188686 h 188686"/>
+              <a:gd name="connsiteX4" fmla="*/ 0 w 779095"/>
+              <a:gd name="connsiteY4" fmla="*/ 0 h 188686"/>
+              <a:gd name="connsiteX0" fmla="*/ 0 w 873125"/>
+              <a:gd name="connsiteY0" fmla="*/ 0 h 194959"/>
+              <a:gd name="connsiteX1" fmla="*/ 779095 w 873125"/>
+              <a:gd name="connsiteY1" fmla="*/ 0 h 194959"/>
+              <a:gd name="connsiteX2" fmla="*/ 873125 w 873125"/>
+              <a:gd name="connsiteY2" fmla="*/ 194959 h 194959"/>
+              <a:gd name="connsiteX3" fmla="*/ 0 w 873125"/>
+              <a:gd name="connsiteY3" fmla="*/ 188686 h 194959"/>
+              <a:gd name="connsiteX4" fmla="*/ 0 w 873125"/>
+              <a:gd name="connsiteY4" fmla="*/ 0 h 194959"/>
+              <a:gd name="connsiteX0" fmla="*/ 0 w 890963"/>
+              <a:gd name="connsiteY0" fmla="*/ 0 h 192875"/>
+              <a:gd name="connsiteX1" fmla="*/ 779095 w 890963"/>
+              <a:gd name="connsiteY1" fmla="*/ 0 h 192875"/>
+              <a:gd name="connsiteX2" fmla="*/ 890963 w 890963"/>
+              <a:gd name="connsiteY2" fmla="*/ 192875 h 192875"/>
+              <a:gd name="connsiteX3" fmla="*/ 0 w 890963"/>
+              <a:gd name="connsiteY3" fmla="*/ 188686 h 192875"/>
+              <a:gd name="connsiteX4" fmla="*/ 0 w 890963"/>
+              <a:gd name="connsiteY4" fmla="*/ 0 h 192875"/>
+              <a:gd name="connsiteX0" fmla="*/ 0 w 890963"/>
+              <a:gd name="connsiteY0" fmla="*/ 0 h 192875"/>
+              <a:gd name="connsiteX1" fmla="*/ 779095 w 890963"/>
+              <a:gd name="connsiteY1" fmla="*/ 0 h 192875"/>
+              <a:gd name="connsiteX2" fmla="*/ 890963 w 890963"/>
+              <a:gd name="connsiteY2" fmla="*/ 192875 h 192875"/>
+              <a:gd name="connsiteX3" fmla="*/ 0 w 890963"/>
+              <a:gd name="connsiteY3" fmla="*/ 188686 h 192875"/>
+              <a:gd name="connsiteX4" fmla="*/ 0 w 890963"/>
+              <a:gd name="connsiteY4" fmla="*/ 0 h 192875"/>
+              <a:gd name="connsiteX0" fmla="*/ 0 w 882501"/>
+              <a:gd name="connsiteY0" fmla="*/ 0 h 197464"/>
+              <a:gd name="connsiteX1" fmla="*/ 779095 w 882501"/>
+              <a:gd name="connsiteY1" fmla="*/ 0 h 197464"/>
+              <a:gd name="connsiteX2" fmla="*/ 882501 w 882501"/>
+              <a:gd name="connsiteY2" fmla="*/ 197464 h 197464"/>
+              <a:gd name="connsiteX3" fmla="*/ 0 w 882501"/>
+              <a:gd name="connsiteY3" fmla="*/ 188686 h 197464"/>
+              <a:gd name="connsiteX4" fmla="*/ 0 w 882501"/>
+              <a:gd name="connsiteY4" fmla="*/ 0 h 197464"/>
+              <a:gd name="connsiteX0" fmla="*/ 0 w 890011"/>
+              <a:gd name="connsiteY0" fmla="*/ 0 h 196109"/>
+              <a:gd name="connsiteX1" fmla="*/ 779095 w 890011"/>
+              <a:gd name="connsiteY1" fmla="*/ 0 h 196109"/>
+              <a:gd name="connsiteX2" fmla="*/ 890011 w 890011"/>
+              <a:gd name="connsiteY2" fmla="*/ 196109 h 196109"/>
+              <a:gd name="connsiteX3" fmla="*/ 0 w 890011"/>
+              <a:gd name="connsiteY3" fmla="*/ 188686 h 196109"/>
+              <a:gd name="connsiteX4" fmla="*/ 0 w 890011"/>
+              <a:gd name="connsiteY4" fmla="*/ 0 h 196109"/>
+              <a:gd name="connsiteX0" fmla="*/ 0 w 890011"/>
+              <a:gd name="connsiteY0" fmla="*/ 0 h 196109"/>
+              <a:gd name="connsiteX1" fmla="*/ 779095 w 890011"/>
+              <a:gd name="connsiteY1" fmla="*/ 0 h 196109"/>
+              <a:gd name="connsiteX2" fmla="*/ 890011 w 890011"/>
+              <a:gd name="connsiteY2" fmla="*/ 196109 h 196109"/>
+              <a:gd name="connsiteX3" fmla="*/ 0 w 890011"/>
+              <a:gd name="connsiteY3" fmla="*/ 188686 h 196109"/>
+              <a:gd name="connsiteX4" fmla="*/ 0 w 890011"/>
+              <a:gd name="connsiteY4" fmla="*/ 0 h 196109"/>
+            </a:gdLst>
+            <a:ahLst/>
+            <a:cxnLst>
+              <a:cxn ang="0">
+                <a:pos x="connsiteX0" y="connsiteY0"/>
+              </a:cxn>
+              <a:cxn ang="0">
+                <a:pos x="connsiteX1" y="connsiteY1"/>
+              </a:cxn>
+              <a:cxn ang="0">
+                <a:pos x="connsiteX2" y="connsiteY2"/>
+              </a:cxn>
+              <a:cxn ang="0">
+                <a:pos x="connsiteX3" y="connsiteY3"/>
+              </a:cxn>
+              <a:cxn ang="0">
+                <a:pos x="connsiteX4" y="connsiteY4"/>
+              </a:cxn>
+            </a:cxnLst>
+            <a:rect l="l" t="t" r="r" b="b"/>
+            <a:pathLst>
+              <a:path w="890011" h="196109">
+                <a:moveTo>
+                  <a:pt x="0" y="0"/>
+                </a:moveTo>
+                <a:lnTo>
+                  <a:pt x="779095" y="0"/>
+                </a:lnTo>
+                <a:lnTo>
+                  <a:pt x="890011" y="196109"/>
+                </a:lnTo>
+                <a:lnTo>
+                  <a:pt x="0" y="188686"/>
+                </a:lnTo>
+                <a:lnTo>
+                  <a:pt x="0" y="0"/>
+                </a:lnTo>
+                <a:close/>
+              </a:path>
+            </a:pathLst>
+          </a:custGeom>
+          <a:solidFill>
+            <a:srgbClr val="FF8000"/>
+          </a:solidFill>
+          <a:ln>
+            <a:solidFill>
+              <a:srgbClr val="FF8000"/>
+            </a:solidFill>
+          </a:ln>
+        </p:spPr>
+        <p:style>
+          <a:lnRef idx="2">
+            <a:schemeClr val="accent1">
+              <a:shade val="50000"/>
+            </a:schemeClr>
+          </a:lnRef>
+          <a:fillRef idx="1">
+            <a:schemeClr val="accent1"/>
+          </a:fillRef>
+          <a:effectRef idx="0">
+            <a:schemeClr val="accent1"/>
+          </a:effectRef>
+          <a:fontRef idx="minor">
+            <a:schemeClr val="lt1"/>
+          </a:fontRef>
+        </p:style>
+        <p:txBody>
+          <a:bodyPr rtlCol="0" anchor="ctr"/>
+          <a:lstStyle/>
+          <a:p>
+            <a:pPr algn="ctr"/>
+            <a:endParaRPr lang="en-US"/>
+          </a:p>
+        </p:txBody>
+      </p:sp>
+      <p:sp>
+        <p:nvSpPr>
+          <p:cNvPr id="13" name="Rectángulo 7"/>
+          <p:cNvSpPr/>
+          <p:nvPr/>
+        </p:nvSpPr>
+        <p:spPr>
+          <a:xfrm rot="19871855" flipH="1">
+            <a:off x="2270248" y="2424438"/>
+            <a:ext cx="987412" cy="188910"/>
+          </a:xfrm>
+          <a:custGeom>
+            <a:avLst/>
+            <a:gdLst>
+              <a:gd name="connsiteX0" fmla="*/ 0 w 987412"/>
+              <a:gd name="connsiteY0" fmla="*/ 0 h 188686"/>
+              <a:gd name="connsiteX1" fmla="*/ 987412 w 987412"/>
+              <a:gd name="connsiteY1" fmla="*/ 0 h 188686"/>
+              <a:gd name="connsiteX2" fmla="*/ 987412 w 987412"/>
+              <a:gd name="connsiteY2" fmla="*/ 188686 h 188686"/>
+              <a:gd name="connsiteX3" fmla="*/ 0 w 987412"/>
+              <a:gd name="connsiteY3" fmla="*/ 188686 h 188686"/>
+              <a:gd name="connsiteX4" fmla="*/ 0 w 987412"/>
+              <a:gd name="connsiteY4" fmla="*/ 0 h 188686"/>
+              <a:gd name="connsiteX0" fmla="*/ 0 w 987412"/>
+              <a:gd name="connsiteY0" fmla="*/ 224 h 188910"/>
+              <a:gd name="connsiteX1" fmla="*/ 884026 w 987412"/>
+              <a:gd name="connsiteY1" fmla="*/ 0 h 188910"/>
+              <a:gd name="connsiteX2" fmla="*/ 987412 w 987412"/>
+              <a:gd name="connsiteY2" fmla="*/ 188910 h 188910"/>
+              <a:gd name="connsiteX3" fmla="*/ 0 w 987412"/>
+              <a:gd name="connsiteY3" fmla="*/ 188910 h 188910"/>
+              <a:gd name="connsiteX4" fmla="*/ 0 w 987412"/>
+              <a:gd name="connsiteY4" fmla="*/ 224 h 188910"/>
+            </a:gdLst>
+            <a:ahLst/>
+            <a:cxnLst>
+              <a:cxn ang="0">
+                <a:pos x="connsiteX0" y="connsiteY0"/>
+              </a:cxn>
+              <a:cxn ang="0">
+                <a:pos x="connsiteX1" y="connsiteY1"/>
+              </a:cxn>
+              <a:cxn ang="0">
+                <a:pos x="connsiteX2" y="connsiteY2"/>
+              </a:cxn>
+              <a:cxn ang="0">
+                <a:pos x="connsiteX3" y="connsiteY3"/>
+              </a:cxn>
+              <a:cxn ang="0">
+                <a:pos x="connsiteX4" y="connsiteY4"/>
+              </a:cxn>
+            </a:cxnLst>
+            <a:rect l="l" t="t" r="r" b="b"/>
+            <a:pathLst>
+              <a:path w="987412" h="188910">
+                <a:moveTo>
+                  <a:pt x="0" y="224"/>
+                </a:moveTo>
+                <a:lnTo>
+                  <a:pt x="884026" y="0"/>
+                </a:lnTo>
+                <a:lnTo>
+                  <a:pt x="987412" y="188910"/>
+                </a:lnTo>
+                <a:lnTo>
+                  <a:pt x="0" y="188910"/>
+                </a:lnTo>
+                <a:lnTo>
+                  <a:pt x="0" y="224"/>
+                </a:lnTo>
+                <a:close/>
+              </a:path>
+            </a:pathLst>
+          </a:custGeom>
+          <a:solidFill>
+            <a:srgbClr val="666666"/>
+          </a:solidFill>
+          <a:ln>
+            <a:solidFill>
+              <a:srgbClr val="666666"/>
+            </a:solidFill>
+          </a:ln>
+        </p:spPr>
+        <p:style>
+          <a:lnRef idx="2">
+            <a:schemeClr val="accent1">
+              <a:shade val="50000"/>
+            </a:schemeClr>
+          </a:lnRef>
+          <a:fillRef idx="1">
+            <a:schemeClr val="accent1"/>
+          </a:fillRef>
+          <a:effectRef idx="0">
+            <a:schemeClr val="accent1"/>
+          </a:effectRef>
+          <a:fontRef idx="minor">
+            <a:schemeClr val="lt1"/>
+          </a:fontRef>
+        </p:style>
+        <p:txBody>
+          <a:bodyPr rtlCol="0" anchor="ctr"/>
+          <a:lstStyle/>
+          <a:p>
+            <a:pPr algn="ctr"/>
+            <a:endParaRPr lang="en-US"/>
+          </a:p>
+        </p:txBody>
+      </p:sp>
+      <p:sp>
+        <p:nvSpPr>
+          <p:cNvPr id="14" name="Rectángulo 6"/>
+          <p:cNvSpPr/>
+          <p:nvPr/>
+        </p:nvSpPr>
+        <p:spPr>
+          <a:xfrm rot="5400000">
+            <a:off x="2952182" y="2060398"/>
+            <a:ext cx="385069" cy="195831"/>
+          </a:xfrm>
+          <a:custGeom>
+            <a:avLst/>
+            <a:gdLst>
+              <a:gd name="connsiteX0" fmla="*/ 0 w 1021842"/>
+              <a:gd name="connsiteY0" fmla="*/ 0 h 188686"/>
+              <a:gd name="connsiteX1" fmla="*/ 1021842 w 1021842"/>
+              <a:gd name="connsiteY1" fmla="*/ 0 h 188686"/>
+              <a:gd name="connsiteX2" fmla="*/ 1021842 w 1021842"/>
+              <a:gd name="connsiteY2" fmla="*/ 188686 h 188686"/>
+              <a:gd name="connsiteX3" fmla="*/ 0 w 1021842"/>
+              <a:gd name="connsiteY3" fmla="*/ 188686 h 188686"/>
+              <a:gd name="connsiteX4" fmla="*/ 0 w 1021842"/>
+              <a:gd name="connsiteY4" fmla="*/ 0 h 188686"/>
+              <a:gd name="connsiteX0" fmla="*/ 0 w 1021842"/>
+              <a:gd name="connsiteY0" fmla="*/ 0 h 188686"/>
+              <a:gd name="connsiteX1" fmla="*/ 1021842 w 1021842"/>
+              <a:gd name="connsiteY1" fmla="*/ 0 h 188686"/>
+              <a:gd name="connsiteX2" fmla="*/ 848010 w 1021842"/>
+              <a:gd name="connsiteY2" fmla="*/ 188686 h 188686"/>
+              <a:gd name="connsiteX3" fmla="*/ 0 w 1021842"/>
+              <a:gd name="connsiteY3" fmla="*/ 188686 h 188686"/>
+              <a:gd name="connsiteX4" fmla="*/ 0 w 1021842"/>
+              <a:gd name="connsiteY4" fmla="*/ 0 h 188686"/>
+              <a:gd name="connsiteX0" fmla="*/ 0 w 1021842"/>
+              <a:gd name="connsiteY0" fmla="*/ 0 h 188686"/>
+              <a:gd name="connsiteX1" fmla="*/ 1021842 w 1021842"/>
+              <a:gd name="connsiteY1" fmla="*/ 0 h 188686"/>
+              <a:gd name="connsiteX2" fmla="*/ 894057 w 1021842"/>
+              <a:gd name="connsiteY2" fmla="*/ 188686 h 188686"/>
+              <a:gd name="connsiteX3" fmla="*/ 0 w 1021842"/>
+              <a:gd name="connsiteY3" fmla="*/ 188686 h 188686"/>
+              <a:gd name="connsiteX4" fmla="*/ 0 w 1021842"/>
+              <a:gd name="connsiteY4" fmla="*/ 0 h 188686"/>
+              <a:gd name="connsiteX0" fmla="*/ 0 w 1021842"/>
+              <a:gd name="connsiteY0" fmla="*/ 0 h 193449"/>
+              <a:gd name="connsiteX1" fmla="*/ 1021842 w 1021842"/>
+              <a:gd name="connsiteY1" fmla="*/ 0 h 193449"/>
+              <a:gd name="connsiteX2" fmla="*/ 858637 w 1021842"/>
+              <a:gd name="connsiteY2" fmla="*/ 193449 h 193449"/>
+              <a:gd name="connsiteX3" fmla="*/ 0 w 1021842"/>
+              <a:gd name="connsiteY3" fmla="*/ 188686 h 193449"/>
+              <a:gd name="connsiteX4" fmla="*/ 0 w 1021842"/>
+              <a:gd name="connsiteY4" fmla="*/ 0 h 193449"/>
+              <a:gd name="connsiteX0" fmla="*/ 0 w 1021842"/>
+              <a:gd name="connsiteY0" fmla="*/ 0 h 195831"/>
+              <a:gd name="connsiteX1" fmla="*/ 1021842 w 1021842"/>
+              <a:gd name="connsiteY1" fmla="*/ 0 h 195831"/>
+              <a:gd name="connsiteX2" fmla="*/ 862183 w 1021842"/>
+              <a:gd name="connsiteY2" fmla="*/ 195831 h 195831"/>
+              <a:gd name="connsiteX3" fmla="*/ 0 w 1021842"/>
+              <a:gd name="connsiteY3" fmla="*/ 188686 h 195831"/>
+              <a:gd name="connsiteX4" fmla="*/ 0 w 1021842"/>
+              <a:gd name="connsiteY4" fmla="*/ 0 h 195831"/>
+            </a:gdLst>
+            <a:ahLst/>
+            <a:cxnLst>
+              <a:cxn ang="0">
+                <a:pos x="connsiteX0" y="connsiteY0"/>
+              </a:cxn>
+              <a:cxn ang="0">
+                <a:pos x="connsiteX1" y="connsiteY1"/>
+              </a:cxn>
+              <a:cxn ang="0">
+                <a:pos x="connsiteX2" y="connsiteY2"/>
+              </a:cxn>
+              <a:cxn ang="0">
+                <a:pos x="connsiteX3" y="connsiteY3"/>
+              </a:cxn>
+              <a:cxn ang="0">
+                <a:pos x="connsiteX4" y="connsiteY4"/>
+              </a:cxn>
+            </a:cxnLst>
+            <a:rect l="l" t="t" r="r" b="b"/>
+            <a:pathLst>
+              <a:path w="1021842" h="195831">
+                <a:moveTo>
+                  <a:pt x="0" y="0"/>
+                </a:moveTo>
+                <a:lnTo>
+                  <a:pt x="1021842" y="0"/>
+                </a:lnTo>
+                <a:lnTo>
+                  <a:pt x="862183" y="195831"/>
+                </a:lnTo>
+                <a:lnTo>
+                  <a:pt x="0" y="188686"/>
+                </a:lnTo>
+                <a:lnTo>
+                  <a:pt x="0" y="0"/>
+                </a:lnTo>
+                <a:close/>
+              </a:path>
+            </a:pathLst>
+          </a:custGeom>
+          <a:solidFill>
+            <a:srgbClr val="666666"/>
+          </a:solidFill>
+          <a:ln>
+            <a:solidFill>
+              <a:srgbClr val="666666"/>
+            </a:solidFill>
+          </a:ln>
+        </p:spPr>
+        <p:style>
+          <a:lnRef idx="2">
+            <a:schemeClr val="accent1">
+              <a:shade val="50000"/>
+            </a:schemeClr>
+          </a:lnRef>
+          <a:fillRef idx="1">
+            <a:schemeClr val="accent1"/>
+          </a:fillRef>
+          <a:effectRef idx="0">
+            <a:schemeClr val="accent1"/>
+          </a:effectRef>
+          <a:fontRef idx="minor">
+            <a:schemeClr val="lt1"/>
+          </a:fontRef>
+        </p:style>
+        <p:txBody>
+          <a:bodyPr rtlCol="0" anchor="ctr"/>
+          <a:lstStyle/>
+          <a:p>
+            <a:pPr algn="ctr"/>
+            <a:endParaRPr lang="en-US"/>
+          </a:p>
+        </p:txBody>
+      </p:sp>
+      <p:sp>
+        <p:nvSpPr>
+          <p:cNvPr id="15" name="Rectángulo 14"/>
+          <p:cNvSpPr/>
+          <p:nvPr/>
+        </p:nvSpPr>
+        <p:spPr>
+          <a:xfrm rot="1728145">
+            <a:off x="2224922" y="1705526"/>
+            <a:ext cx="1133157" cy="214465"/>
+          </a:xfrm>
+          <a:custGeom>
+            <a:avLst/>
+            <a:gdLst>
+              <a:gd name="connsiteX0" fmla="*/ 0 w 779095"/>
+              <a:gd name="connsiteY0" fmla="*/ 0 h 188686"/>
+              <a:gd name="connsiteX1" fmla="*/ 779095 w 779095"/>
+              <a:gd name="connsiteY1" fmla="*/ 0 h 188686"/>
+              <a:gd name="connsiteX2" fmla="*/ 779095 w 779095"/>
+              <a:gd name="connsiteY2" fmla="*/ 188686 h 188686"/>
+              <a:gd name="connsiteX3" fmla="*/ 0 w 779095"/>
+              <a:gd name="connsiteY3" fmla="*/ 188686 h 188686"/>
+              <a:gd name="connsiteX4" fmla="*/ 0 w 779095"/>
+              <a:gd name="connsiteY4" fmla="*/ 0 h 188686"/>
+              <a:gd name="connsiteX0" fmla="*/ 0 w 873125"/>
+              <a:gd name="connsiteY0" fmla="*/ 0 h 194959"/>
+              <a:gd name="connsiteX1" fmla="*/ 779095 w 873125"/>
+              <a:gd name="connsiteY1" fmla="*/ 0 h 194959"/>
+              <a:gd name="connsiteX2" fmla="*/ 873125 w 873125"/>
+              <a:gd name="connsiteY2" fmla="*/ 194959 h 194959"/>
+              <a:gd name="connsiteX3" fmla="*/ 0 w 873125"/>
+              <a:gd name="connsiteY3" fmla="*/ 188686 h 194959"/>
+              <a:gd name="connsiteX4" fmla="*/ 0 w 873125"/>
+              <a:gd name="connsiteY4" fmla="*/ 0 h 194959"/>
+              <a:gd name="connsiteX0" fmla="*/ 0 w 890963"/>
+              <a:gd name="connsiteY0" fmla="*/ 0 h 192875"/>
+              <a:gd name="connsiteX1" fmla="*/ 779095 w 890963"/>
+              <a:gd name="connsiteY1" fmla="*/ 0 h 192875"/>
+              <a:gd name="connsiteX2" fmla="*/ 890963 w 890963"/>
+              <a:gd name="connsiteY2" fmla="*/ 192875 h 192875"/>
+              <a:gd name="connsiteX3" fmla="*/ 0 w 890963"/>
+              <a:gd name="connsiteY3" fmla="*/ 188686 h 192875"/>
+              <a:gd name="connsiteX4" fmla="*/ 0 w 890963"/>
+              <a:gd name="connsiteY4" fmla="*/ 0 h 192875"/>
+              <a:gd name="connsiteX0" fmla="*/ 0 w 890963"/>
+              <a:gd name="connsiteY0" fmla="*/ 0 h 192875"/>
+              <a:gd name="connsiteX1" fmla="*/ 779095 w 890963"/>
+              <a:gd name="connsiteY1" fmla="*/ 0 h 192875"/>
+              <a:gd name="connsiteX2" fmla="*/ 890963 w 890963"/>
+              <a:gd name="connsiteY2" fmla="*/ 192875 h 192875"/>
+              <a:gd name="connsiteX3" fmla="*/ 0 w 890963"/>
+              <a:gd name="connsiteY3" fmla="*/ 188686 h 192875"/>
+              <a:gd name="connsiteX4" fmla="*/ 0 w 890963"/>
+              <a:gd name="connsiteY4" fmla="*/ 0 h 192875"/>
+              <a:gd name="connsiteX0" fmla="*/ 0 w 882501"/>
+              <a:gd name="connsiteY0" fmla="*/ 0 h 197464"/>
+              <a:gd name="connsiteX1" fmla="*/ 779095 w 882501"/>
+              <a:gd name="connsiteY1" fmla="*/ 0 h 197464"/>
+              <a:gd name="connsiteX2" fmla="*/ 882501 w 882501"/>
+              <a:gd name="connsiteY2" fmla="*/ 197464 h 197464"/>
+              <a:gd name="connsiteX3" fmla="*/ 0 w 882501"/>
+              <a:gd name="connsiteY3" fmla="*/ 188686 h 197464"/>
+              <a:gd name="connsiteX4" fmla="*/ 0 w 882501"/>
+              <a:gd name="connsiteY4" fmla="*/ 0 h 197464"/>
+              <a:gd name="connsiteX0" fmla="*/ 0 w 890011"/>
+              <a:gd name="connsiteY0" fmla="*/ 0 h 196109"/>
+              <a:gd name="connsiteX1" fmla="*/ 779095 w 890011"/>
+              <a:gd name="connsiteY1" fmla="*/ 0 h 196109"/>
+              <a:gd name="connsiteX2" fmla="*/ 890011 w 890011"/>
+              <a:gd name="connsiteY2" fmla="*/ 196109 h 196109"/>
+              <a:gd name="connsiteX3" fmla="*/ 0 w 890011"/>
+              <a:gd name="connsiteY3" fmla="*/ 188686 h 196109"/>
+              <a:gd name="connsiteX4" fmla="*/ 0 w 890011"/>
+              <a:gd name="connsiteY4" fmla="*/ 0 h 196109"/>
+              <a:gd name="connsiteX0" fmla="*/ 0 w 890011"/>
+              <a:gd name="connsiteY0" fmla="*/ 0 h 196109"/>
+              <a:gd name="connsiteX1" fmla="*/ 779095 w 890011"/>
+              <a:gd name="connsiteY1" fmla="*/ 0 h 196109"/>
+              <a:gd name="connsiteX2" fmla="*/ 890011 w 890011"/>
+              <a:gd name="connsiteY2" fmla="*/ 196109 h 196109"/>
+              <a:gd name="connsiteX3" fmla="*/ 0 w 890011"/>
+              <a:gd name="connsiteY3" fmla="*/ 188686 h 196109"/>
+              <a:gd name="connsiteX4" fmla="*/ 0 w 890011"/>
+              <a:gd name="connsiteY4" fmla="*/ 0 h 196109"/>
+              <a:gd name="connsiteX0" fmla="*/ 0 w 870907"/>
+              <a:gd name="connsiteY0" fmla="*/ 0 h 209877"/>
+              <a:gd name="connsiteX1" fmla="*/ 779095 w 870907"/>
+              <a:gd name="connsiteY1" fmla="*/ 0 h 209877"/>
+              <a:gd name="connsiteX2" fmla="*/ 870907 w 870907"/>
+              <a:gd name="connsiteY2" fmla="*/ 209877 h 209877"/>
+              <a:gd name="connsiteX3" fmla="*/ 0 w 870907"/>
+              <a:gd name="connsiteY3" fmla="*/ 188686 h 209877"/>
+              <a:gd name="connsiteX4" fmla="*/ 0 w 870907"/>
+              <a:gd name="connsiteY4" fmla="*/ 0 h 209877"/>
+              <a:gd name="connsiteX0" fmla="*/ 0 w 864539"/>
+              <a:gd name="connsiteY0" fmla="*/ 0 h 214465"/>
+              <a:gd name="connsiteX1" fmla="*/ 779095 w 864539"/>
+              <a:gd name="connsiteY1" fmla="*/ 0 h 214465"/>
+              <a:gd name="connsiteX2" fmla="*/ 864539 w 864539"/>
+              <a:gd name="connsiteY2" fmla="*/ 214465 h 214465"/>
+              <a:gd name="connsiteX3" fmla="*/ 0 w 864539"/>
+              <a:gd name="connsiteY3" fmla="*/ 188686 h 214465"/>
+              <a:gd name="connsiteX4" fmla="*/ 0 w 864539"/>
+              <a:gd name="connsiteY4" fmla="*/ 0 h 214465"/>
+            </a:gdLst>
+            <a:ahLst/>
+            <a:cxnLst>
+              <a:cxn ang="0">
+                <a:pos x="connsiteX0" y="connsiteY0"/>
+              </a:cxn>
+              <a:cxn ang="0">
+                <a:pos x="connsiteX1" y="connsiteY1"/>
+              </a:cxn>
+              <a:cxn ang="0">
+                <a:pos x="connsiteX2" y="connsiteY2"/>
+              </a:cxn>
+              <a:cxn ang="0">
+                <a:pos x="connsiteX3" y="connsiteY3"/>
+              </a:cxn>
+              <a:cxn ang="0">
+                <a:pos x="connsiteX4" y="connsiteY4"/>
+              </a:cxn>
+            </a:cxnLst>
+            <a:rect l="l" t="t" r="r" b="b"/>
+            <a:pathLst>
+              <a:path w="864539" h="214465">
+                <a:moveTo>
+                  <a:pt x="0" y="0"/>
+                </a:moveTo>
+                <a:lnTo>
+                  <a:pt x="779095" y="0"/>
+                </a:lnTo>
+                <a:lnTo>
+                  <a:pt x="864539" y="214465"/>
+                </a:lnTo>
+                <a:lnTo>
+                  <a:pt x="0" y="188686"/>
+                </a:lnTo>
+                <a:lnTo>
+                  <a:pt x="0" y="0"/>
+                </a:lnTo>
+                <a:close/>
+              </a:path>
+            </a:pathLst>
+          </a:custGeom>
+          <a:solidFill>
+            <a:srgbClr val="666666"/>
+          </a:solidFill>
+          <a:ln>
+            <a:solidFill>
+              <a:srgbClr val="666666"/>
+            </a:solidFill>
+          </a:ln>
+        </p:spPr>
+        <p:style>
+          <a:lnRef idx="2">
+            <a:schemeClr val="accent1">
+              <a:shade val="50000"/>
+            </a:schemeClr>
+          </a:lnRef>
+          <a:fillRef idx="1">
+            <a:schemeClr val="accent1"/>
+          </a:fillRef>
+          <a:effectRef idx="0">
+            <a:schemeClr val="accent1"/>
+          </a:effectRef>
+          <a:fontRef idx="minor">
+            <a:schemeClr val="lt1"/>
+          </a:fontRef>
+        </p:style>
+        <p:txBody>
+          <a:bodyPr rtlCol="0" anchor="ctr"/>
+          <a:lstStyle/>
+          <a:p>
+            <a:pPr algn="ctr"/>
+            <a:endParaRPr lang="en-US"/>
+          </a:p>
+        </p:txBody>
+      </p:sp>
+      <p:pic>
+        <p:nvPicPr>
+          <p:cNvPr id="32" name="Imagen 31"/>
+          <p:cNvPicPr>
+            <a:picLocks noChangeAspect="1"/>
+          </p:cNvPicPr>
+          <p:nvPr/>
+        </p:nvPicPr>
+        <p:blipFill>
+          <a:blip r:embed="rId2"/>
+          <a:stretch>
+            <a:fillRect/>
+          </a:stretch>
+        </p:blipFill>
+        <p:spPr>
+          <a:xfrm>
+            <a:off x="4889518" y="468838"/>
+            <a:ext cx="9352075" cy="6389162"/>
+          </a:xfrm>
+          <a:prstGeom prst="rect">
+            <a:avLst/>
+          </a:prstGeom>
+        </p:spPr>
+      </p:pic>
+      <p:sp>
+        <p:nvSpPr>
+          <p:cNvPr id="16" name="CuadroTexto 15"/>
+          <p:cNvSpPr txBox="1"/>
+          <p:nvPr/>
+        </p:nvSpPr>
+        <p:spPr>
+          <a:xfrm>
+            <a:off x="1248319" y="2758052"/>
+            <a:ext cx="2256882" cy="646331"/>
+          </a:xfrm>
+          <a:prstGeom prst="rect">
+            <a:avLst/>
+          </a:prstGeom>
+          <a:noFill/>
+        </p:spPr>
+        <p:txBody>
+          <a:bodyPr wrap="square" rtlCol="0">
+            <a:spAutoFit/>
+          </a:bodyPr>
+          <a:lstStyle/>
+          <a:p>
+            <a:pPr algn="ctr"/>
+            <a:r>
+              <a:rPr lang="es-ES" dirty="0" smtClean="0">
+                <a:latin typeface="Square (demo ver.)" panose="02000500000000000000" pitchFamily="2" charset="0"/>
+              </a:rPr>
+              <a:t>Soluciones integrales en Seguridad</a:t>
+            </a:r>
+            <a:endParaRPr lang="en-US" sz="1400" dirty="0">
+              <a:latin typeface="Square (demo ver.)" panose="02000500000000000000" pitchFamily="2" charset="0"/>
+            </a:endParaRPr>
+          </a:p>
+        </p:txBody>
+      </p:sp>
+      <p:pic>
+        <p:nvPicPr>
+          <p:cNvPr id="35" name="Imagen 34"/>
+          <p:cNvPicPr>
+            <a:picLocks noChangeAspect="1"/>
+          </p:cNvPicPr>
+          <p:nvPr/>
+        </p:nvPicPr>
+        <p:blipFill>
+          <a:blip r:embed="rId3"/>
+          <a:stretch>
+            <a:fillRect/>
+          </a:stretch>
+        </p:blipFill>
+        <p:spPr>
+          <a:xfrm>
+            <a:off x="3505201" y="3566202"/>
+            <a:ext cx="2006819" cy="2387317"/>
+          </a:xfrm>
+          <a:prstGeom prst="rect">
+            <a:avLst/>
+          </a:prstGeom>
+        </p:spPr>
+      </p:pic>
+    </p:spTree>
+    <p:extLst>
+      <p:ext uri="{BB962C8B-B14F-4D97-AF65-F5344CB8AC3E}">
+        <p14:creationId xmlns:p14="http://schemas.microsoft.com/office/powerpoint/2010/main" val="3253050248"/>
+      </p:ext>
+    </p:extLst>
+  </p:cSld>
+  <p:clrMapOvr>
+    <a:masterClrMapping/>
+  </p:clrMapOvr>
+</p:sld>
+</file>
+
+<file path=ppt/slides/slide11.xml><?xml version="1.0" encoding="utf-8"?>
+<p:sld xmlns:a="http://schemas.openxmlformats.org/drawingml/2006/main" xmlns:r="http://schemas.openxmlformats.org/officeDocument/2006/relationships" xmlns:p="http://schemas.openxmlformats.org/presentationml/2006/main">
+  <p:cSld>
+    <p:spTree>
+      <p:nvGrpSpPr>
+        <p:cNvPr id="1" name=""/>
+        <p:cNvGrpSpPr/>
+        <p:nvPr/>
+      </p:nvGrpSpPr>
+      <p:grpSpPr>
+        <a:xfrm>
+          <a:off x="0" y="0"/>
+          <a:ext cx="0" cy="0"/>
+          <a:chOff x="0" y="0"/>
+          <a:chExt cx="0" cy="0"/>
+        </a:xfrm>
+      </p:grpSpPr>
+      <p:sp>
+        <p:nvSpPr>
+          <p:cNvPr id="2" name="Título 1"/>
+          <p:cNvSpPr>
+            <a:spLocks noGrp="1"/>
+          </p:cNvSpPr>
+          <p:nvPr>
+            <p:ph type="title"/>
+          </p:nvPr>
+        </p:nvSpPr>
+        <p:spPr>
+          <a:xfrm>
+            <a:off x="298235" y="3576711"/>
+            <a:ext cx="2834640" cy="2377440"/>
+          </a:xfrm>
+        </p:spPr>
+        <p:txBody>
+          <a:bodyPr>
+            <a:noAutofit/>
+          </a:bodyPr>
+          <a:lstStyle/>
+          <a:p>
+            <a:pPr algn="ctr"/>
+            <a:r>
+              <a:rPr lang="es-ES" sz="23900" dirty="0" smtClean="0">
+                <a:solidFill>
+                  <a:schemeClr val="bg1"/>
+                </a:solidFill>
+              </a:rPr>
+              <a:t>1</a:t>
+            </a:r>
+            <a:r>
+              <a:rPr lang="es-ES" sz="19900" dirty="0" smtClean="0">
+                <a:solidFill>
+                  <a:schemeClr val="accent3">
+                    <a:lumMod val="40000"/>
+                    <a:lumOff val="60000"/>
+                  </a:schemeClr>
+                </a:solidFill>
+              </a:rPr>
+              <a:t/>
+            </a:r>
+            <a:br>
+              <a:rPr lang="es-ES" sz="19900" dirty="0" smtClean="0">
+                <a:solidFill>
+                  <a:schemeClr val="accent3">
+                    <a:lumMod val="40000"/>
+                    <a:lumOff val="60000"/>
+                  </a:schemeClr>
+                </a:solidFill>
+              </a:rPr>
+            </a:br>
+            <a:r>
+              <a:rPr lang="es-ES" dirty="0" smtClean="0">
+                <a:solidFill>
+                  <a:schemeClr val="accent3">
+                    <a:lumMod val="40000"/>
+                    <a:lumOff val="60000"/>
+                  </a:schemeClr>
+                </a:solidFill>
+              </a:rPr>
+              <a:t>Propuesta logo</a:t>
+            </a:r>
+            <a:endParaRPr lang="en-US" dirty="0">
+              <a:solidFill>
+                <a:schemeClr val="accent3">
+                  <a:lumMod val="40000"/>
+                  <a:lumOff val="60000"/>
+                </a:schemeClr>
+              </a:solidFill>
+            </a:endParaRPr>
+          </a:p>
+        </p:txBody>
+      </p:sp>
+      <p:pic>
+        <p:nvPicPr>
+          <p:cNvPr id="5" name="Imagen 4"/>
+          <p:cNvPicPr/>
+          <p:nvPr/>
+        </p:nvPicPr>
+        <p:blipFill>
+          <a:blip r:embed="rId2"/>
+          <a:stretch>
+            <a:fillRect/>
+          </a:stretch>
+        </p:blipFill>
+        <p:spPr>
+          <a:xfrm>
+            <a:off x="8552453" y="6224954"/>
+            <a:ext cx="3513767" cy="548640"/>
+          </a:xfrm>
+          <a:prstGeom prst="rect">
+            <a:avLst/>
+          </a:prstGeom>
+        </p:spPr>
+      </p:pic>
+      <p:pic>
+        <p:nvPicPr>
+          <p:cNvPr id="10" name="Imagen 9"/>
+          <p:cNvPicPr>
+            <a:picLocks noChangeAspect="1"/>
+          </p:cNvPicPr>
+          <p:nvPr/>
+        </p:nvPicPr>
+        <p:blipFill>
+          <a:blip r:embed="rId3"/>
+          <a:stretch>
+            <a:fillRect/>
+          </a:stretch>
+        </p:blipFill>
+        <p:spPr>
+          <a:xfrm>
+            <a:off x="5848964" y="1625601"/>
+            <a:ext cx="3420152" cy="3578662"/>
+          </a:xfrm>
+          <a:prstGeom prst="rect">
+            <a:avLst/>
+          </a:prstGeom>
+        </p:spPr>
+      </p:pic>
+    </p:spTree>
+    <p:extLst>
+      <p:ext uri="{BB962C8B-B14F-4D97-AF65-F5344CB8AC3E}">
+        <p14:creationId xmlns:p14="http://schemas.microsoft.com/office/powerpoint/2010/main" val="3030390038"/>
+      </p:ext>
+    </p:extLst>
+  </p:cSld>
+  <p:clrMapOvr>
+    <a:masterClrMapping/>
+  </p:clrMapOvr>
+  <p:timing>
+    <p:tnLst>
+      <p:par>
+        <p:cTn id="1" dur="indefinite" restart="never" nodeType="tmRoot"/>
+      </p:par>
+    </p:tnLst>
+  </p:timing>
+</p:sld>
+</file>
+
+<file path=ppt/slides/slide12.xml><?xml version="1.0" encoding="utf-8"?>
+<p:sld xmlns:a="http://schemas.openxmlformats.org/drawingml/2006/main" xmlns:r="http://schemas.openxmlformats.org/officeDocument/2006/relationships" xmlns:p="http://schemas.openxmlformats.org/presentationml/2006/main">
+  <p:cSld>
+    <p:spTree>
+      <p:nvGrpSpPr>
+        <p:cNvPr id="1" name=""/>
+        <p:cNvGrpSpPr/>
+        <p:nvPr/>
+      </p:nvGrpSpPr>
+      <p:grpSpPr>
+        <a:xfrm>
+          <a:off x="0" y="0"/>
+          <a:ext cx="0" cy="0"/>
+          <a:chOff x="0" y="0"/>
+          <a:chExt cx="0" cy="0"/>
+        </a:xfrm>
+      </p:grpSpPr>
+      <p:sp>
+        <p:nvSpPr>
+          <p:cNvPr id="2" name="Título 1"/>
+          <p:cNvSpPr>
+            <a:spLocks noGrp="1"/>
+          </p:cNvSpPr>
+          <p:nvPr>
+            <p:ph type="title"/>
+          </p:nvPr>
+        </p:nvSpPr>
+        <p:spPr>
+          <a:xfrm>
+            <a:off x="298235" y="3576711"/>
+            <a:ext cx="2834640" cy="2377440"/>
+          </a:xfrm>
+        </p:spPr>
+        <p:txBody>
+          <a:bodyPr>
+            <a:noAutofit/>
+          </a:bodyPr>
+          <a:lstStyle/>
+          <a:p>
+            <a:pPr algn="ctr"/>
+            <a:r>
+              <a:rPr lang="es-ES" sz="23900" dirty="0" smtClean="0">
+                <a:solidFill>
+                  <a:schemeClr val="bg1"/>
+                </a:solidFill>
+              </a:rPr>
+              <a:t>1</a:t>
+            </a:r>
+            <a:r>
+              <a:rPr lang="es-ES" sz="19900" dirty="0" smtClean="0">
+                <a:solidFill>
+                  <a:schemeClr val="accent3">
+                    <a:lumMod val="40000"/>
+                    <a:lumOff val="60000"/>
+                  </a:schemeClr>
+                </a:solidFill>
+              </a:rPr>
+              <a:t/>
+            </a:r>
+            <a:br>
+              <a:rPr lang="es-ES" sz="19900" dirty="0" smtClean="0">
+                <a:solidFill>
+                  <a:schemeClr val="accent3">
+                    <a:lumMod val="40000"/>
+                    <a:lumOff val="60000"/>
+                  </a:schemeClr>
+                </a:solidFill>
+              </a:rPr>
+            </a:br>
+            <a:r>
+              <a:rPr lang="es-ES" dirty="0" smtClean="0">
+                <a:solidFill>
+                  <a:schemeClr val="accent3">
+                    <a:lumMod val="40000"/>
+                    <a:lumOff val="60000"/>
+                  </a:schemeClr>
+                </a:solidFill>
+              </a:rPr>
+              <a:t>Propuesta logo con variaciones en el texto</a:t>
+            </a:r>
+            <a:endParaRPr lang="en-US" dirty="0">
+              <a:solidFill>
+                <a:schemeClr val="accent3">
+                  <a:lumMod val="40000"/>
+                  <a:lumOff val="60000"/>
+                </a:schemeClr>
+              </a:solidFill>
+            </a:endParaRPr>
+          </a:p>
+        </p:txBody>
+      </p:sp>
+      <p:pic>
+        <p:nvPicPr>
+          <p:cNvPr id="5" name="Imagen 4"/>
+          <p:cNvPicPr/>
+          <p:nvPr/>
+        </p:nvPicPr>
+        <p:blipFill>
+          <a:blip r:embed="rId2"/>
+          <a:stretch>
+            <a:fillRect/>
+          </a:stretch>
+        </p:blipFill>
+        <p:spPr>
+          <a:xfrm>
+            <a:off x="8552453" y="6224954"/>
+            <a:ext cx="3513767" cy="548640"/>
+          </a:xfrm>
+          <a:prstGeom prst="rect">
+            <a:avLst/>
+          </a:prstGeom>
+        </p:spPr>
+      </p:pic>
+      <p:pic>
+        <p:nvPicPr>
+          <p:cNvPr id="3" name="Imagen 2"/>
+          <p:cNvPicPr>
+            <a:picLocks noChangeAspect="1"/>
+          </p:cNvPicPr>
+          <p:nvPr/>
+        </p:nvPicPr>
+        <p:blipFill>
+          <a:blip r:embed="rId3"/>
+          <a:stretch>
+            <a:fillRect/>
+          </a:stretch>
+        </p:blipFill>
+        <p:spPr>
+          <a:xfrm>
+            <a:off x="3677103" y="1868957"/>
+            <a:ext cx="7909068" cy="3139141"/>
+          </a:xfrm>
+          <a:prstGeom prst="rect">
+            <a:avLst/>
+          </a:prstGeom>
+        </p:spPr>
+      </p:pic>
+    </p:spTree>
+    <p:extLst>
+      <p:ext uri="{BB962C8B-B14F-4D97-AF65-F5344CB8AC3E}">
+        <p14:creationId xmlns:p14="http://schemas.microsoft.com/office/powerpoint/2010/main" val="924380128"/>
+      </p:ext>
+    </p:extLst>
+  </p:cSld>
+  <p:clrMapOvr>
+    <a:masterClrMapping/>
+  </p:clrMapOvr>
+  <p:timing>
+    <p:tnLst>
+      <p:par>
+        <p:cTn id="1" dur="indefinite" restart="never" nodeType="tmRoot"/>
+      </p:par>
+    </p:tnLst>
+  </p:timing>
+</p:sld>
+</file>
+
+<file path=ppt/slides/slide13.xml><?xml version="1.0" encoding="utf-8"?>
+<p:sld xmlns:a="http://schemas.openxmlformats.org/drawingml/2006/main" xmlns:r="http://schemas.openxmlformats.org/officeDocument/2006/relationships" xmlns:p="http://schemas.openxmlformats.org/presentationml/2006/main">
+  <p:cSld>
+    <p:spTree>
+      <p:nvGrpSpPr>
+        <p:cNvPr id="1" name=""/>
+        <p:cNvGrpSpPr/>
+        <p:nvPr/>
+      </p:nvGrpSpPr>
+      <p:grpSpPr>
+        <a:xfrm>
+          <a:off x="0" y="0"/>
+          <a:ext cx="0" cy="0"/>
+          <a:chOff x="0" y="0"/>
+          <a:chExt cx="0" cy="0"/>
+        </a:xfrm>
+      </p:grpSpPr>
+      <p:sp>
+        <p:nvSpPr>
           <p:cNvPr id="2" name="Título 1"/>
           <p:cNvSpPr>
             <a:spLocks noGrp="1"/>
@@ -4324,7 +6305,7 @@
 </p:sld>
 </file>
 
-<file path=ppt/slides/slide11.xml><?xml version="1.0" encoding="utf-8"?>
+<file path=ppt/slides/slide14.xml><?xml version="1.0" encoding="utf-8"?>
 <p:sld xmlns:a="http://schemas.openxmlformats.org/drawingml/2006/main" xmlns:r="http://schemas.openxmlformats.org/officeDocument/2006/relationships" xmlns:p="http://schemas.openxmlformats.org/presentationml/2006/main">
   <p:cSld>
     <p:spTree>
@@ -4522,7 +6503,7 @@
 </p:sld>
 </file>
 
-<file path=ppt/slides/slide12.xml><?xml version="1.0" encoding="utf-8"?>
+<file path=ppt/slides/slide15.xml><?xml version="1.0" encoding="utf-8"?>
 <p:sld xmlns:a="http://schemas.openxmlformats.org/drawingml/2006/main" xmlns:r="http://schemas.openxmlformats.org/officeDocument/2006/relationships" xmlns:p="http://schemas.openxmlformats.org/presentationml/2006/main">
   <p:cSld>
     <p:spTree>
@@ -4902,7 +6883,7 @@
 </p:sld>
 </file>
 
-<file path=ppt/slides/slide13.xml><?xml version="1.0" encoding="utf-8"?>
+<file path=ppt/slides/slide16.xml><?xml version="1.0" encoding="utf-8"?>
 <p:sld xmlns:a="http://schemas.openxmlformats.org/drawingml/2006/main" xmlns:r="http://schemas.openxmlformats.org/officeDocument/2006/relationships" xmlns:p="http://schemas.openxmlformats.org/presentationml/2006/main">
   <p:cSld>
     <p:spTree>
@@ -5015,7 +6996,7 @@
 </p:sld>
 </file>
 
-<file path=ppt/slides/slide14.xml><?xml version="1.0" encoding="utf-8"?>
+<file path=ppt/slides/slide17.xml><?xml version="1.0" encoding="utf-8"?>
 <p:sld xmlns:a="http://schemas.openxmlformats.org/drawingml/2006/main" xmlns:r="http://schemas.openxmlformats.org/officeDocument/2006/relationships" xmlns:p="http://schemas.openxmlformats.org/presentationml/2006/main">
   <p:cSld>
     <p:spTree>
@@ -5225,7 +7206,7 @@
 </p:sld>
 </file>
 
-<file path=ppt/slides/slide15.xml><?xml version="1.0" encoding="utf-8"?>
+<file path=ppt/slides/slide18.xml><?xml version="1.0" encoding="utf-8"?>
 <p:sld xmlns:a="http://schemas.openxmlformats.org/drawingml/2006/main" xmlns:r="http://schemas.openxmlformats.org/officeDocument/2006/relationships" xmlns:p="http://schemas.openxmlformats.org/presentationml/2006/main">
   <p:cSld>
     <p:spTree>
@@ -5884,7 +7865,7 @@
 </p:sld>
 </file>
 
-<file path=ppt/slides/slide16.xml><?xml version="1.0" encoding="utf-8"?>
+<file path=ppt/slides/slide19.xml><?xml version="1.0" encoding="utf-8"?>
 <p:sld xmlns:a="http://schemas.openxmlformats.org/drawingml/2006/main" xmlns:r="http://schemas.openxmlformats.org/officeDocument/2006/relationships" xmlns:p="http://schemas.openxmlformats.org/presentationml/2006/main">
   <p:cSld>
     <p:spTree>
@@ -5946,424 +7927,6 @@
     <p:extLst>
       <p:ext uri="{BB962C8B-B14F-4D97-AF65-F5344CB8AC3E}">
         <p14:creationId xmlns:p14="http://schemas.microsoft.com/office/powerpoint/2010/main" val="2176467727"/>
-      </p:ext>
-    </p:extLst>
-  </p:cSld>
-  <p:clrMapOvr>
-    <a:masterClrMapping/>
-  </p:clrMapOvr>
-</p:sld>
-</file>
-
-<file path=ppt/slides/slide17.xml><?xml version="1.0" encoding="utf-8"?>
-<p:sld xmlns:a="http://schemas.openxmlformats.org/drawingml/2006/main" xmlns:r="http://schemas.openxmlformats.org/officeDocument/2006/relationships" xmlns:p="http://schemas.openxmlformats.org/presentationml/2006/main">
-  <p:cSld>
-    <p:spTree>
-      <p:nvGrpSpPr>
-        <p:cNvPr id="1" name=""/>
-        <p:cNvGrpSpPr/>
-        <p:nvPr/>
-      </p:nvGrpSpPr>
-      <p:grpSpPr>
-        <a:xfrm>
-          <a:off x="0" y="0"/>
-          <a:ext cx="0" cy="0"/>
-          <a:chOff x="0" y="0"/>
-          <a:chExt cx="0" cy="0"/>
-        </a:xfrm>
-      </p:grpSpPr>
-      <p:pic>
-        <p:nvPicPr>
-          <p:cNvPr id="4098" name="Picture 2" descr="Resultado de imagen para seguridad logo"/>
-          <p:cNvPicPr>
-            <a:picLocks noChangeAspect="1" noChangeArrowheads="1"/>
-          </p:cNvPicPr>
-          <p:nvPr/>
-        </p:nvPicPr>
-        <p:blipFill>
-          <a:blip r:embed="rId2">
-            <a:extLst>
-              <a:ext uri="{28A0092B-C50C-407E-A947-70E740481C1C}">
-                <a14:useLocalDpi xmlns:a14="http://schemas.microsoft.com/office/drawing/2010/main" val="0"/>
-              </a:ext>
-            </a:extLst>
-          </a:blip>
-          <a:srcRect/>
-          <a:stretch>
-            <a:fillRect/>
-          </a:stretch>
-        </p:blipFill>
-        <p:spPr bwMode="auto">
-          <a:xfrm>
-            <a:off x="2797175" y="1701800"/>
-            <a:ext cx="5943600" cy="3343275"/>
-          </a:xfrm>
-          <a:prstGeom prst="rect">
-            <a:avLst/>
-          </a:prstGeom>
-          <a:noFill/>
-          <a:extLst>
-            <a:ext uri="{909E8E84-426E-40DD-AFC4-6F175D3DCCD1}">
-              <a14:hiddenFill xmlns:a14="http://schemas.microsoft.com/office/drawing/2010/main">
-                <a:solidFill>
-                  <a:srgbClr val="FFFFFF"/>
-                </a:solidFill>
-              </a14:hiddenFill>
-            </a:ext>
-          </a:extLst>
-        </p:spPr>
-      </p:pic>
-    </p:spTree>
-    <p:extLst>
-      <p:ext uri="{BB962C8B-B14F-4D97-AF65-F5344CB8AC3E}">
-        <p14:creationId xmlns:p14="http://schemas.microsoft.com/office/powerpoint/2010/main" val="185522693"/>
-      </p:ext>
-    </p:extLst>
-  </p:cSld>
-  <p:clrMapOvr>
-    <a:masterClrMapping/>
-  </p:clrMapOvr>
-</p:sld>
-</file>
-
-<file path=ppt/slides/slide18.xml><?xml version="1.0" encoding="utf-8"?>
-<p:sld xmlns:a="http://schemas.openxmlformats.org/drawingml/2006/main" xmlns:r="http://schemas.openxmlformats.org/officeDocument/2006/relationships" xmlns:p="http://schemas.openxmlformats.org/presentationml/2006/main">
-  <p:cSld>
-    <p:spTree>
-      <p:nvGrpSpPr>
-        <p:cNvPr id="1" name=""/>
-        <p:cNvGrpSpPr/>
-        <p:nvPr/>
-      </p:nvGrpSpPr>
-      <p:grpSpPr>
-        <a:xfrm>
-          <a:off x="0" y="0"/>
-          <a:ext cx="0" cy="0"/>
-          <a:chOff x="0" y="0"/>
-          <a:chExt cx="0" cy="0"/>
-        </a:xfrm>
-      </p:grpSpPr>
-      <p:pic>
-        <p:nvPicPr>
-          <p:cNvPr id="5122" name="Picture 2" descr="Logo Security Alarms &amp; Systems Home security Security company - company logo"/>
-          <p:cNvPicPr>
-            <a:picLocks noChangeAspect="1" noChangeArrowheads="1"/>
-          </p:cNvPicPr>
-          <p:nvPr/>
-        </p:nvPicPr>
-        <p:blipFill>
-          <a:blip r:embed="rId2">
-            <a:extLst>
-              <a:ext uri="{28A0092B-C50C-407E-A947-70E740481C1C}">
-                <a14:useLocalDpi xmlns:a14="http://schemas.microsoft.com/office/drawing/2010/main" val="0"/>
-              </a:ext>
-            </a:extLst>
-          </a:blip>
-          <a:srcRect/>
-          <a:stretch>
-            <a:fillRect/>
-          </a:stretch>
-        </p:blipFill>
-        <p:spPr bwMode="auto">
-          <a:xfrm>
-            <a:off x="320675" y="4000500"/>
-            <a:ext cx="8572500" cy="2857500"/>
-          </a:xfrm>
-          <a:prstGeom prst="rect">
-            <a:avLst/>
-          </a:prstGeom>
-          <a:noFill/>
-          <a:extLst>
-            <a:ext uri="{909E8E84-426E-40DD-AFC4-6F175D3DCCD1}">
-              <a14:hiddenFill xmlns:a14="http://schemas.microsoft.com/office/drawing/2010/main">
-                <a:solidFill>
-                  <a:srgbClr val="FFFFFF"/>
-                </a:solidFill>
-              </a14:hiddenFill>
-            </a:ext>
-          </a:extLst>
-        </p:spPr>
-      </p:pic>
-      <p:pic>
-        <p:nvPicPr>
-          <p:cNvPr id="5124" name="Picture 4" descr="Padlock Shield Letter S, Security Logo Template"/>
-          <p:cNvPicPr>
-            <a:picLocks noChangeAspect="1" noChangeArrowheads="1"/>
-          </p:cNvPicPr>
-          <p:nvPr/>
-        </p:nvPicPr>
-        <p:blipFill>
-          <a:blip r:embed="rId3">
-            <a:extLst>
-              <a:ext uri="{28A0092B-C50C-407E-A947-70E740481C1C}">
-                <a14:useLocalDpi xmlns:a14="http://schemas.microsoft.com/office/drawing/2010/main" val="0"/>
-              </a:ext>
-            </a:extLst>
-          </a:blip>
-          <a:srcRect/>
-          <a:stretch>
-            <a:fillRect/>
-          </a:stretch>
-        </p:blipFill>
-        <p:spPr bwMode="auto">
-          <a:xfrm>
-            <a:off x="7905750" y="0"/>
-            <a:ext cx="4286250" cy="4476751"/>
-          </a:xfrm>
-          <a:prstGeom prst="rect">
-            <a:avLst/>
-          </a:prstGeom>
-          <a:noFill/>
-          <a:extLst>
-            <a:ext uri="{909E8E84-426E-40DD-AFC4-6F175D3DCCD1}">
-              <a14:hiddenFill xmlns:a14="http://schemas.microsoft.com/office/drawing/2010/main">
-                <a:solidFill>
-                  <a:srgbClr val="FFFFFF"/>
-                </a:solidFill>
-              </a14:hiddenFill>
-            </a:ext>
-          </a:extLst>
-        </p:spPr>
-      </p:pic>
-    </p:spTree>
-    <p:extLst>
-      <p:ext uri="{BB962C8B-B14F-4D97-AF65-F5344CB8AC3E}">
-        <p14:creationId xmlns:p14="http://schemas.microsoft.com/office/powerpoint/2010/main" val="2316603289"/>
-      </p:ext>
-    </p:extLst>
-  </p:cSld>
-  <p:clrMapOvr>
-    <a:masterClrMapping/>
-  </p:clrMapOvr>
-</p:sld>
-</file>
-
-<file path=ppt/slides/slide19.xml><?xml version="1.0" encoding="utf-8"?>
-<p:sld xmlns:a="http://schemas.openxmlformats.org/drawingml/2006/main" xmlns:r="http://schemas.openxmlformats.org/officeDocument/2006/relationships" xmlns:p="http://schemas.openxmlformats.org/presentationml/2006/main">
-  <p:cSld>
-    <p:spTree>
-      <p:nvGrpSpPr>
-        <p:cNvPr id="1" name=""/>
-        <p:cNvGrpSpPr/>
-        <p:nvPr/>
-      </p:nvGrpSpPr>
-      <p:grpSpPr>
-        <a:xfrm>
-          <a:off x="0" y="0"/>
-          <a:ext cx="0" cy="0"/>
-          <a:chOff x="0" y="0"/>
-          <a:chExt cx="0" cy="0"/>
-        </a:xfrm>
-      </p:grpSpPr>
-      <p:pic>
-        <p:nvPicPr>
-          <p:cNvPr id="6146" name="Picture 2" descr="Logo shield in the form of the letter S"/>
-          <p:cNvPicPr>
-            <a:picLocks noChangeAspect="1" noChangeArrowheads="1"/>
-          </p:cNvPicPr>
-          <p:nvPr/>
-        </p:nvPicPr>
-        <p:blipFill>
-          <a:blip r:embed="rId2">
-            <a:extLst>
-              <a:ext uri="{28A0092B-C50C-407E-A947-70E740481C1C}">
-                <a14:useLocalDpi xmlns:a14="http://schemas.microsoft.com/office/drawing/2010/main" val="0"/>
-              </a:ext>
-            </a:extLst>
-          </a:blip>
-          <a:srcRect/>
-          <a:stretch>
-            <a:fillRect/>
-          </a:stretch>
-        </p:blipFill>
-        <p:spPr bwMode="auto">
-          <a:xfrm>
-            <a:off x="0" y="0"/>
-            <a:ext cx="4286250" cy="3619500"/>
-          </a:xfrm>
-          <a:prstGeom prst="rect">
-            <a:avLst/>
-          </a:prstGeom>
-          <a:noFill/>
-          <a:extLst>
-            <a:ext uri="{909E8E84-426E-40DD-AFC4-6F175D3DCCD1}">
-              <a14:hiddenFill xmlns:a14="http://schemas.microsoft.com/office/drawing/2010/main">
-                <a:solidFill>
-                  <a:srgbClr val="FFFFFF"/>
-                </a:solidFill>
-              </a14:hiddenFill>
-            </a:ext>
-          </a:extLst>
-        </p:spPr>
-      </p:pic>
-      <p:pic>
-        <p:nvPicPr>
-          <p:cNvPr id="6148" name="Picture 4" descr="S strength symbol super concept elements icon logo"/>
-          <p:cNvPicPr>
-            <a:picLocks noChangeAspect="1" noChangeArrowheads="1"/>
-          </p:cNvPicPr>
-          <p:nvPr/>
-        </p:nvPicPr>
-        <p:blipFill>
-          <a:blip r:embed="rId3">
-            <a:extLst>
-              <a:ext uri="{28A0092B-C50C-407E-A947-70E740481C1C}">
-                <a14:useLocalDpi xmlns:a14="http://schemas.microsoft.com/office/drawing/2010/main" val="0"/>
-              </a:ext>
-            </a:extLst>
-          </a:blip>
-          <a:srcRect/>
-          <a:stretch>
-            <a:fillRect/>
-          </a:stretch>
-        </p:blipFill>
-        <p:spPr bwMode="auto">
-          <a:xfrm>
-            <a:off x="3381375" y="0"/>
-            <a:ext cx="4286250" cy="4476751"/>
-          </a:xfrm>
-          <a:prstGeom prst="rect">
-            <a:avLst/>
-          </a:prstGeom>
-          <a:noFill/>
-          <a:extLst>
-            <a:ext uri="{909E8E84-426E-40DD-AFC4-6F175D3DCCD1}">
-              <a14:hiddenFill xmlns:a14="http://schemas.microsoft.com/office/drawing/2010/main">
-                <a:solidFill>
-                  <a:srgbClr val="FFFFFF"/>
-                </a:solidFill>
-              </a14:hiddenFill>
-            </a:ext>
-          </a:extLst>
-        </p:spPr>
-      </p:pic>
-      <p:pic>
-        <p:nvPicPr>
-          <p:cNvPr id="6150" name="Picture 6" descr="SD Logo &#10;Modern 3D logo with s&amp;d initials adjustable to any name with sd initials."/>
-          <p:cNvPicPr>
-            <a:picLocks noChangeAspect="1" noChangeArrowheads="1"/>
-          </p:cNvPicPr>
-          <p:nvPr/>
-        </p:nvPicPr>
-        <p:blipFill>
-          <a:blip r:embed="rId4">
-            <a:extLst>
-              <a:ext uri="{28A0092B-C50C-407E-A947-70E740481C1C}">
-                <a14:useLocalDpi xmlns:a14="http://schemas.microsoft.com/office/drawing/2010/main" val="0"/>
-              </a:ext>
-            </a:extLst>
-          </a:blip>
-          <a:srcRect/>
-          <a:stretch>
-            <a:fillRect/>
-          </a:stretch>
-        </p:blipFill>
-        <p:spPr bwMode="auto">
-          <a:xfrm>
-            <a:off x="7000875" y="198437"/>
-            <a:ext cx="4286250" cy="2762251"/>
-          </a:xfrm>
-          <a:prstGeom prst="rect">
-            <a:avLst/>
-          </a:prstGeom>
-          <a:noFill/>
-          <a:extLst>
-            <a:ext uri="{909E8E84-426E-40DD-AFC4-6F175D3DCCD1}">
-              <a14:hiddenFill xmlns:a14="http://schemas.microsoft.com/office/drawing/2010/main">
-                <a:solidFill>
-                  <a:srgbClr val="FFFFFF"/>
-                </a:solidFill>
-              </a14:hiddenFill>
-            </a:ext>
-          </a:extLst>
-        </p:spPr>
-      </p:pic>
-      <p:pic>
-        <p:nvPicPr>
-          <p:cNvPr id="6152" name="Picture 8" descr="Protection Logo Template Design Vector, Emblem, Design Concept, Creative Symbol, Icon&#10;"/>
-          <p:cNvPicPr>
-            <a:picLocks noChangeAspect="1" noChangeArrowheads="1"/>
-          </p:cNvPicPr>
-          <p:nvPr/>
-        </p:nvPicPr>
-        <p:blipFill>
-          <a:blip r:embed="rId5">
-            <a:extLst>
-              <a:ext uri="{28A0092B-C50C-407E-A947-70E740481C1C}">
-                <a14:useLocalDpi xmlns:a14="http://schemas.microsoft.com/office/drawing/2010/main" val="0"/>
-              </a:ext>
-            </a:extLst>
-          </a:blip>
-          <a:srcRect/>
-          <a:stretch>
-            <a:fillRect/>
-          </a:stretch>
-        </p:blipFill>
-        <p:spPr bwMode="auto">
-          <a:xfrm>
-            <a:off x="7667625" y="2996407"/>
-            <a:ext cx="4286250" cy="4476751"/>
-          </a:xfrm>
-          <a:prstGeom prst="rect">
-            <a:avLst/>
-          </a:prstGeom>
-          <a:noFill/>
-          <a:extLst>
-            <a:ext uri="{909E8E84-426E-40DD-AFC4-6F175D3DCCD1}">
-              <a14:hiddenFill xmlns:a14="http://schemas.microsoft.com/office/drawing/2010/main">
-                <a:solidFill>
-                  <a:srgbClr val="FFFFFF"/>
-                </a:solidFill>
-              </a14:hiddenFill>
-            </a:ext>
-          </a:extLst>
-        </p:spPr>
-      </p:pic>
-      <p:pic>
-        <p:nvPicPr>
-          <p:cNvPr id="6154" name="Picture 10" descr="logo letter s shield icon, symbol"/>
-          <p:cNvPicPr>
-            <a:picLocks noChangeAspect="1" noChangeArrowheads="1"/>
-          </p:cNvPicPr>
-          <p:nvPr/>
-        </p:nvPicPr>
-        <p:blipFill>
-          <a:blip r:embed="rId6">
-            <a:extLst>
-              <a:ext uri="{28A0092B-C50C-407E-A947-70E740481C1C}">
-                <a14:useLocalDpi xmlns:a14="http://schemas.microsoft.com/office/drawing/2010/main" val="0"/>
-              </a:ext>
-            </a:extLst>
-          </a:blip>
-          <a:srcRect/>
-          <a:stretch>
-            <a:fillRect/>
-          </a:stretch>
-        </p:blipFill>
-        <p:spPr bwMode="auto">
-          <a:xfrm>
-            <a:off x="0" y="3636565"/>
-            <a:ext cx="4286250" cy="2962276"/>
-          </a:xfrm>
-          <a:prstGeom prst="rect">
-            <a:avLst/>
-          </a:prstGeom>
-          <a:noFill/>
-          <a:extLst>
-            <a:ext uri="{909E8E84-426E-40DD-AFC4-6F175D3DCCD1}">
-              <a14:hiddenFill xmlns:a14="http://schemas.microsoft.com/office/drawing/2010/main">
-                <a:solidFill>
-                  <a:srgbClr val="FFFFFF"/>
-                </a:solidFill>
-              </a14:hiddenFill>
-            </a:ext>
-          </a:extLst>
-        </p:spPr>
-      </p:pic>
-    </p:spTree>
-    <p:extLst>
-      <p:ext uri="{BB962C8B-B14F-4D97-AF65-F5344CB8AC3E}">
-        <p14:creationId xmlns:p14="http://schemas.microsoft.com/office/powerpoint/2010/main" val="222741494"/>
       </p:ext>
     </p:extLst>
   </p:cSld>
@@ -6425,6 +7988,36 @@
           </a:p>
         </p:txBody>
       </p:sp>
+      <p:pic>
+        <p:nvPicPr>
+          <p:cNvPr id="3" name="Imagen 2"/>
+          <p:cNvPicPr>
+            <a:picLocks noChangeAspect="1"/>
+          </p:cNvPicPr>
+          <p:nvPr/>
+        </p:nvPicPr>
+        <p:blipFill>
+          <a:blip r:embed="rId2">
+            <a:extLst>
+              <a:ext uri="{28A0092B-C50C-407E-A947-70E740481C1C}">
+                <a14:useLocalDpi xmlns:a14="http://schemas.microsoft.com/office/drawing/2010/main" val="0"/>
+              </a:ext>
+            </a:extLst>
+          </a:blip>
+          <a:stretch>
+            <a:fillRect/>
+          </a:stretch>
+        </p:blipFill>
+        <p:spPr>
+          <a:xfrm>
+            <a:off x="2667000" y="0"/>
+            <a:ext cx="6858000" cy="6858000"/>
+          </a:xfrm>
+          <a:prstGeom prst="rect">
+            <a:avLst/>
+          </a:prstGeom>
+        </p:spPr>
+      </p:pic>
     </p:spTree>
     <p:extLst>
       <p:ext uri="{BB962C8B-B14F-4D97-AF65-F5344CB8AC3E}">
@@ -6439,6 +8032,424 @@
 </file>
 
 <file path=ppt/slides/slide20.xml><?xml version="1.0" encoding="utf-8"?>
+<p:sld xmlns:a="http://schemas.openxmlformats.org/drawingml/2006/main" xmlns:r="http://schemas.openxmlformats.org/officeDocument/2006/relationships" xmlns:p="http://schemas.openxmlformats.org/presentationml/2006/main">
+  <p:cSld>
+    <p:spTree>
+      <p:nvGrpSpPr>
+        <p:cNvPr id="1" name=""/>
+        <p:cNvGrpSpPr/>
+        <p:nvPr/>
+      </p:nvGrpSpPr>
+      <p:grpSpPr>
+        <a:xfrm>
+          <a:off x="0" y="0"/>
+          <a:ext cx="0" cy="0"/>
+          <a:chOff x="0" y="0"/>
+          <a:chExt cx="0" cy="0"/>
+        </a:xfrm>
+      </p:grpSpPr>
+      <p:pic>
+        <p:nvPicPr>
+          <p:cNvPr id="4098" name="Picture 2" descr="Resultado de imagen para seguridad logo"/>
+          <p:cNvPicPr>
+            <a:picLocks noChangeAspect="1" noChangeArrowheads="1"/>
+          </p:cNvPicPr>
+          <p:nvPr/>
+        </p:nvPicPr>
+        <p:blipFill>
+          <a:blip r:embed="rId2">
+            <a:extLst>
+              <a:ext uri="{28A0092B-C50C-407E-A947-70E740481C1C}">
+                <a14:useLocalDpi xmlns:a14="http://schemas.microsoft.com/office/drawing/2010/main" val="0"/>
+              </a:ext>
+            </a:extLst>
+          </a:blip>
+          <a:srcRect/>
+          <a:stretch>
+            <a:fillRect/>
+          </a:stretch>
+        </p:blipFill>
+        <p:spPr bwMode="auto">
+          <a:xfrm>
+            <a:off x="2797175" y="1701800"/>
+            <a:ext cx="5943600" cy="3343275"/>
+          </a:xfrm>
+          <a:prstGeom prst="rect">
+            <a:avLst/>
+          </a:prstGeom>
+          <a:noFill/>
+          <a:extLst>
+            <a:ext uri="{909E8E84-426E-40DD-AFC4-6F175D3DCCD1}">
+              <a14:hiddenFill xmlns:a14="http://schemas.microsoft.com/office/drawing/2010/main">
+                <a:solidFill>
+                  <a:srgbClr val="FFFFFF"/>
+                </a:solidFill>
+              </a14:hiddenFill>
+            </a:ext>
+          </a:extLst>
+        </p:spPr>
+      </p:pic>
+    </p:spTree>
+    <p:extLst>
+      <p:ext uri="{BB962C8B-B14F-4D97-AF65-F5344CB8AC3E}">
+        <p14:creationId xmlns:p14="http://schemas.microsoft.com/office/powerpoint/2010/main" val="185522693"/>
+      </p:ext>
+    </p:extLst>
+  </p:cSld>
+  <p:clrMapOvr>
+    <a:masterClrMapping/>
+  </p:clrMapOvr>
+</p:sld>
+</file>
+
+<file path=ppt/slides/slide21.xml><?xml version="1.0" encoding="utf-8"?>
+<p:sld xmlns:a="http://schemas.openxmlformats.org/drawingml/2006/main" xmlns:r="http://schemas.openxmlformats.org/officeDocument/2006/relationships" xmlns:p="http://schemas.openxmlformats.org/presentationml/2006/main">
+  <p:cSld>
+    <p:spTree>
+      <p:nvGrpSpPr>
+        <p:cNvPr id="1" name=""/>
+        <p:cNvGrpSpPr/>
+        <p:nvPr/>
+      </p:nvGrpSpPr>
+      <p:grpSpPr>
+        <a:xfrm>
+          <a:off x="0" y="0"/>
+          <a:ext cx="0" cy="0"/>
+          <a:chOff x="0" y="0"/>
+          <a:chExt cx="0" cy="0"/>
+        </a:xfrm>
+      </p:grpSpPr>
+      <p:pic>
+        <p:nvPicPr>
+          <p:cNvPr id="5122" name="Picture 2" descr="Logo Security Alarms &amp; Systems Home security Security company - company logo"/>
+          <p:cNvPicPr>
+            <a:picLocks noChangeAspect="1" noChangeArrowheads="1"/>
+          </p:cNvPicPr>
+          <p:nvPr/>
+        </p:nvPicPr>
+        <p:blipFill>
+          <a:blip r:embed="rId2">
+            <a:extLst>
+              <a:ext uri="{28A0092B-C50C-407E-A947-70E740481C1C}">
+                <a14:useLocalDpi xmlns:a14="http://schemas.microsoft.com/office/drawing/2010/main" val="0"/>
+              </a:ext>
+            </a:extLst>
+          </a:blip>
+          <a:srcRect/>
+          <a:stretch>
+            <a:fillRect/>
+          </a:stretch>
+        </p:blipFill>
+        <p:spPr bwMode="auto">
+          <a:xfrm>
+            <a:off x="320675" y="4000500"/>
+            <a:ext cx="8572500" cy="2857500"/>
+          </a:xfrm>
+          <a:prstGeom prst="rect">
+            <a:avLst/>
+          </a:prstGeom>
+          <a:noFill/>
+          <a:extLst>
+            <a:ext uri="{909E8E84-426E-40DD-AFC4-6F175D3DCCD1}">
+              <a14:hiddenFill xmlns:a14="http://schemas.microsoft.com/office/drawing/2010/main">
+                <a:solidFill>
+                  <a:srgbClr val="FFFFFF"/>
+                </a:solidFill>
+              </a14:hiddenFill>
+            </a:ext>
+          </a:extLst>
+        </p:spPr>
+      </p:pic>
+      <p:pic>
+        <p:nvPicPr>
+          <p:cNvPr id="5124" name="Picture 4" descr="Padlock Shield Letter S, Security Logo Template"/>
+          <p:cNvPicPr>
+            <a:picLocks noChangeAspect="1" noChangeArrowheads="1"/>
+          </p:cNvPicPr>
+          <p:nvPr/>
+        </p:nvPicPr>
+        <p:blipFill>
+          <a:blip r:embed="rId3">
+            <a:extLst>
+              <a:ext uri="{28A0092B-C50C-407E-A947-70E740481C1C}">
+                <a14:useLocalDpi xmlns:a14="http://schemas.microsoft.com/office/drawing/2010/main" val="0"/>
+              </a:ext>
+            </a:extLst>
+          </a:blip>
+          <a:srcRect/>
+          <a:stretch>
+            <a:fillRect/>
+          </a:stretch>
+        </p:blipFill>
+        <p:spPr bwMode="auto">
+          <a:xfrm>
+            <a:off x="7905750" y="0"/>
+            <a:ext cx="4286250" cy="4476751"/>
+          </a:xfrm>
+          <a:prstGeom prst="rect">
+            <a:avLst/>
+          </a:prstGeom>
+          <a:noFill/>
+          <a:extLst>
+            <a:ext uri="{909E8E84-426E-40DD-AFC4-6F175D3DCCD1}">
+              <a14:hiddenFill xmlns:a14="http://schemas.microsoft.com/office/drawing/2010/main">
+                <a:solidFill>
+                  <a:srgbClr val="FFFFFF"/>
+                </a:solidFill>
+              </a14:hiddenFill>
+            </a:ext>
+          </a:extLst>
+        </p:spPr>
+      </p:pic>
+    </p:spTree>
+    <p:extLst>
+      <p:ext uri="{BB962C8B-B14F-4D97-AF65-F5344CB8AC3E}">
+        <p14:creationId xmlns:p14="http://schemas.microsoft.com/office/powerpoint/2010/main" val="2316603289"/>
+      </p:ext>
+    </p:extLst>
+  </p:cSld>
+  <p:clrMapOvr>
+    <a:masterClrMapping/>
+  </p:clrMapOvr>
+</p:sld>
+</file>
+
+<file path=ppt/slides/slide22.xml><?xml version="1.0" encoding="utf-8"?>
+<p:sld xmlns:a="http://schemas.openxmlformats.org/drawingml/2006/main" xmlns:r="http://schemas.openxmlformats.org/officeDocument/2006/relationships" xmlns:p="http://schemas.openxmlformats.org/presentationml/2006/main">
+  <p:cSld>
+    <p:spTree>
+      <p:nvGrpSpPr>
+        <p:cNvPr id="1" name=""/>
+        <p:cNvGrpSpPr/>
+        <p:nvPr/>
+      </p:nvGrpSpPr>
+      <p:grpSpPr>
+        <a:xfrm>
+          <a:off x="0" y="0"/>
+          <a:ext cx="0" cy="0"/>
+          <a:chOff x="0" y="0"/>
+          <a:chExt cx="0" cy="0"/>
+        </a:xfrm>
+      </p:grpSpPr>
+      <p:pic>
+        <p:nvPicPr>
+          <p:cNvPr id="6146" name="Picture 2" descr="Logo shield in the form of the letter S"/>
+          <p:cNvPicPr>
+            <a:picLocks noChangeAspect="1" noChangeArrowheads="1"/>
+          </p:cNvPicPr>
+          <p:nvPr/>
+        </p:nvPicPr>
+        <p:blipFill>
+          <a:blip r:embed="rId2">
+            <a:extLst>
+              <a:ext uri="{28A0092B-C50C-407E-A947-70E740481C1C}">
+                <a14:useLocalDpi xmlns:a14="http://schemas.microsoft.com/office/drawing/2010/main" val="0"/>
+              </a:ext>
+            </a:extLst>
+          </a:blip>
+          <a:srcRect/>
+          <a:stretch>
+            <a:fillRect/>
+          </a:stretch>
+        </p:blipFill>
+        <p:spPr bwMode="auto">
+          <a:xfrm>
+            <a:off x="0" y="0"/>
+            <a:ext cx="4286250" cy="3619500"/>
+          </a:xfrm>
+          <a:prstGeom prst="rect">
+            <a:avLst/>
+          </a:prstGeom>
+          <a:noFill/>
+          <a:extLst>
+            <a:ext uri="{909E8E84-426E-40DD-AFC4-6F175D3DCCD1}">
+              <a14:hiddenFill xmlns:a14="http://schemas.microsoft.com/office/drawing/2010/main">
+                <a:solidFill>
+                  <a:srgbClr val="FFFFFF"/>
+                </a:solidFill>
+              </a14:hiddenFill>
+            </a:ext>
+          </a:extLst>
+        </p:spPr>
+      </p:pic>
+      <p:pic>
+        <p:nvPicPr>
+          <p:cNvPr id="6148" name="Picture 4" descr="S strength symbol super concept elements icon logo"/>
+          <p:cNvPicPr>
+            <a:picLocks noChangeAspect="1" noChangeArrowheads="1"/>
+          </p:cNvPicPr>
+          <p:nvPr/>
+        </p:nvPicPr>
+        <p:blipFill>
+          <a:blip r:embed="rId3">
+            <a:extLst>
+              <a:ext uri="{28A0092B-C50C-407E-A947-70E740481C1C}">
+                <a14:useLocalDpi xmlns:a14="http://schemas.microsoft.com/office/drawing/2010/main" val="0"/>
+              </a:ext>
+            </a:extLst>
+          </a:blip>
+          <a:srcRect/>
+          <a:stretch>
+            <a:fillRect/>
+          </a:stretch>
+        </p:blipFill>
+        <p:spPr bwMode="auto">
+          <a:xfrm>
+            <a:off x="3381375" y="0"/>
+            <a:ext cx="4286250" cy="4476751"/>
+          </a:xfrm>
+          <a:prstGeom prst="rect">
+            <a:avLst/>
+          </a:prstGeom>
+          <a:noFill/>
+          <a:extLst>
+            <a:ext uri="{909E8E84-426E-40DD-AFC4-6F175D3DCCD1}">
+              <a14:hiddenFill xmlns:a14="http://schemas.microsoft.com/office/drawing/2010/main">
+                <a:solidFill>
+                  <a:srgbClr val="FFFFFF"/>
+                </a:solidFill>
+              </a14:hiddenFill>
+            </a:ext>
+          </a:extLst>
+        </p:spPr>
+      </p:pic>
+      <p:pic>
+        <p:nvPicPr>
+          <p:cNvPr id="6150" name="Picture 6" descr="SD Logo &#10;Modern 3D logo with s&amp;d initials adjustable to any name with sd initials."/>
+          <p:cNvPicPr>
+            <a:picLocks noChangeAspect="1" noChangeArrowheads="1"/>
+          </p:cNvPicPr>
+          <p:nvPr/>
+        </p:nvPicPr>
+        <p:blipFill>
+          <a:blip r:embed="rId4">
+            <a:extLst>
+              <a:ext uri="{28A0092B-C50C-407E-A947-70E740481C1C}">
+                <a14:useLocalDpi xmlns:a14="http://schemas.microsoft.com/office/drawing/2010/main" val="0"/>
+              </a:ext>
+            </a:extLst>
+          </a:blip>
+          <a:srcRect/>
+          <a:stretch>
+            <a:fillRect/>
+          </a:stretch>
+        </p:blipFill>
+        <p:spPr bwMode="auto">
+          <a:xfrm>
+            <a:off x="7000875" y="198437"/>
+            <a:ext cx="4286250" cy="2762251"/>
+          </a:xfrm>
+          <a:prstGeom prst="rect">
+            <a:avLst/>
+          </a:prstGeom>
+          <a:noFill/>
+          <a:extLst>
+            <a:ext uri="{909E8E84-426E-40DD-AFC4-6F175D3DCCD1}">
+              <a14:hiddenFill xmlns:a14="http://schemas.microsoft.com/office/drawing/2010/main">
+                <a:solidFill>
+                  <a:srgbClr val="FFFFFF"/>
+                </a:solidFill>
+              </a14:hiddenFill>
+            </a:ext>
+          </a:extLst>
+        </p:spPr>
+      </p:pic>
+      <p:pic>
+        <p:nvPicPr>
+          <p:cNvPr id="6152" name="Picture 8" descr="Protection Logo Template Design Vector, Emblem, Design Concept, Creative Symbol, Icon&#10;"/>
+          <p:cNvPicPr>
+            <a:picLocks noChangeAspect="1" noChangeArrowheads="1"/>
+          </p:cNvPicPr>
+          <p:nvPr/>
+        </p:nvPicPr>
+        <p:blipFill>
+          <a:blip r:embed="rId5">
+            <a:extLst>
+              <a:ext uri="{28A0092B-C50C-407E-A947-70E740481C1C}">
+                <a14:useLocalDpi xmlns:a14="http://schemas.microsoft.com/office/drawing/2010/main" val="0"/>
+              </a:ext>
+            </a:extLst>
+          </a:blip>
+          <a:srcRect/>
+          <a:stretch>
+            <a:fillRect/>
+          </a:stretch>
+        </p:blipFill>
+        <p:spPr bwMode="auto">
+          <a:xfrm>
+            <a:off x="7667625" y="2996407"/>
+            <a:ext cx="4286250" cy="4476751"/>
+          </a:xfrm>
+          <a:prstGeom prst="rect">
+            <a:avLst/>
+          </a:prstGeom>
+          <a:noFill/>
+          <a:extLst>
+            <a:ext uri="{909E8E84-426E-40DD-AFC4-6F175D3DCCD1}">
+              <a14:hiddenFill xmlns:a14="http://schemas.microsoft.com/office/drawing/2010/main">
+                <a:solidFill>
+                  <a:srgbClr val="FFFFFF"/>
+                </a:solidFill>
+              </a14:hiddenFill>
+            </a:ext>
+          </a:extLst>
+        </p:spPr>
+      </p:pic>
+      <p:pic>
+        <p:nvPicPr>
+          <p:cNvPr id="6154" name="Picture 10" descr="logo letter s shield icon, symbol"/>
+          <p:cNvPicPr>
+            <a:picLocks noChangeAspect="1" noChangeArrowheads="1"/>
+          </p:cNvPicPr>
+          <p:nvPr/>
+        </p:nvPicPr>
+        <p:blipFill>
+          <a:blip r:embed="rId6">
+            <a:extLst>
+              <a:ext uri="{28A0092B-C50C-407E-A947-70E740481C1C}">
+                <a14:useLocalDpi xmlns:a14="http://schemas.microsoft.com/office/drawing/2010/main" val="0"/>
+              </a:ext>
+            </a:extLst>
+          </a:blip>
+          <a:srcRect/>
+          <a:stretch>
+            <a:fillRect/>
+          </a:stretch>
+        </p:blipFill>
+        <p:spPr bwMode="auto">
+          <a:xfrm>
+            <a:off x="0" y="3636565"/>
+            <a:ext cx="4286250" cy="2962276"/>
+          </a:xfrm>
+          <a:prstGeom prst="rect">
+            <a:avLst/>
+          </a:prstGeom>
+          <a:noFill/>
+          <a:extLst>
+            <a:ext uri="{909E8E84-426E-40DD-AFC4-6F175D3DCCD1}">
+              <a14:hiddenFill xmlns:a14="http://schemas.microsoft.com/office/drawing/2010/main">
+                <a:solidFill>
+                  <a:srgbClr val="FFFFFF"/>
+                </a:solidFill>
+              </a14:hiddenFill>
+            </a:ext>
+          </a:extLst>
+        </p:spPr>
+      </p:pic>
+    </p:spTree>
+    <p:extLst>
+      <p:ext uri="{BB962C8B-B14F-4D97-AF65-F5344CB8AC3E}">
+        <p14:creationId xmlns:p14="http://schemas.microsoft.com/office/powerpoint/2010/main" val="222741494"/>
+      </p:ext>
+    </p:extLst>
+  </p:cSld>
+  <p:clrMapOvr>
+    <a:masterClrMapping/>
+  </p:clrMapOvr>
+</p:sld>
+</file>
+
+<file path=ppt/slides/slide23.xml><?xml version="1.0" encoding="utf-8"?>
 <p:sld xmlns:a="http://schemas.openxmlformats.org/drawingml/2006/main" xmlns:r="http://schemas.openxmlformats.org/officeDocument/2006/relationships" xmlns:p="http://schemas.openxmlformats.org/presentationml/2006/main">
   <p:cSld>
     <p:spTree>
@@ -10246,7 +12257,7 @@
 </p:sld>
 </file>
 
-<file path=ppt/slides/slide21.xml><?xml version="1.0" encoding="utf-8"?>
+<file path=ppt/slides/slide24.xml><?xml version="1.0" encoding="utf-8"?>
 <p:sld xmlns:a="http://schemas.openxmlformats.org/drawingml/2006/main" xmlns:r="http://schemas.openxmlformats.org/officeDocument/2006/relationships" xmlns:p="http://schemas.openxmlformats.org/presentationml/2006/main">
   <p:cSld>
     <p:spTree>
@@ -16252,7 +18263,7 @@
 </p:sld>
 </file>
 
-<file path=ppt/slides/slide22.xml><?xml version="1.0" encoding="utf-8"?>
+<file path=ppt/slides/slide25.xml><?xml version="1.0" encoding="utf-8"?>
 <p:sld xmlns:a="http://schemas.openxmlformats.org/drawingml/2006/main" xmlns:r="http://schemas.openxmlformats.org/officeDocument/2006/relationships" xmlns:p="http://schemas.openxmlformats.org/presentationml/2006/main">
   <p:cSld>
     <p:spTree>
@@ -16711,6 +18722,1312 @@
           <a:chExt cx="0" cy="0"/>
         </a:xfrm>
       </p:grpSpPr>
+      <p:sp>
+        <p:nvSpPr>
+          <p:cNvPr id="5" name="Rectángulo 4"/>
+          <p:cNvSpPr/>
+          <p:nvPr/>
+        </p:nvSpPr>
+        <p:spPr>
+          <a:xfrm>
+            <a:off x="1911000" y="1989000"/>
+            <a:ext cx="2655000" cy="1755000"/>
+          </a:xfrm>
+          <a:prstGeom prst="rect">
+            <a:avLst/>
+          </a:prstGeom>
+          <a:solidFill>
+            <a:srgbClr val="FFFF00"/>
+          </a:solidFill>
+        </p:spPr>
+        <p:style>
+          <a:lnRef idx="2">
+            <a:schemeClr val="accent1">
+              <a:shade val="50000"/>
+            </a:schemeClr>
+          </a:lnRef>
+          <a:fillRef idx="1">
+            <a:schemeClr val="accent1"/>
+          </a:fillRef>
+          <a:effectRef idx="0">
+            <a:schemeClr val="accent1"/>
+          </a:effectRef>
+          <a:fontRef idx="minor">
+            <a:schemeClr val="lt1"/>
+          </a:fontRef>
+        </p:style>
+        <p:txBody>
+          <a:bodyPr rtlCol="0" anchor="ctr"/>
+          <a:lstStyle/>
+          <a:p>
+            <a:pPr algn="ctr"/>
+            <a:endParaRPr lang="en-US"/>
+          </a:p>
+        </p:txBody>
+      </p:sp>
+      <p:sp>
+        <p:nvSpPr>
+          <p:cNvPr id="11" name="Rectángulo 10"/>
+          <p:cNvSpPr/>
+          <p:nvPr/>
+        </p:nvSpPr>
+        <p:spPr>
+          <a:xfrm>
+            <a:off x="6861000" y="2574000"/>
+            <a:ext cx="2655000" cy="1755000"/>
+          </a:xfrm>
+          <a:prstGeom prst="rect">
+            <a:avLst/>
+          </a:prstGeom>
+          <a:solidFill>
+            <a:srgbClr val="FFFF00"/>
+          </a:solidFill>
+        </p:spPr>
+        <p:style>
+          <a:lnRef idx="2">
+            <a:schemeClr val="accent1">
+              <a:shade val="50000"/>
+            </a:schemeClr>
+          </a:lnRef>
+          <a:fillRef idx="1">
+            <a:schemeClr val="accent1"/>
+          </a:fillRef>
+          <a:effectRef idx="0">
+            <a:schemeClr val="accent1"/>
+          </a:effectRef>
+          <a:fontRef idx="minor">
+            <a:schemeClr val="lt1"/>
+          </a:fontRef>
+        </p:style>
+        <p:txBody>
+          <a:bodyPr rtlCol="0" anchor="ctr"/>
+          <a:lstStyle/>
+          <a:p>
+            <a:pPr algn="ctr"/>
+            <a:endParaRPr lang="en-US"/>
+          </a:p>
+        </p:txBody>
+      </p:sp>
+      <p:pic>
+        <p:nvPicPr>
+          <p:cNvPr id="3" name="Imagen 2"/>
+          <p:cNvPicPr>
+            <a:picLocks noChangeAspect="1"/>
+          </p:cNvPicPr>
+          <p:nvPr/>
+        </p:nvPicPr>
+        <p:blipFill rotWithShape="1">
+          <a:blip r:embed="rId2">
+            <a:extLst>
+              <a:ext uri="{28A0092B-C50C-407E-A947-70E740481C1C}">
+                <a14:useLocalDpi xmlns:a14="http://schemas.microsoft.com/office/drawing/2010/main" val="0"/>
+              </a:ext>
+            </a:extLst>
+          </a:blip>
+          <a:srcRect l="5872" t="5524" r="4223" b="45905"/>
+          <a:stretch/>
+        </p:blipFill>
+        <p:spPr>
+          <a:xfrm>
+            <a:off x="201000" y="324000"/>
+            <a:ext cx="11504775" cy="6215503"/>
+          </a:xfrm>
+          <a:prstGeom prst="rect">
+            <a:avLst/>
+          </a:prstGeom>
+        </p:spPr>
+      </p:pic>
+      <p:sp>
+        <p:nvSpPr>
+          <p:cNvPr id="4" name="CuadroTexto 3"/>
+          <p:cNvSpPr txBox="1"/>
+          <p:nvPr/>
+        </p:nvSpPr>
+        <p:spPr>
+          <a:xfrm>
+            <a:off x="2226000" y="4840780"/>
+            <a:ext cx="3555000" cy="523220"/>
+          </a:xfrm>
+          <a:prstGeom prst="rect">
+            <a:avLst/>
+          </a:prstGeom>
+          <a:noFill/>
+        </p:spPr>
+        <p:txBody>
+          <a:bodyPr wrap="square" rtlCol="0">
+            <a:spAutoFit/>
+          </a:bodyPr>
+          <a:lstStyle/>
+          <a:p>
+            <a:r>
+              <a:rPr lang="es-ES" sz="2800" dirty="0" smtClean="0">
+                <a:solidFill>
+                  <a:srgbClr val="343233"/>
+                </a:solidFill>
+                <a:latin typeface="Square (demo ver.)" panose="02000500000000000000" pitchFamily="2" charset="0"/>
+              </a:rPr>
+              <a:t>www.seguridadsis.com</a:t>
+            </a:r>
+            <a:endParaRPr lang="en-US" sz="2800" dirty="0">
+              <a:solidFill>
+                <a:srgbClr val="343233"/>
+              </a:solidFill>
+              <a:latin typeface="Square (demo ver.)" panose="02000500000000000000" pitchFamily="2" charset="0"/>
+            </a:endParaRPr>
+          </a:p>
+        </p:txBody>
+      </p:sp>
+    </p:spTree>
+    <p:extLst>
+      <p:ext uri="{BB962C8B-B14F-4D97-AF65-F5344CB8AC3E}">
+        <p14:creationId xmlns:p14="http://schemas.microsoft.com/office/powerpoint/2010/main" val="2428736242"/>
+      </p:ext>
+    </p:extLst>
+  </p:cSld>
+  <p:clrMapOvr>
+    <a:masterClrMapping/>
+  </p:clrMapOvr>
+</p:sld>
+</file>
+
+<file path=ppt/slides/slide4.xml><?xml version="1.0" encoding="utf-8"?>
+<p:sld xmlns:a="http://schemas.openxmlformats.org/drawingml/2006/main" xmlns:r="http://schemas.openxmlformats.org/officeDocument/2006/relationships" xmlns:p="http://schemas.openxmlformats.org/presentationml/2006/main">
+  <p:cSld>
+    <p:spTree>
+      <p:nvGrpSpPr>
+        <p:cNvPr id="1" name=""/>
+        <p:cNvGrpSpPr/>
+        <p:nvPr/>
+      </p:nvGrpSpPr>
+      <p:grpSpPr>
+        <a:xfrm>
+          <a:off x="0" y="0"/>
+          <a:ext cx="0" cy="0"/>
+          <a:chOff x="0" y="0"/>
+          <a:chExt cx="0" cy="0"/>
+        </a:xfrm>
+      </p:grpSpPr>
+      <p:pic>
+        <p:nvPicPr>
+          <p:cNvPr id="3" name="Imagen 2"/>
+          <p:cNvPicPr>
+            <a:picLocks noChangeAspect="1"/>
+          </p:cNvPicPr>
+          <p:nvPr/>
+        </p:nvPicPr>
+        <p:blipFill rotWithShape="1">
+          <a:blip r:embed="rId2">
+            <a:extLst>
+              <a:ext uri="{28A0092B-C50C-407E-A947-70E740481C1C}">
+                <a14:useLocalDpi xmlns:a14="http://schemas.microsoft.com/office/drawing/2010/main" val="0"/>
+              </a:ext>
+            </a:extLst>
+          </a:blip>
+          <a:srcRect l="13162" t="51055" r="15450" b="4917"/>
+          <a:stretch/>
+        </p:blipFill>
+        <p:spPr>
+          <a:xfrm>
+            <a:off x="966000" y="549000"/>
+            <a:ext cx="9777350" cy="6030000"/>
+          </a:xfrm>
+          <a:prstGeom prst="rect">
+            <a:avLst/>
+          </a:prstGeom>
+        </p:spPr>
+      </p:pic>
+      <p:sp>
+        <p:nvSpPr>
+          <p:cNvPr id="6" name="Rectángulo 5"/>
+          <p:cNvSpPr/>
+          <p:nvPr/>
+        </p:nvSpPr>
+        <p:spPr>
+          <a:xfrm>
+            <a:off x="2091000" y="1986619"/>
+            <a:ext cx="90000" cy="3692381"/>
+          </a:xfrm>
+          <a:prstGeom prst="rect">
+            <a:avLst/>
+          </a:prstGeom>
+          <a:solidFill>
+            <a:schemeClr val="bg1"/>
+          </a:solidFill>
+          <a:ln>
+            <a:noFill/>
+          </a:ln>
+        </p:spPr>
+        <p:style>
+          <a:lnRef idx="2">
+            <a:schemeClr val="accent1">
+              <a:shade val="50000"/>
+            </a:schemeClr>
+          </a:lnRef>
+          <a:fillRef idx="1">
+            <a:schemeClr val="accent1"/>
+          </a:fillRef>
+          <a:effectRef idx="0">
+            <a:schemeClr val="accent1"/>
+          </a:effectRef>
+          <a:fontRef idx="minor">
+            <a:schemeClr val="lt1"/>
+          </a:fontRef>
+        </p:style>
+        <p:txBody>
+          <a:bodyPr rtlCol="0" anchor="ctr"/>
+          <a:lstStyle/>
+          <a:p>
+            <a:pPr algn="ctr"/>
+            <a:endParaRPr lang="en-US"/>
+          </a:p>
+        </p:txBody>
+      </p:sp>
+      <p:pic>
+        <p:nvPicPr>
+          <p:cNvPr id="8" name="Imagen 7"/>
+          <p:cNvPicPr>
+            <a:picLocks noChangeAspect="1"/>
+          </p:cNvPicPr>
+          <p:nvPr/>
+        </p:nvPicPr>
+        <p:blipFill>
+          <a:blip r:embed="rId3"/>
+          <a:stretch>
+            <a:fillRect/>
+          </a:stretch>
+        </p:blipFill>
+        <p:spPr>
+          <a:xfrm>
+            <a:off x="2811000" y="4959000"/>
+            <a:ext cx="4286250" cy="447675"/>
+          </a:xfrm>
+          <a:prstGeom prst="rect">
+            <a:avLst/>
+          </a:prstGeom>
+        </p:spPr>
+      </p:pic>
+      <p:pic>
+        <p:nvPicPr>
+          <p:cNvPr id="11" name="Imagen 10"/>
+          <p:cNvPicPr>
+            <a:picLocks noChangeAspect="1"/>
+          </p:cNvPicPr>
+          <p:nvPr/>
+        </p:nvPicPr>
+        <p:blipFill>
+          <a:blip r:embed="rId4"/>
+          <a:stretch>
+            <a:fillRect/>
+          </a:stretch>
+        </p:blipFill>
+        <p:spPr>
+          <a:xfrm>
+            <a:off x="2676000" y="3519000"/>
+            <a:ext cx="4514850" cy="1600200"/>
+          </a:xfrm>
+          <a:prstGeom prst="rect">
+            <a:avLst/>
+          </a:prstGeom>
+        </p:spPr>
+      </p:pic>
+      <p:pic>
+        <p:nvPicPr>
+          <p:cNvPr id="2052" name="Picture 4" descr="https://encrypted-tbn0.gstatic.com/images?q=tbn:ANd9GcQFgTpp8UISR1-tCmF9defb2Ydd6RDZ5OuX9gNTBgrirWD7pNQ6"/>
+          <p:cNvPicPr>
+            <a:picLocks noChangeAspect="1" noChangeArrowheads="1"/>
+          </p:cNvPicPr>
+          <p:nvPr/>
+        </p:nvPicPr>
+        <p:blipFill>
+          <a:blip r:embed="rId5" cstate="print">
+            <a:clrChange>
+              <a:clrFrom>
+                <a:srgbClr val="FFFFFF"/>
+              </a:clrFrom>
+              <a:clrTo>
+                <a:srgbClr val="FFFFFF">
+                  <a:alpha val="0"/>
+                </a:srgbClr>
+              </a:clrTo>
+            </a:clrChange>
+            <a:extLst>
+              <a:ext uri="{28A0092B-C50C-407E-A947-70E740481C1C}">
+                <a14:useLocalDpi xmlns:a14="http://schemas.microsoft.com/office/drawing/2010/main" val="0"/>
+              </a:ext>
+            </a:extLst>
+          </a:blip>
+          <a:srcRect/>
+          <a:stretch>
+            <a:fillRect/>
+          </a:stretch>
+        </p:blipFill>
+        <p:spPr bwMode="auto">
+          <a:xfrm>
+            <a:off x="2811000" y="4644000"/>
+            <a:ext cx="360000" cy="360000"/>
+          </a:xfrm>
+          <a:prstGeom prst="rect">
+            <a:avLst/>
+          </a:prstGeom>
+          <a:noFill/>
+          <a:extLst>
+            <a:ext uri="{909E8E84-426E-40DD-AFC4-6F175D3DCCD1}">
+              <a14:hiddenFill xmlns:a14="http://schemas.microsoft.com/office/drawing/2010/main">
+                <a:solidFill>
+                  <a:srgbClr val="FFFFFF"/>
+                </a:solidFill>
+              </a14:hiddenFill>
+            </a:ext>
+          </a:extLst>
+        </p:spPr>
+      </p:pic>
+      <p:pic>
+        <p:nvPicPr>
+          <p:cNvPr id="2054" name="Picture 6" descr="http://www.logospng.com/images/153/orange-phone-3-icon-free-icons-153160.png"/>
+          <p:cNvPicPr>
+            <a:picLocks noChangeAspect="1" noChangeArrowheads="1"/>
+          </p:cNvPicPr>
+          <p:nvPr/>
+        </p:nvPicPr>
+        <p:blipFill>
+          <a:blip r:embed="rId6" cstate="print">
+            <a:extLst>
+              <a:ext uri="{28A0092B-C50C-407E-A947-70E740481C1C}">
+                <a14:useLocalDpi xmlns:a14="http://schemas.microsoft.com/office/drawing/2010/main" val="0"/>
+              </a:ext>
+            </a:extLst>
+          </a:blip>
+          <a:srcRect/>
+          <a:stretch>
+            <a:fillRect/>
+          </a:stretch>
+        </p:blipFill>
+        <p:spPr bwMode="auto">
+          <a:xfrm>
+            <a:off x="2766000" y="4104000"/>
+            <a:ext cx="450000" cy="450000"/>
+          </a:xfrm>
+          <a:prstGeom prst="rect">
+            <a:avLst/>
+          </a:prstGeom>
+          <a:noFill/>
+          <a:extLst>
+            <a:ext uri="{909E8E84-426E-40DD-AFC4-6F175D3DCCD1}">
+              <a14:hiddenFill xmlns:a14="http://schemas.microsoft.com/office/drawing/2010/main">
+                <a:solidFill>
+                  <a:srgbClr val="FFFFFF"/>
+                </a:solidFill>
+              </a14:hiddenFill>
+            </a:ext>
+          </a:extLst>
+        </p:spPr>
+      </p:pic>
+      <p:pic>
+        <p:nvPicPr>
+          <p:cNvPr id="12" name="Imagen 11"/>
+          <p:cNvPicPr>
+            <a:picLocks noChangeAspect="1"/>
+          </p:cNvPicPr>
+          <p:nvPr/>
+        </p:nvPicPr>
+        <p:blipFill>
+          <a:blip r:embed="rId7"/>
+          <a:stretch>
+            <a:fillRect/>
+          </a:stretch>
+        </p:blipFill>
+        <p:spPr>
+          <a:xfrm>
+            <a:off x="2811000" y="1314000"/>
+            <a:ext cx="3990975" cy="1304925"/>
+          </a:xfrm>
+          <a:prstGeom prst="rect">
+            <a:avLst/>
+          </a:prstGeom>
+        </p:spPr>
+      </p:pic>
+      <p:pic>
+        <p:nvPicPr>
+          <p:cNvPr id="13" name="Imagen 12"/>
+          <p:cNvPicPr>
+            <a:picLocks noChangeAspect="1"/>
+          </p:cNvPicPr>
+          <p:nvPr/>
+        </p:nvPicPr>
+        <p:blipFill>
+          <a:blip r:embed="rId8"/>
+          <a:stretch>
+            <a:fillRect/>
+          </a:stretch>
+        </p:blipFill>
+        <p:spPr>
+          <a:xfrm>
+            <a:off x="2811000" y="1044000"/>
+            <a:ext cx="6410325" cy="2205000"/>
+          </a:xfrm>
+          <a:prstGeom prst="rect">
+            <a:avLst/>
+          </a:prstGeom>
+        </p:spPr>
+      </p:pic>
+      <p:pic>
+        <p:nvPicPr>
+          <p:cNvPr id="14" name="Imagen 13"/>
+          <p:cNvPicPr>
+            <a:picLocks noChangeAspect="1"/>
+          </p:cNvPicPr>
+          <p:nvPr/>
+        </p:nvPicPr>
+        <p:blipFill>
+          <a:blip r:embed="rId9"/>
+          <a:stretch>
+            <a:fillRect/>
+          </a:stretch>
+        </p:blipFill>
+        <p:spPr>
+          <a:xfrm>
+            <a:off x="2901000" y="3249000"/>
+            <a:ext cx="4286250" cy="285750"/>
+          </a:xfrm>
+          <a:prstGeom prst="rect">
+            <a:avLst/>
+          </a:prstGeom>
+        </p:spPr>
+      </p:pic>
+      <p:pic>
+        <p:nvPicPr>
+          <p:cNvPr id="2056" name="Picture 8" descr="https://png.pngtree.com/svg/20170712/fire_917373.png"/>
+          <p:cNvPicPr>
+            <a:picLocks noChangeAspect="1" noChangeArrowheads="1"/>
+          </p:cNvPicPr>
+          <p:nvPr/>
+        </p:nvPicPr>
+        <p:blipFill>
+          <a:blip r:embed="rId10" cstate="print">
+            <a:extLst>
+              <a:ext uri="{28A0092B-C50C-407E-A947-70E740481C1C}">
+                <a14:useLocalDpi xmlns:a14="http://schemas.microsoft.com/office/drawing/2010/main" val="0"/>
+              </a:ext>
+            </a:extLst>
+          </a:blip>
+          <a:srcRect/>
+          <a:stretch>
+            <a:fillRect/>
+          </a:stretch>
+        </p:blipFill>
+        <p:spPr bwMode="auto">
+          <a:xfrm>
+            <a:off x="8571000" y="1442455"/>
+            <a:ext cx="405000" cy="405000"/>
+          </a:xfrm>
+          <a:prstGeom prst="rect">
+            <a:avLst/>
+          </a:prstGeom>
+          <a:noFill/>
+          <a:extLst>
+            <a:ext uri="{909E8E84-426E-40DD-AFC4-6F175D3DCCD1}">
+              <a14:hiddenFill xmlns:a14="http://schemas.microsoft.com/office/drawing/2010/main">
+                <a:solidFill>
+                  <a:srgbClr val="FFFFFF"/>
+                </a:solidFill>
+              </a14:hiddenFill>
+            </a:ext>
+          </a:extLst>
+        </p:spPr>
+      </p:pic>
+      <p:sp>
+        <p:nvSpPr>
+          <p:cNvPr id="19" name="CuadroTexto 18"/>
+          <p:cNvSpPr txBox="1"/>
+          <p:nvPr/>
+        </p:nvSpPr>
+        <p:spPr>
+          <a:xfrm>
+            <a:off x="6591000" y="1397455"/>
+            <a:ext cx="2025001" cy="523220"/>
+          </a:xfrm>
+          <a:prstGeom prst="rect">
+            <a:avLst/>
+          </a:prstGeom>
+          <a:noFill/>
+        </p:spPr>
+        <p:txBody>
+          <a:bodyPr wrap="square" rtlCol="0">
+            <a:spAutoFit/>
+          </a:bodyPr>
+          <a:lstStyle/>
+          <a:p>
+            <a:pPr algn="r"/>
+            <a:r>
+              <a:rPr lang="es-ES" sz="1400" dirty="0" smtClean="0">
+                <a:solidFill>
+                  <a:schemeClr val="bg1">
+                    <a:lumMod val="65000"/>
+                  </a:schemeClr>
+                </a:solidFill>
+                <a:latin typeface="Ebrima" panose="02000000000000000000" pitchFamily="2" charset="0"/>
+                <a:ea typeface="Ebrima" panose="02000000000000000000" pitchFamily="2" charset="0"/>
+                <a:cs typeface="Ebrima" panose="02000000000000000000" pitchFamily="2" charset="0"/>
+              </a:rPr>
+              <a:t>Sistemas de control y extinción de incendios</a:t>
+            </a:r>
+            <a:endParaRPr lang="en-US" sz="1100" dirty="0">
+              <a:solidFill>
+                <a:schemeClr val="bg1">
+                  <a:lumMod val="65000"/>
+                </a:schemeClr>
+              </a:solidFill>
+              <a:latin typeface="Ebrima" panose="02000000000000000000" pitchFamily="2" charset="0"/>
+              <a:ea typeface="Ebrima" panose="02000000000000000000" pitchFamily="2" charset="0"/>
+              <a:cs typeface="Ebrima" panose="02000000000000000000" pitchFamily="2" charset="0"/>
+            </a:endParaRPr>
+          </a:p>
+        </p:txBody>
+      </p:sp>
+      <p:sp>
+        <p:nvSpPr>
+          <p:cNvPr id="21" name="CuadroTexto 20"/>
+          <p:cNvSpPr txBox="1"/>
+          <p:nvPr/>
+        </p:nvSpPr>
+        <p:spPr>
+          <a:xfrm>
+            <a:off x="6276000" y="1966030"/>
+            <a:ext cx="2340001" cy="307777"/>
+          </a:xfrm>
+          <a:prstGeom prst="rect">
+            <a:avLst/>
+          </a:prstGeom>
+          <a:noFill/>
+        </p:spPr>
+        <p:txBody>
+          <a:bodyPr wrap="square" rtlCol="0">
+            <a:spAutoFit/>
+          </a:bodyPr>
+          <a:lstStyle/>
+          <a:p>
+            <a:pPr algn="r"/>
+            <a:r>
+              <a:rPr lang="es-ES" sz="1400" dirty="0" smtClean="0">
+                <a:solidFill>
+                  <a:schemeClr val="bg1">
+                    <a:lumMod val="65000"/>
+                  </a:schemeClr>
+                </a:solidFill>
+                <a:latin typeface="Ebrima" panose="02000000000000000000" pitchFamily="2" charset="0"/>
+                <a:ea typeface="Ebrima" panose="02000000000000000000" pitchFamily="2" charset="0"/>
+                <a:cs typeface="Ebrima" panose="02000000000000000000" pitchFamily="2" charset="0"/>
+              </a:rPr>
+              <a:t>Sistemas de evacuación</a:t>
+            </a:r>
+            <a:endParaRPr lang="en-US" sz="1100" dirty="0">
+              <a:solidFill>
+                <a:schemeClr val="bg1">
+                  <a:lumMod val="65000"/>
+                </a:schemeClr>
+              </a:solidFill>
+              <a:latin typeface="Ebrima" panose="02000000000000000000" pitchFamily="2" charset="0"/>
+              <a:ea typeface="Ebrima" panose="02000000000000000000" pitchFamily="2" charset="0"/>
+              <a:cs typeface="Ebrima" panose="02000000000000000000" pitchFamily="2" charset="0"/>
+            </a:endParaRPr>
+          </a:p>
+        </p:txBody>
+      </p:sp>
+      <p:pic>
+        <p:nvPicPr>
+          <p:cNvPr id="2058" name="Picture 10" descr="https://encrypted-tbn0.gstatic.com/images?q=tbn:ANd9GcTq-bOf25GJ7MJ8RK2uHaFHOur4KkmgcHg9SU6_GSMnzXuMU6lQ"/>
+          <p:cNvPicPr>
+            <a:picLocks noChangeAspect="1" noChangeArrowheads="1"/>
+          </p:cNvPicPr>
+          <p:nvPr/>
+        </p:nvPicPr>
+        <p:blipFill>
+          <a:blip r:embed="rId11" cstate="print">
+            <a:clrChange>
+              <a:clrFrom>
+                <a:srgbClr val="FFFFFF"/>
+              </a:clrFrom>
+              <a:clrTo>
+                <a:srgbClr val="FFFFFF">
+                  <a:alpha val="0"/>
+                </a:srgbClr>
+              </a:clrTo>
+            </a:clrChange>
+            <a:extLst>
+              <a:ext uri="{28A0092B-C50C-407E-A947-70E740481C1C}">
+                <a14:useLocalDpi xmlns:a14="http://schemas.microsoft.com/office/drawing/2010/main" val="0"/>
+              </a:ext>
+            </a:extLst>
+          </a:blip>
+          <a:srcRect/>
+          <a:stretch>
+            <a:fillRect/>
+          </a:stretch>
+        </p:blipFill>
+        <p:spPr bwMode="auto">
+          <a:xfrm>
+            <a:off x="8571000" y="1960780"/>
+            <a:ext cx="360000" cy="360000"/>
+          </a:xfrm>
+          <a:prstGeom prst="rect">
+            <a:avLst/>
+          </a:prstGeom>
+          <a:noFill/>
+          <a:extLst>
+            <a:ext uri="{909E8E84-426E-40DD-AFC4-6F175D3DCCD1}">
+              <a14:hiddenFill xmlns:a14="http://schemas.microsoft.com/office/drawing/2010/main">
+                <a:solidFill>
+                  <a:srgbClr val="FFFFFF"/>
+                </a:solidFill>
+              </a14:hiddenFill>
+            </a:ext>
+          </a:extLst>
+        </p:spPr>
+      </p:pic>
+      <p:pic>
+        <p:nvPicPr>
+          <p:cNvPr id="15" name="Imagen 14"/>
+          <p:cNvPicPr>
+            <a:picLocks noChangeAspect="1"/>
+          </p:cNvPicPr>
+          <p:nvPr/>
+        </p:nvPicPr>
+        <p:blipFill>
+          <a:blip r:embed="rId12">
+            <a:clrChange>
+              <a:clrFrom>
+                <a:srgbClr val="FFFFFF"/>
+              </a:clrFrom>
+              <a:clrTo>
+                <a:srgbClr val="FFFFFF">
+                  <a:alpha val="0"/>
+                </a:srgbClr>
+              </a:clrTo>
+            </a:clrChange>
+            <a:extLst>
+              <a:ext uri="{BEBA8EAE-BF5A-486C-A8C5-ECC9F3942E4B}">
+                <a14:imgProps xmlns:a14="http://schemas.microsoft.com/office/drawing/2010/main">
+                  <a14:imgLayer r:embed="rId13">
+                    <a14:imgEffect>
+                      <a14:brightnessContrast bright="20000" contrast="-20000"/>
+                    </a14:imgEffect>
+                  </a14:imgLayer>
+                </a14:imgProps>
+              </a:ext>
+            </a:extLst>
+          </a:blip>
+          <a:stretch>
+            <a:fillRect/>
+          </a:stretch>
+        </p:blipFill>
+        <p:spPr>
+          <a:xfrm>
+            <a:off x="8616000" y="2500780"/>
+            <a:ext cx="360000" cy="278084"/>
+          </a:xfrm>
+          <a:prstGeom prst="rect">
+            <a:avLst/>
+          </a:prstGeom>
+        </p:spPr>
+      </p:pic>
+      <p:sp>
+        <p:nvSpPr>
+          <p:cNvPr id="24" name="CuadroTexto 23"/>
+          <p:cNvSpPr txBox="1"/>
+          <p:nvPr/>
+        </p:nvSpPr>
+        <p:spPr>
+          <a:xfrm>
+            <a:off x="6591000" y="2365780"/>
+            <a:ext cx="1980001" cy="523220"/>
+          </a:xfrm>
+          <a:prstGeom prst="rect">
+            <a:avLst/>
+          </a:prstGeom>
+          <a:noFill/>
+        </p:spPr>
+        <p:txBody>
+          <a:bodyPr wrap="square" rtlCol="0">
+            <a:spAutoFit/>
+          </a:bodyPr>
+          <a:lstStyle/>
+          <a:p>
+            <a:pPr algn="r"/>
+            <a:r>
+              <a:rPr lang="es-ES" sz="1400" dirty="0" smtClean="0">
+                <a:solidFill>
+                  <a:schemeClr val="bg1">
+                    <a:lumMod val="65000"/>
+                  </a:schemeClr>
+                </a:solidFill>
+                <a:latin typeface="Ebrima" panose="02000000000000000000" pitchFamily="2" charset="0"/>
+                <a:ea typeface="Ebrima" panose="02000000000000000000" pitchFamily="2" charset="0"/>
+                <a:cs typeface="Ebrima" panose="02000000000000000000" pitchFamily="2" charset="0"/>
+              </a:rPr>
+              <a:t>Sistemas de control de acceso</a:t>
+            </a:r>
+            <a:endParaRPr lang="en-US" sz="1100" dirty="0">
+              <a:solidFill>
+                <a:schemeClr val="bg1">
+                  <a:lumMod val="65000"/>
+                </a:schemeClr>
+              </a:solidFill>
+              <a:latin typeface="Ebrima" panose="02000000000000000000" pitchFamily="2" charset="0"/>
+              <a:ea typeface="Ebrima" panose="02000000000000000000" pitchFamily="2" charset="0"/>
+              <a:cs typeface="Ebrima" panose="02000000000000000000" pitchFamily="2" charset="0"/>
+            </a:endParaRPr>
+          </a:p>
+        </p:txBody>
+      </p:sp>
+    </p:spTree>
+    <p:extLst>
+      <p:ext uri="{BB962C8B-B14F-4D97-AF65-F5344CB8AC3E}">
+        <p14:creationId xmlns:p14="http://schemas.microsoft.com/office/powerpoint/2010/main" val="2619461235"/>
+      </p:ext>
+    </p:extLst>
+  </p:cSld>
+  <p:clrMapOvr>
+    <a:masterClrMapping/>
+  </p:clrMapOvr>
+</p:sld>
+</file>
+
+<file path=ppt/slides/slide5.xml><?xml version="1.0" encoding="utf-8"?>
+<p:sld xmlns:a="http://schemas.openxmlformats.org/drawingml/2006/main" xmlns:r="http://schemas.openxmlformats.org/officeDocument/2006/relationships" xmlns:p="http://schemas.openxmlformats.org/presentationml/2006/main">
+  <p:cSld>
+    <p:spTree>
+      <p:nvGrpSpPr>
+        <p:cNvPr id="1" name=""/>
+        <p:cNvGrpSpPr/>
+        <p:nvPr/>
+      </p:nvGrpSpPr>
+      <p:grpSpPr>
+        <a:xfrm>
+          <a:off x="0" y="0"/>
+          <a:ext cx="0" cy="0"/>
+          <a:chOff x="0" y="0"/>
+          <a:chExt cx="0" cy="0"/>
+        </a:xfrm>
+      </p:grpSpPr>
+      <p:pic>
+        <p:nvPicPr>
+          <p:cNvPr id="3" name="Imagen 2"/>
+          <p:cNvPicPr>
+            <a:picLocks noChangeAspect="1"/>
+          </p:cNvPicPr>
+          <p:nvPr/>
+        </p:nvPicPr>
+        <p:blipFill rotWithShape="1">
+          <a:blip r:embed="rId2">
+            <a:extLst>
+              <a:ext uri="{28A0092B-C50C-407E-A947-70E740481C1C}">
+                <a14:useLocalDpi xmlns:a14="http://schemas.microsoft.com/office/drawing/2010/main" val="0"/>
+              </a:ext>
+            </a:extLst>
+          </a:blip>
+          <a:srcRect l="13162" t="51055" r="15450" b="4917"/>
+          <a:stretch/>
+        </p:blipFill>
+        <p:spPr>
+          <a:xfrm>
+            <a:off x="966000" y="549000"/>
+            <a:ext cx="9777350" cy="6030000"/>
+          </a:xfrm>
+          <a:prstGeom prst="rect">
+            <a:avLst/>
+          </a:prstGeom>
+        </p:spPr>
+      </p:pic>
+      <p:sp>
+        <p:nvSpPr>
+          <p:cNvPr id="6" name="Rectángulo 5"/>
+          <p:cNvSpPr/>
+          <p:nvPr/>
+        </p:nvSpPr>
+        <p:spPr>
+          <a:xfrm>
+            <a:off x="2091000" y="1986619"/>
+            <a:ext cx="90000" cy="3692381"/>
+          </a:xfrm>
+          <a:prstGeom prst="rect">
+            <a:avLst/>
+          </a:prstGeom>
+          <a:solidFill>
+            <a:schemeClr val="bg1"/>
+          </a:solidFill>
+          <a:ln>
+            <a:noFill/>
+          </a:ln>
+        </p:spPr>
+        <p:style>
+          <a:lnRef idx="2">
+            <a:schemeClr val="accent1">
+              <a:shade val="50000"/>
+            </a:schemeClr>
+          </a:lnRef>
+          <a:fillRef idx="1">
+            <a:schemeClr val="accent1"/>
+          </a:fillRef>
+          <a:effectRef idx="0">
+            <a:schemeClr val="accent1"/>
+          </a:effectRef>
+          <a:fontRef idx="minor">
+            <a:schemeClr val="lt1"/>
+          </a:fontRef>
+        </p:style>
+        <p:txBody>
+          <a:bodyPr rtlCol="0" anchor="ctr"/>
+          <a:lstStyle/>
+          <a:p>
+            <a:pPr algn="ctr"/>
+            <a:endParaRPr lang="en-US"/>
+          </a:p>
+        </p:txBody>
+      </p:sp>
+      <p:pic>
+        <p:nvPicPr>
+          <p:cNvPr id="8" name="Imagen 7"/>
+          <p:cNvPicPr>
+            <a:picLocks noChangeAspect="1"/>
+          </p:cNvPicPr>
+          <p:nvPr/>
+        </p:nvPicPr>
+        <p:blipFill>
+          <a:blip r:embed="rId3"/>
+          <a:stretch>
+            <a:fillRect/>
+          </a:stretch>
+        </p:blipFill>
+        <p:spPr>
+          <a:xfrm>
+            <a:off x="2811000" y="3159000"/>
+            <a:ext cx="4286250" cy="2247675"/>
+          </a:xfrm>
+          <a:prstGeom prst="rect">
+            <a:avLst/>
+          </a:prstGeom>
+        </p:spPr>
+      </p:pic>
+      <p:pic>
+        <p:nvPicPr>
+          <p:cNvPr id="12" name="Imagen 11"/>
+          <p:cNvPicPr>
+            <a:picLocks noChangeAspect="1"/>
+          </p:cNvPicPr>
+          <p:nvPr/>
+        </p:nvPicPr>
+        <p:blipFill>
+          <a:blip r:embed="rId4"/>
+          <a:stretch>
+            <a:fillRect/>
+          </a:stretch>
+        </p:blipFill>
+        <p:spPr>
+          <a:xfrm>
+            <a:off x="2811000" y="1314000"/>
+            <a:ext cx="3990975" cy="1304925"/>
+          </a:xfrm>
+          <a:prstGeom prst="rect">
+            <a:avLst/>
+          </a:prstGeom>
+        </p:spPr>
+      </p:pic>
+      <p:pic>
+        <p:nvPicPr>
+          <p:cNvPr id="13" name="Imagen 12"/>
+          <p:cNvPicPr>
+            <a:picLocks noChangeAspect="1"/>
+          </p:cNvPicPr>
+          <p:nvPr/>
+        </p:nvPicPr>
+        <p:blipFill>
+          <a:blip r:embed="rId5"/>
+          <a:stretch>
+            <a:fillRect/>
+          </a:stretch>
+        </p:blipFill>
+        <p:spPr>
+          <a:xfrm>
+            <a:off x="2811000" y="1044000"/>
+            <a:ext cx="6410325" cy="2205000"/>
+          </a:xfrm>
+          <a:prstGeom prst="rect">
+            <a:avLst/>
+          </a:prstGeom>
+        </p:spPr>
+      </p:pic>
+      <p:pic>
+        <p:nvPicPr>
+          <p:cNvPr id="14" name="Imagen 13"/>
+          <p:cNvPicPr>
+            <a:picLocks noChangeAspect="1"/>
+          </p:cNvPicPr>
+          <p:nvPr/>
+        </p:nvPicPr>
+        <p:blipFill>
+          <a:blip r:embed="rId6"/>
+          <a:stretch>
+            <a:fillRect/>
+          </a:stretch>
+        </p:blipFill>
+        <p:spPr>
+          <a:xfrm>
+            <a:off x="2901000" y="3249000"/>
+            <a:ext cx="4286250" cy="285750"/>
+          </a:xfrm>
+          <a:prstGeom prst="rect">
+            <a:avLst/>
+          </a:prstGeom>
+        </p:spPr>
+      </p:pic>
+      <p:pic>
+        <p:nvPicPr>
+          <p:cNvPr id="2056" name="Picture 8" descr="https://png.pngtree.com/svg/20170712/fire_917373.png"/>
+          <p:cNvPicPr>
+            <a:picLocks noChangeAspect="1" noChangeArrowheads="1"/>
+          </p:cNvPicPr>
+          <p:nvPr/>
+        </p:nvPicPr>
+        <p:blipFill>
+          <a:blip r:embed="rId7" cstate="print">
+            <a:extLst>
+              <a:ext uri="{28A0092B-C50C-407E-A947-70E740481C1C}">
+                <a14:useLocalDpi xmlns:a14="http://schemas.microsoft.com/office/drawing/2010/main" val="0"/>
+              </a:ext>
+            </a:extLst>
+          </a:blip>
+          <a:srcRect/>
+          <a:stretch>
+            <a:fillRect/>
+          </a:stretch>
+        </p:blipFill>
+        <p:spPr bwMode="auto">
+          <a:xfrm>
+            <a:off x="5517900" y="4149000"/>
+            <a:ext cx="405000" cy="405000"/>
+          </a:xfrm>
+          <a:prstGeom prst="rect">
+            <a:avLst/>
+          </a:prstGeom>
+          <a:noFill/>
+          <a:extLst>
+            <a:ext uri="{909E8E84-426E-40DD-AFC4-6F175D3DCCD1}">
+              <a14:hiddenFill xmlns:a14="http://schemas.microsoft.com/office/drawing/2010/main">
+                <a:solidFill>
+                  <a:srgbClr val="FFFFFF"/>
+                </a:solidFill>
+              </a14:hiddenFill>
+            </a:ext>
+          </a:extLst>
+        </p:spPr>
+      </p:pic>
+      <p:sp>
+        <p:nvSpPr>
+          <p:cNvPr id="19" name="CuadroTexto 18"/>
+          <p:cNvSpPr txBox="1"/>
+          <p:nvPr/>
+        </p:nvSpPr>
+        <p:spPr>
+          <a:xfrm>
+            <a:off x="4116000" y="4599000"/>
+            <a:ext cx="2925001" cy="738664"/>
+          </a:xfrm>
+          <a:prstGeom prst="rect">
+            <a:avLst/>
+          </a:prstGeom>
+          <a:noFill/>
+        </p:spPr>
+        <p:txBody>
+          <a:bodyPr wrap="square" rtlCol="0">
+            <a:spAutoFit/>
+          </a:bodyPr>
+          <a:lstStyle/>
+          <a:p>
+            <a:pPr algn="r"/>
+            <a:r>
+              <a:rPr lang="es-ES" sz="1400" dirty="0" smtClean="0">
+                <a:solidFill>
+                  <a:schemeClr val="bg1">
+                    <a:lumMod val="65000"/>
+                  </a:schemeClr>
+                </a:solidFill>
+                <a:latin typeface="Ebrima" panose="02000000000000000000" pitchFamily="2" charset="0"/>
+                <a:ea typeface="Ebrima" panose="02000000000000000000" pitchFamily="2" charset="0"/>
+                <a:cs typeface="Ebrima" panose="02000000000000000000" pitchFamily="2" charset="0"/>
+              </a:rPr>
+              <a:t>Sistemas de control y extinción de incendios, sistemas de evacuación y control de acceso.</a:t>
+            </a:r>
+            <a:endParaRPr lang="en-US" sz="1100" dirty="0">
+              <a:solidFill>
+                <a:schemeClr val="bg1">
+                  <a:lumMod val="65000"/>
+                </a:schemeClr>
+              </a:solidFill>
+              <a:latin typeface="Ebrima" panose="02000000000000000000" pitchFamily="2" charset="0"/>
+              <a:ea typeface="Ebrima" panose="02000000000000000000" pitchFamily="2" charset="0"/>
+              <a:cs typeface="Ebrima" panose="02000000000000000000" pitchFamily="2" charset="0"/>
+            </a:endParaRPr>
+          </a:p>
+        </p:txBody>
+      </p:sp>
+      <p:pic>
+        <p:nvPicPr>
+          <p:cNvPr id="2058" name="Picture 10" descr="https://encrypted-tbn0.gstatic.com/images?q=tbn:ANd9GcTq-bOf25GJ7MJ8RK2uHaFHOur4KkmgcHg9SU6_GSMnzXuMU6lQ"/>
+          <p:cNvPicPr>
+            <a:picLocks noChangeAspect="1" noChangeArrowheads="1"/>
+          </p:cNvPicPr>
+          <p:nvPr/>
+        </p:nvPicPr>
+        <p:blipFill>
+          <a:blip r:embed="rId8" cstate="print">
+            <a:clrChange>
+              <a:clrFrom>
+                <a:srgbClr val="FFFFFF"/>
+              </a:clrFrom>
+              <a:clrTo>
+                <a:srgbClr val="FFFFFF">
+                  <a:alpha val="0"/>
+                </a:srgbClr>
+              </a:clrTo>
+            </a:clrChange>
+            <a:extLst>
+              <a:ext uri="{28A0092B-C50C-407E-A947-70E740481C1C}">
+                <a14:useLocalDpi xmlns:a14="http://schemas.microsoft.com/office/drawing/2010/main" val="0"/>
+              </a:ext>
+            </a:extLst>
+          </a:blip>
+          <a:srcRect/>
+          <a:stretch>
+            <a:fillRect/>
+          </a:stretch>
+        </p:blipFill>
+        <p:spPr bwMode="auto">
+          <a:xfrm>
+            <a:off x="6051000" y="4186380"/>
+            <a:ext cx="360000" cy="360000"/>
+          </a:xfrm>
+          <a:prstGeom prst="rect">
+            <a:avLst/>
+          </a:prstGeom>
+          <a:noFill/>
+          <a:extLst>
+            <a:ext uri="{909E8E84-426E-40DD-AFC4-6F175D3DCCD1}">
+              <a14:hiddenFill xmlns:a14="http://schemas.microsoft.com/office/drawing/2010/main">
+                <a:solidFill>
+                  <a:srgbClr val="FFFFFF"/>
+                </a:solidFill>
+              </a14:hiddenFill>
+            </a:ext>
+          </a:extLst>
+        </p:spPr>
+      </p:pic>
+      <p:pic>
+        <p:nvPicPr>
+          <p:cNvPr id="15" name="Imagen 14"/>
+          <p:cNvPicPr>
+            <a:picLocks noChangeAspect="1"/>
+          </p:cNvPicPr>
+          <p:nvPr/>
+        </p:nvPicPr>
+        <p:blipFill>
+          <a:blip r:embed="rId9">
+            <a:clrChange>
+              <a:clrFrom>
+                <a:srgbClr val="FFFFFF"/>
+              </a:clrFrom>
+              <a:clrTo>
+                <a:srgbClr val="FFFFFF">
+                  <a:alpha val="0"/>
+                </a:srgbClr>
+              </a:clrTo>
+            </a:clrChange>
+            <a:extLst>
+              <a:ext uri="{BEBA8EAE-BF5A-486C-A8C5-ECC9F3942E4B}">
+                <a14:imgProps xmlns:a14="http://schemas.microsoft.com/office/drawing/2010/main">
+                  <a14:imgLayer r:embed="rId10">
+                    <a14:imgEffect>
+                      <a14:brightnessContrast bright="20000" contrast="-20000"/>
+                    </a14:imgEffect>
+                  </a14:imgLayer>
+                </a14:imgProps>
+              </a:ext>
+            </a:extLst>
+          </a:blip>
+          <a:stretch>
+            <a:fillRect/>
+          </a:stretch>
+        </p:blipFill>
+        <p:spPr>
+          <a:xfrm>
+            <a:off x="6591000" y="4230660"/>
+            <a:ext cx="360000" cy="278084"/>
+          </a:xfrm>
+          <a:prstGeom prst="rect">
+            <a:avLst/>
+          </a:prstGeom>
+        </p:spPr>
+      </p:pic>
+      <p:grpSp>
+        <p:nvGrpSpPr>
+          <p:cNvPr id="2" name="Grupo 1"/>
+          <p:cNvGrpSpPr/>
+          <p:nvPr/>
+        </p:nvGrpSpPr>
+        <p:grpSpPr>
+          <a:xfrm>
+            <a:off x="2721000" y="1314000"/>
+            <a:ext cx="4514850" cy="1600200"/>
+            <a:chOff x="2676000" y="3519000"/>
+            <a:chExt cx="4514850" cy="1600200"/>
+          </a:xfrm>
+        </p:grpSpPr>
+        <p:pic>
+          <p:nvPicPr>
+            <p:cNvPr id="11" name="Imagen 10"/>
+            <p:cNvPicPr>
+              <a:picLocks noChangeAspect="1"/>
+            </p:cNvPicPr>
+            <p:nvPr/>
+          </p:nvPicPr>
+          <p:blipFill>
+            <a:blip r:embed="rId11"/>
+            <a:stretch>
+              <a:fillRect/>
+            </a:stretch>
+          </p:blipFill>
+          <p:spPr>
+            <a:xfrm>
+              <a:off x="2676000" y="3519000"/>
+              <a:ext cx="4514850" cy="1600200"/>
+            </a:xfrm>
+            <a:prstGeom prst="rect">
+              <a:avLst/>
+            </a:prstGeom>
+          </p:spPr>
+        </p:pic>
+        <p:pic>
+          <p:nvPicPr>
+            <p:cNvPr id="2052" name="Picture 4" descr="https://encrypted-tbn0.gstatic.com/images?q=tbn:ANd9GcQFgTpp8UISR1-tCmF9defb2Ydd6RDZ5OuX9gNTBgrirWD7pNQ6"/>
+            <p:cNvPicPr>
+              <a:picLocks noChangeAspect="1" noChangeArrowheads="1"/>
+            </p:cNvPicPr>
+            <p:nvPr/>
+          </p:nvPicPr>
+          <p:blipFill>
+            <a:blip r:embed="rId12" cstate="print">
+              <a:clrChange>
+                <a:clrFrom>
+                  <a:srgbClr val="FFFFFF"/>
+                </a:clrFrom>
+                <a:clrTo>
+                  <a:srgbClr val="FFFFFF">
+                    <a:alpha val="0"/>
+                  </a:srgbClr>
+                </a:clrTo>
+              </a:clrChange>
+              <a:extLst>
+                <a:ext uri="{28A0092B-C50C-407E-A947-70E740481C1C}">
+                  <a14:useLocalDpi xmlns:a14="http://schemas.microsoft.com/office/drawing/2010/main" val="0"/>
+                </a:ext>
+              </a:extLst>
+            </a:blip>
+            <a:srcRect/>
+            <a:stretch>
+              <a:fillRect/>
+            </a:stretch>
+          </p:blipFill>
+          <p:spPr bwMode="auto">
+            <a:xfrm>
+              <a:off x="2811000" y="4644000"/>
+              <a:ext cx="360000" cy="360000"/>
+            </a:xfrm>
+            <a:prstGeom prst="rect">
+              <a:avLst/>
+            </a:prstGeom>
+            <a:noFill/>
+            <a:extLst>
+              <a:ext uri="{909E8E84-426E-40DD-AFC4-6F175D3DCCD1}">
+                <a14:hiddenFill xmlns:a14="http://schemas.microsoft.com/office/drawing/2010/main">
+                  <a:solidFill>
+                    <a:srgbClr val="FFFFFF"/>
+                  </a:solidFill>
+                </a14:hiddenFill>
+              </a:ext>
+            </a:extLst>
+          </p:spPr>
+        </p:pic>
+        <p:pic>
+          <p:nvPicPr>
+            <p:cNvPr id="2054" name="Picture 6" descr="http://www.logospng.com/images/153/orange-phone-3-icon-free-icons-153160.png"/>
+            <p:cNvPicPr>
+              <a:picLocks noChangeAspect="1" noChangeArrowheads="1"/>
+            </p:cNvPicPr>
+            <p:nvPr/>
+          </p:nvPicPr>
+          <p:blipFill>
+            <a:blip r:embed="rId13" cstate="print">
+              <a:extLst>
+                <a:ext uri="{28A0092B-C50C-407E-A947-70E740481C1C}">
+                  <a14:useLocalDpi xmlns:a14="http://schemas.microsoft.com/office/drawing/2010/main" val="0"/>
+                </a:ext>
+              </a:extLst>
+            </a:blip>
+            <a:srcRect/>
+            <a:stretch>
+              <a:fillRect/>
+            </a:stretch>
+          </p:blipFill>
+          <p:spPr bwMode="auto">
+            <a:xfrm>
+              <a:off x="2766000" y="4104000"/>
+              <a:ext cx="450000" cy="450000"/>
+            </a:xfrm>
+            <a:prstGeom prst="rect">
+              <a:avLst/>
+            </a:prstGeom>
+            <a:noFill/>
+            <a:extLst>
+              <a:ext uri="{909E8E84-426E-40DD-AFC4-6F175D3DCCD1}">
+                <a14:hiddenFill xmlns:a14="http://schemas.microsoft.com/office/drawing/2010/main">
+                  <a:solidFill>
+                    <a:srgbClr val="FFFFFF"/>
+                  </a:solidFill>
+                </a14:hiddenFill>
+              </a:ext>
+            </a:extLst>
+          </p:spPr>
+        </p:pic>
+      </p:grpSp>
+    </p:spTree>
+    <p:extLst>
+      <p:ext uri="{BB962C8B-B14F-4D97-AF65-F5344CB8AC3E}">
+        <p14:creationId xmlns:p14="http://schemas.microsoft.com/office/powerpoint/2010/main" val="3379899847"/>
+      </p:ext>
+    </p:extLst>
+  </p:cSld>
+  <p:clrMapOvr>
+    <a:masterClrMapping/>
+  </p:clrMapOvr>
+</p:sld>
+</file>
+
+<file path=ppt/slides/slide6.xml><?xml version="1.0" encoding="utf-8"?>
+<p:sld xmlns:a="http://schemas.openxmlformats.org/drawingml/2006/main" xmlns:r="http://schemas.openxmlformats.org/officeDocument/2006/relationships" xmlns:p="http://schemas.openxmlformats.org/presentationml/2006/main">
+  <p:cSld>
+    <p:spTree>
+      <p:nvGrpSpPr>
+        <p:cNvPr id="1" name=""/>
+        <p:cNvGrpSpPr/>
+        <p:nvPr/>
+      </p:nvGrpSpPr>
+      <p:grpSpPr>
+        <a:xfrm>
+          <a:off x="0" y="0"/>
+          <a:ext cx="0" cy="0"/>
+          <a:chOff x="0" y="0"/>
+          <a:chExt cx="0" cy="0"/>
+        </a:xfrm>
+      </p:grpSpPr>
       <p:pic>
         <p:nvPicPr>
           <p:cNvPr id="3" name="Imagen 2"/>
@@ -16748,7 +20065,7 @@
 </p:sld>
 </file>
 
-<file path=ppt/slides/slide4.xml><?xml version="1.0" encoding="utf-8"?>
+<file path=ppt/slides/slide7.xml><?xml version="1.0" encoding="utf-8"?>
 <p:sld xmlns:a="http://schemas.openxmlformats.org/drawingml/2006/main" xmlns:r="http://schemas.openxmlformats.org/officeDocument/2006/relationships" xmlns:p="http://schemas.openxmlformats.org/presentationml/2006/main">
   <p:cSld>
     <p:spTree>
@@ -20150,7 +23467,7 @@
 </p:sld>
 </file>
 
-<file path=ppt/slides/slide5.xml><?xml version="1.0" encoding="utf-8"?>
+<file path=ppt/slides/slide8.xml><?xml version="1.0" encoding="utf-8"?>
 <p:sld xmlns:a="http://schemas.openxmlformats.org/drawingml/2006/main" xmlns:r="http://schemas.openxmlformats.org/officeDocument/2006/relationships" xmlns:p="http://schemas.openxmlformats.org/presentationml/2006/main">
   <p:cSld>
     <p:spTree>
@@ -22018,7 +25335,7 @@
 </p:sld>
 </file>
 
-<file path=ppt/slides/slide6.xml><?xml version="1.0" encoding="utf-8"?>
+<file path=ppt/slides/slide9.xml><?xml version="1.0" encoding="utf-8"?>
 <p:sld xmlns:a="http://schemas.openxmlformats.org/drawingml/2006/main" xmlns:r="http://schemas.openxmlformats.org/officeDocument/2006/relationships" xmlns:p="http://schemas.openxmlformats.org/presentationml/2006/main">
   <p:cSld>
     <p:spTree>
@@ -22527,1984 +25844,6 @@
   <p:clrMapOvr>
     <a:masterClrMapping/>
   </p:clrMapOvr>
-</p:sld>
-</file>
-
-<file path=ppt/slides/slide7.xml><?xml version="1.0" encoding="utf-8"?>
-<p:sld xmlns:a="http://schemas.openxmlformats.org/drawingml/2006/main" xmlns:r="http://schemas.openxmlformats.org/officeDocument/2006/relationships" xmlns:p="http://schemas.openxmlformats.org/presentationml/2006/main">
-  <p:cSld>
-    <p:spTree>
-      <p:nvGrpSpPr>
-        <p:cNvPr id="1" name=""/>
-        <p:cNvGrpSpPr/>
-        <p:nvPr/>
-      </p:nvGrpSpPr>
-      <p:grpSpPr>
-        <a:xfrm>
-          <a:off x="0" y="0"/>
-          <a:ext cx="0" cy="0"/>
-          <a:chOff x="0" y="0"/>
-          <a:chExt cx="0" cy="0"/>
-        </a:xfrm>
-      </p:grpSpPr>
-      <p:sp>
-        <p:nvSpPr>
-          <p:cNvPr id="2" name="Rectángulo 1"/>
-          <p:cNvSpPr/>
-          <p:nvPr/>
-        </p:nvSpPr>
-        <p:spPr>
-          <a:xfrm>
-            <a:off x="1471415" y="979026"/>
-            <a:ext cx="739382" cy="188686"/>
-          </a:xfrm>
-          <a:prstGeom prst="rect">
-            <a:avLst/>
-          </a:prstGeom>
-          <a:solidFill>
-            <a:srgbClr val="FF8000"/>
-          </a:solidFill>
-          <a:ln>
-            <a:solidFill>
-              <a:srgbClr val="FF8000"/>
-            </a:solidFill>
-          </a:ln>
-        </p:spPr>
-        <p:style>
-          <a:lnRef idx="2">
-            <a:schemeClr val="accent1">
-              <a:shade val="50000"/>
-            </a:schemeClr>
-          </a:lnRef>
-          <a:fillRef idx="1">
-            <a:schemeClr val="accent1"/>
-          </a:fillRef>
-          <a:effectRef idx="0">
-            <a:schemeClr val="accent1"/>
-          </a:effectRef>
-          <a:fontRef idx="minor">
-            <a:schemeClr val="lt1"/>
-          </a:fontRef>
-        </p:style>
-        <p:txBody>
-          <a:bodyPr rtlCol="0" anchor="ctr"/>
-          <a:lstStyle/>
-          <a:p>
-            <a:pPr algn="ctr"/>
-            <a:endParaRPr lang="en-US"/>
-          </a:p>
-        </p:txBody>
-      </p:sp>
-      <p:sp>
-        <p:nvSpPr>
-          <p:cNvPr id="3" name="Rectángulo 2"/>
-          <p:cNvSpPr/>
-          <p:nvPr/>
-        </p:nvSpPr>
-        <p:spPr>
-          <a:xfrm rot="5400000">
-            <a:off x="1267700" y="1185123"/>
-            <a:ext cx="596113" cy="188686"/>
-          </a:xfrm>
-          <a:prstGeom prst="rect">
-            <a:avLst/>
-          </a:prstGeom>
-          <a:solidFill>
-            <a:srgbClr val="FF8000"/>
-          </a:solidFill>
-          <a:ln>
-            <a:solidFill>
-              <a:srgbClr val="FF8000"/>
-            </a:solidFill>
-          </a:ln>
-        </p:spPr>
-        <p:style>
-          <a:lnRef idx="2">
-            <a:schemeClr val="accent1">
-              <a:shade val="50000"/>
-            </a:schemeClr>
-          </a:lnRef>
-          <a:fillRef idx="1">
-            <a:schemeClr val="accent1"/>
-          </a:fillRef>
-          <a:effectRef idx="0">
-            <a:schemeClr val="accent1"/>
-          </a:effectRef>
-          <a:fontRef idx="minor">
-            <a:schemeClr val="lt1"/>
-          </a:fontRef>
-        </p:style>
-        <p:txBody>
-          <a:bodyPr rtlCol="0" anchor="ctr"/>
-          <a:lstStyle/>
-          <a:p>
-            <a:pPr algn="ctr"/>
-            <a:endParaRPr lang="en-US"/>
-          </a:p>
-        </p:txBody>
-      </p:sp>
-      <p:sp>
-        <p:nvSpPr>
-          <p:cNvPr id="4" name="Rectángulo 6"/>
-          <p:cNvSpPr/>
-          <p:nvPr/>
-        </p:nvSpPr>
-        <p:spPr>
-          <a:xfrm rot="16200000" flipV="1">
-            <a:off x="2131203" y="2173282"/>
-            <a:ext cx="472746" cy="200389"/>
-          </a:xfrm>
-          <a:custGeom>
-            <a:avLst/>
-            <a:gdLst>
-              <a:gd name="connsiteX0" fmla="*/ 0 w 1021842"/>
-              <a:gd name="connsiteY0" fmla="*/ 0 h 188686"/>
-              <a:gd name="connsiteX1" fmla="*/ 1021842 w 1021842"/>
-              <a:gd name="connsiteY1" fmla="*/ 0 h 188686"/>
-              <a:gd name="connsiteX2" fmla="*/ 1021842 w 1021842"/>
-              <a:gd name="connsiteY2" fmla="*/ 188686 h 188686"/>
-              <a:gd name="connsiteX3" fmla="*/ 0 w 1021842"/>
-              <a:gd name="connsiteY3" fmla="*/ 188686 h 188686"/>
-              <a:gd name="connsiteX4" fmla="*/ 0 w 1021842"/>
-              <a:gd name="connsiteY4" fmla="*/ 0 h 188686"/>
-              <a:gd name="connsiteX0" fmla="*/ 0 w 1021842"/>
-              <a:gd name="connsiteY0" fmla="*/ 0 h 188686"/>
-              <a:gd name="connsiteX1" fmla="*/ 1021842 w 1021842"/>
-              <a:gd name="connsiteY1" fmla="*/ 0 h 188686"/>
-              <a:gd name="connsiteX2" fmla="*/ 848010 w 1021842"/>
-              <a:gd name="connsiteY2" fmla="*/ 188686 h 188686"/>
-              <a:gd name="connsiteX3" fmla="*/ 0 w 1021842"/>
-              <a:gd name="connsiteY3" fmla="*/ 188686 h 188686"/>
-              <a:gd name="connsiteX4" fmla="*/ 0 w 1021842"/>
-              <a:gd name="connsiteY4" fmla="*/ 0 h 188686"/>
-              <a:gd name="connsiteX0" fmla="*/ 0 w 1021842"/>
-              <a:gd name="connsiteY0" fmla="*/ 0 h 188686"/>
-              <a:gd name="connsiteX1" fmla="*/ 1021842 w 1021842"/>
-              <a:gd name="connsiteY1" fmla="*/ 0 h 188686"/>
-              <a:gd name="connsiteX2" fmla="*/ 1016781 w 1021842"/>
-              <a:gd name="connsiteY2" fmla="*/ 188683 h 188686"/>
-              <a:gd name="connsiteX3" fmla="*/ 0 w 1021842"/>
-              <a:gd name="connsiteY3" fmla="*/ 188686 h 188686"/>
-              <a:gd name="connsiteX4" fmla="*/ 0 w 1021842"/>
-              <a:gd name="connsiteY4" fmla="*/ 0 h 188686"/>
-              <a:gd name="connsiteX0" fmla="*/ 0 w 1016782"/>
-              <a:gd name="connsiteY0" fmla="*/ 2271 h 190957"/>
-              <a:gd name="connsiteX1" fmla="*/ 826656 w 1016782"/>
-              <a:gd name="connsiteY1" fmla="*/ 0 h 190957"/>
-              <a:gd name="connsiteX2" fmla="*/ 1016781 w 1016782"/>
-              <a:gd name="connsiteY2" fmla="*/ 190954 h 190957"/>
-              <a:gd name="connsiteX3" fmla="*/ 0 w 1016782"/>
-              <a:gd name="connsiteY3" fmla="*/ 190957 h 190957"/>
-              <a:gd name="connsiteX4" fmla="*/ 0 w 1016782"/>
-              <a:gd name="connsiteY4" fmla="*/ 2271 h 190957"/>
-              <a:gd name="connsiteX0" fmla="*/ 0 w 1016780"/>
-              <a:gd name="connsiteY0" fmla="*/ 2273 h 190959"/>
-              <a:gd name="connsiteX1" fmla="*/ 846571 w 1016780"/>
-              <a:gd name="connsiteY1" fmla="*/ 0 h 190959"/>
-              <a:gd name="connsiteX2" fmla="*/ 1016781 w 1016780"/>
-              <a:gd name="connsiteY2" fmla="*/ 190956 h 190959"/>
-              <a:gd name="connsiteX3" fmla="*/ 0 w 1016780"/>
-              <a:gd name="connsiteY3" fmla="*/ 190959 h 190959"/>
-              <a:gd name="connsiteX4" fmla="*/ 0 w 1016780"/>
-              <a:gd name="connsiteY4" fmla="*/ 2273 h 190959"/>
-              <a:gd name="connsiteX0" fmla="*/ 0 w 1016782"/>
-              <a:gd name="connsiteY0" fmla="*/ 2273 h 190959"/>
-              <a:gd name="connsiteX1" fmla="*/ 838604 w 1016782"/>
-              <a:gd name="connsiteY1" fmla="*/ 0 h 190959"/>
-              <a:gd name="connsiteX2" fmla="*/ 1016781 w 1016782"/>
-              <a:gd name="connsiteY2" fmla="*/ 190956 h 190959"/>
-              <a:gd name="connsiteX3" fmla="*/ 0 w 1016782"/>
-              <a:gd name="connsiteY3" fmla="*/ 190959 h 190959"/>
-              <a:gd name="connsiteX4" fmla="*/ 0 w 1016782"/>
-              <a:gd name="connsiteY4" fmla="*/ 2273 h 190959"/>
-              <a:gd name="connsiteX0" fmla="*/ 0 w 1016782"/>
-              <a:gd name="connsiteY0" fmla="*/ 6 h 188692"/>
-              <a:gd name="connsiteX1" fmla="*/ 778877 w 1016782"/>
-              <a:gd name="connsiteY1" fmla="*/ 0 h 188692"/>
-              <a:gd name="connsiteX2" fmla="*/ 1016781 w 1016782"/>
-              <a:gd name="connsiteY2" fmla="*/ 188689 h 188692"/>
-              <a:gd name="connsiteX3" fmla="*/ 0 w 1016782"/>
-              <a:gd name="connsiteY3" fmla="*/ 188692 h 188692"/>
-              <a:gd name="connsiteX4" fmla="*/ 0 w 1016782"/>
-              <a:gd name="connsiteY4" fmla="*/ 6 h 188692"/>
-              <a:gd name="connsiteX0" fmla="*/ 0 w 1016782"/>
-              <a:gd name="connsiteY0" fmla="*/ 2277 h 190963"/>
-              <a:gd name="connsiteX1" fmla="*/ 1004019 w 1016782"/>
-              <a:gd name="connsiteY1" fmla="*/ 0 h 190963"/>
-              <a:gd name="connsiteX2" fmla="*/ 1016781 w 1016782"/>
-              <a:gd name="connsiteY2" fmla="*/ 190960 h 190963"/>
-              <a:gd name="connsiteX3" fmla="*/ 0 w 1016782"/>
-              <a:gd name="connsiteY3" fmla="*/ 190963 h 190963"/>
-              <a:gd name="connsiteX4" fmla="*/ 0 w 1016782"/>
-              <a:gd name="connsiteY4" fmla="*/ 2277 h 190963"/>
-            </a:gdLst>
-            <a:ahLst/>
-            <a:cxnLst>
-              <a:cxn ang="0">
-                <a:pos x="connsiteX0" y="connsiteY0"/>
-              </a:cxn>
-              <a:cxn ang="0">
-                <a:pos x="connsiteX1" y="connsiteY1"/>
-              </a:cxn>
-              <a:cxn ang="0">
-                <a:pos x="connsiteX2" y="connsiteY2"/>
-              </a:cxn>
-              <a:cxn ang="0">
-                <a:pos x="connsiteX3" y="connsiteY3"/>
-              </a:cxn>
-              <a:cxn ang="0">
-                <a:pos x="connsiteX4" y="connsiteY4"/>
-              </a:cxn>
-            </a:cxnLst>
-            <a:rect l="l" t="t" r="r" b="b"/>
-            <a:pathLst>
-              <a:path w="1016782" h="190963">
-                <a:moveTo>
-                  <a:pt x="0" y="2277"/>
-                </a:moveTo>
-                <a:lnTo>
-                  <a:pt x="1004019" y="0"/>
-                </a:lnTo>
-                <a:lnTo>
-                  <a:pt x="1016781" y="190960"/>
-                </a:lnTo>
-                <a:lnTo>
-                  <a:pt x="0" y="190963"/>
-                </a:lnTo>
-                <a:lnTo>
-                  <a:pt x="0" y="2277"/>
-                </a:lnTo>
-                <a:close/>
-              </a:path>
-            </a:pathLst>
-          </a:custGeom>
-          <a:solidFill>
-            <a:schemeClr val="tx1"/>
-          </a:solidFill>
-          <a:ln>
-            <a:solidFill>
-              <a:schemeClr val="tx1"/>
-            </a:solidFill>
-          </a:ln>
-        </p:spPr>
-        <p:style>
-          <a:lnRef idx="2">
-            <a:schemeClr val="accent1">
-              <a:shade val="50000"/>
-            </a:schemeClr>
-          </a:lnRef>
-          <a:fillRef idx="1">
-            <a:schemeClr val="accent1"/>
-          </a:fillRef>
-          <a:effectRef idx="0">
-            <a:schemeClr val="accent1"/>
-          </a:effectRef>
-          <a:fontRef idx="minor">
-            <a:schemeClr val="lt1"/>
-          </a:fontRef>
-        </p:style>
-        <p:txBody>
-          <a:bodyPr rtlCol="0" anchor="ctr"/>
-          <a:lstStyle/>
-          <a:p>
-            <a:pPr algn="ctr"/>
-            <a:endParaRPr lang="en-US"/>
-          </a:p>
-        </p:txBody>
-      </p:sp>
-      <p:sp>
-        <p:nvSpPr>
-          <p:cNvPr id="5" name="Rectángulo 7"/>
-          <p:cNvSpPr/>
-          <p:nvPr/>
-        </p:nvSpPr>
-        <p:spPr>
-          <a:xfrm rot="1728145">
-            <a:off x="1457489" y="2427099"/>
-            <a:ext cx="987412" cy="188910"/>
-          </a:xfrm>
-          <a:custGeom>
-            <a:avLst/>
-            <a:gdLst>
-              <a:gd name="connsiteX0" fmla="*/ 0 w 987412"/>
-              <a:gd name="connsiteY0" fmla="*/ 0 h 188686"/>
-              <a:gd name="connsiteX1" fmla="*/ 987412 w 987412"/>
-              <a:gd name="connsiteY1" fmla="*/ 0 h 188686"/>
-              <a:gd name="connsiteX2" fmla="*/ 987412 w 987412"/>
-              <a:gd name="connsiteY2" fmla="*/ 188686 h 188686"/>
-              <a:gd name="connsiteX3" fmla="*/ 0 w 987412"/>
-              <a:gd name="connsiteY3" fmla="*/ 188686 h 188686"/>
-              <a:gd name="connsiteX4" fmla="*/ 0 w 987412"/>
-              <a:gd name="connsiteY4" fmla="*/ 0 h 188686"/>
-              <a:gd name="connsiteX0" fmla="*/ 0 w 987412"/>
-              <a:gd name="connsiteY0" fmla="*/ 224 h 188910"/>
-              <a:gd name="connsiteX1" fmla="*/ 884026 w 987412"/>
-              <a:gd name="connsiteY1" fmla="*/ 0 h 188910"/>
-              <a:gd name="connsiteX2" fmla="*/ 987412 w 987412"/>
-              <a:gd name="connsiteY2" fmla="*/ 188910 h 188910"/>
-              <a:gd name="connsiteX3" fmla="*/ 0 w 987412"/>
-              <a:gd name="connsiteY3" fmla="*/ 188910 h 188910"/>
-              <a:gd name="connsiteX4" fmla="*/ 0 w 987412"/>
-              <a:gd name="connsiteY4" fmla="*/ 224 h 188910"/>
-            </a:gdLst>
-            <a:ahLst/>
-            <a:cxnLst>
-              <a:cxn ang="0">
-                <a:pos x="connsiteX0" y="connsiteY0"/>
-              </a:cxn>
-              <a:cxn ang="0">
-                <a:pos x="connsiteX1" y="connsiteY1"/>
-              </a:cxn>
-              <a:cxn ang="0">
-                <a:pos x="connsiteX2" y="connsiteY2"/>
-              </a:cxn>
-              <a:cxn ang="0">
-                <a:pos x="connsiteX3" y="connsiteY3"/>
-              </a:cxn>
-              <a:cxn ang="0">
-                <a:pos x="connsiteX4" y="connsiteY4"/>
-              </a:cxn>
-            </a:cxnLst>
-            <a:rect l="l" t="t" r="r" b="b"/>
-            <a:pathLst>
-              <a:path w="987412" h="188910">
-                <a:moveTo>
-                  <a:pt x="0" y="224"/>
-                </a:moveTo>
-                <a:lnTo>
-                  <a:pt x="884026" y="0"/>
-                </a:lnTo>
-                <a:lnTo>
-                  <a:pt x="987412" y="188910"/>
-                </a:lnTo>
-                <a:lnTo>
-                  <a:pt x="0" y="188910"/>
-                </a:lnTo>
-                <a:lnTo>
-                  <a:pt x="0" y="224"/>
-                </a:lnTo>
-                <a:close/>
-              </a:path>
-            </a:pathLst>
-          </a:custGeom>
-          <a:solidFill>
-            <a:srgbClr val="FF8000"/>
-          </a:solidFill>
-          <a:ln>
-            <a:solidFill>
-              <a:srgbClr val="FF8000"/>
-            </a:solidFill>
-          </a:ln>
-        </p:spPr>
-        <p:style>
-          <a:lnRef idx="2">
-            <a:schemeClr val="accent1">
-              <a:shade val="50000"/>
-            </a:schemeClr>
-          </a:lnRef>
-          <a:fillRef idx="1">
-            <a:schemeClr val="accent1"/>
-          </a:fillRef>
-          <a:effectRef idx="0">
-            <a:schemeClr val="accent1"/>
-          </a:effectRef>
-          <a:fontRef idx="minor">
-            <a:schemeClr val="lt1"/>
-          </a:fontRef>
-        </p:style>
-        <p:txBody>
-          <a:bodyPr rtlCol="0" anchor="ctr"/>
-          <a:lstStyle/>
-          <a:p>
-            <a:pPr algn="ctr"/>
-            <a:endParaRPr lang="en-US"/>
-          </a:p>
-        </p:txBody>
-      </p:sp>
-      <p:sp>
-        <p:nvSpPr>
-          <p:cNvPr id="6" name="Rectángulo 5"/>
-          <p:cNvSpPr/>
-          <p:nvPr/>
-        </p:nvSpPr>
-        <p:spPr>
-          <a:xfrm>
-            <a:off x="2253796" y="979026"/>
-            <a:ext cx="1008125" cy="188686"/>
-          </a:xfrm>
-          <a:prstGeom prst="rect">
-            <a:avLst/>
-          </a:prstGeom>
-          <a:solidFill>
-            <a:srgbClr val="666666"/>
-          </a:solidFill>
-          <a:ln>
-            <a:solidFill>
-              <a:srgbClr val="666666"/>
-            </a:solidFill>
-          </a:ln>
-        </p:spPr>
-        <p:style>
-          <a:lnRef idx="2">
-            <a:schemeClr val="accent1">
-              <a:shade val="50000"/>
-            </a:schemeClr>
-          </a:lnRef>
-          <a:fillRef idx="1">
-            <a:schemeClr val="accent1"/>
-          </a:fillRef>
-          <a:effectRef idx="0">
-            <a:schemeClr val="accent1"/>
-          </a:effectRef>
-          <a:fontRef idx="minor">
-            <a:schemeClr val="lt1"/>
-          </a:fontRef>
-        </p:style>
-        <p:txBody>
-          <a:bodyPr rtlCol="0" anchor="ctr"/>
-          <a:lstStyle/>
-          <a:p>
-            <a:pPr algn="ctr"/>
-            <a:endParaRPr lang="en-US"/>
-          </a:p>
-        </p:txBody>
-      </p:sp>
-      <p:sp>
-        <p:nvSpPr>
-          <p:cNvPr id="7" name="Rectángulo 6"/>
-          <p:cNvSpPr/>
-          <p:nvPr/>
-        </p:nvSpPr>
-        <p:spPr>
-          <a:xfrm rot="5400000">
-            <a:off x="2038369" y="1202889"/>
-            <a:ext cx="619543" cy="188686"/>
-          </a:xfrm>
-          <a:prstGeom prst="rect">
-            <a:avLst/>
-          </a:prstGeom>
-          <a:solidFill>
-            <a:srgbClr val="666666"/>
-          </a:solidFill>
-          <a:ln>
-            <a:solidFill>
-              <a:srgbClr val="666666"/>
-            </a:solidFill>
-          </a:ln>
-        </p:spPr>
-        <p:style>
-          <a:lnRef idx="2">
-            <a:schemeClr val="accent1">
-              <a:shade val="50000"/>
-            </a:schemeClr>
-          </a:lnRef>
-          <a:fillRef idx="1">
-            <a:schemeClr val="accent1"/>
-          </a:fillRef>
-          <a:effectRef idx="0">
-            <a:schemeClr val="accent1"/>
-          </a:effectRef>
-          <a:fontRef idx="minor">
-            <a:schemeClr val="lt1"/>
-          </a:fontRef>
-        </p:style>
-        <p:txBody>
-          <a:bodyPr rtlCol="0" anchor="ctr"/>
-          <a:lstStyle/>
-          <a:p>
-            <a:pPr algn="ctr"/>
-            <a:endParaRPr lang="en-US"/>
-          </a:p>
-        </p:txBody>
-      </p:sp>
-      <p:sp>
-        <p:nvSpPr>
-          <p:cNvPr id="8" name="Rectángulo 6"/>
-          <p:cNvSpPr/>
-          <p:nvPr/>
-        </p:nvSpPr>
-        <p:spPr>
-          <a:xfrm rot="5400000">
-            <a:off x="2828382" y="1229221"/>
-            <a:ext cx="679351" cy="195831"/>
-          </a:xfrm>
-          <a:custGeom>
-            <a:avLst/>
-            <a:gdLst>
-              <a:gd name="connsiteX0" fmla="*/ 0 w 1021842"/>
-              <a:gd name="connsiteY0" fmla="*/ 0 h 188686"/>
-              <a:gd name="connsiteX1" fmla="*/ 1021842 w 1021842"/>
-              <a:gd name="connsiteY1" fmla="*/ 0 h 188686"/>
-              <a:gd name="connsiteX2" fmla="*/ 1021842 w 1021842"/>
-              <a:gd name="connsiteY2" fmla="*/ 188686 h 188686"/>
-              <a:gd name="connsiteX3" fmla="*/ 0 w 1021842"/>
-              <a:gd name="connsiteY3" fmla="*/ 188686 h 188686"/>
-              <a:gd name="connsiteX4" fmla="*/ 0 w 1021842"/>
-              <a:gd name="connsiteY4" fmla="*/ 0 h 188686"/>
-              <a:gd name="connsiteX0" fmla="*/ 0 w 1021842"/>
-              <a:gd name="connsiteY0" fmla="*/ 0 h 188686"/>
-              <a:gd name="connsiteX1" fmla="*/ 1021842 w 1021842"/>
-              <a:gd name="connsiteY1" fmla="*/ 0 h 188686"/>
-              <a:gd name="connsiteX2" fmla="*/ 848010 w 1021842"/>
-              <a:gd name="connsiteY2" fmla="*/ 188686 h 188686"/>
-              <a:gd name="connsiteX3" fmla="*/ 0 w 1021842"/>
-              <a:gd name="connsiteY3" fmla="*/ 188686 h 188686"/>
-              <a:gd name="connsiteX4" fmla="*/ 0 w 1021842"/>
-              <a:gd name="connsiteY4" fmla="*/ 0 h 188686"/>
-              <a:gd name="connsiteX0" fmla="*/ 0 w 1021842"/>
-              <a:gd name="connsiteY0" fmla="*/ 0 h 188686"/>
-              <a:gd name="connsiteX1" fmla="*/ 1021842 w 1021842"/>
-              <a:gd name="connsiteY1" fmla="*/ 0 h 188686"/>
-              <a:gd name="connsiteX2" fmla="*/ 894057 w 1021842"/>
-              <a:gd name="connsiteY2" fmla="*/ 188686 h 188686"/>
-              <a:gd name="connsiteX3" fmla="*/ 0 w 1021842"/>
-              <a:gd name="connsiteY3" fmla="*/ 188686 h 188686"/>
-              <a:gd name="connsiteX4" fmla="*/ 0 w 1021842"/>
-              <a:gd name="connsiteY4" fmla="*/ 0 h 188686"/>
-              <a:gd name="connsiteX0" fmla="*/ 0 w 1021842"/>
-              <a:gd name="connsiteY0" fmla="*/ 0 h 193449"/>
-              <a:gd name="connsiteX1" fmla="*/ 1021842 w 1021842"/>
-              <a:gd name="connsiteY1" fmla="*/ 0 h 193449"/>
-              <a:gd name="connsiteX2" fmla="*/ 858637 w 1021842"/>
-              <a:gd name="connsiteY2" fmla="*/ 193449 h 193449"/>
-              <a:gd name="connsiteX3" fmla="*/ 0 w 1021842"/>
-              <a:gd name="connsiteY3" fmla="*/ 188686 h 193449"/>
-              <a:gd name="connsiteX4" fmla="*/ 0 w 1021842"/>
-              <a:gd name="connsiteY4" fmla="*/ 0 h 193449"/>
-              <a:gd name="connsiteX0" fmla="*/ 0 w 1021842"/>
-              <a:gd name="connsiteY0" fmla="*/ 0 h 195831"/>
-              <a:gd name="connsiteX1" fmla="*/ 1021842 w 1021842"/>
-              <a:gd name="connsiteY1" fmla="*/ 0 h 195831"/>
-              <a:gd name="connsiteX2" fmla="*/ 862183 w 1021842"/>
-              <a:gd name="connsiteY2" fmla="*/ 195831 h 195831"/>
-              <a:gd name="connsiteX3" fmla="*/ 0 w 1021842"/>
-              <a:gd name="connsiteY3" fmla="*/ 188686 h 195831"/>
-              <a:gd name="connsiteX4" fmla="*/ 0 w 1021842"/>
-              <a:gd name="connsiteY4" fmla="*/ 0 h 195831"/>
-            </a:gdLst>
-            <a:ahLst/>
-            <a:cxnLst>
-              <a:cxn ang="0">
-                <a:pos x="connsiteX0" y="connsiteY0"/>
-              </a:cxn>
-              <a:cxn ang="0">
-                <a:pos x="connsiteX1" y="connsiteY1"/>
-              </a:cxn>
-              <a:cxn ang="0">
-                <a:pos x="connsiteX2" y="connsiteY2"/>
-              </a:cxn>
-              <a:cxn ang="0">
-                <a:pos x="connsiteX3" y="connsiteY3"/>
-              </a:cxn>
-              <a:cxn ang="0">
-                <a:pos x="connsiteX4" y="connsiteY4"/>
-              </a:cxn>
-            </a:cxnLst>
-            <a:rect l="l" t="t" r="r" b="b"/>
-            <a:pathLst>
-              <a:path w="1021842" h="195831">
-                <a:moveTo>
-                  <a:pt x="0" y="0"/>
-                </a:moveTo>
-                <a:lnTo>
-                  <a:pt x="1021842" y="0"/>
-                </a:lnTo>
-                <a:lnTo>
-                  <a:pt x="862183" y="195831"/>
-                </a:lnTo>
-                <a:lnTo>
-                  <a:pt x="0" y="188686"/>
-                </a:lnTo>
-                <a:lnTo>
-                  <a:pt x="0" y="0"/>
-                </a:lnTo>
-                <a:close/>
-              </a:path>
-            </a:pathLst>
-          </a:custGeom>
-          <a:solidFill>
-            <a:srgbClr val="666666"/>
-          </a:solidFill>
-          <a:ln>
-            <a:solidFill>
-              <a:srgbClr val="666666"/>
-            </a:solidFill>
-          </a:ln>
-        </p:spPr>
-        <p:style>
-          <a:lnRef idx="2">
-            <a:schemeClr val="accent1">
-              <a:shade val="50000"/>
-            </a:schemeClr>
-          </a:lnRef>
-          <a:fillRef idx="1">
-            <a:schemeClr val="accent1"/>
-          </a:fillRef>
-          <a:effectRef idx="0">
-            <a:schemeClr val="accent1"/>
-          </a:effectRef>
-          <a:fontRef idx="minor">
-            <a:schemeClr val="lt1"/>
-          </a:fontRef>
-        </p:style>
-        <p:txBody>
-          <a:bodyPr rtlCol="0" anchor="ctr"/>
-          <a:lstStyle/>
-          <a:p>
-            <a:pPr algn="ctr"/>
-            <a:endParaRPr lang="en-US"/>
-          </a:p>
-        </p:txBody>
-      </p:sp>
-      <p:sp>
-        <p:nvSpPr>
-          <p:cNvPr id="9" name="Rectángulo 6"/>
-          <p:cNvSpPr/>
-          <p:nvPr/>
-        </p:nvSpPr>
-        <p:spPr>
-          <a:xfrm rot="5400000" flipH="1" flipV="1">
-            <a:off x="1265880" y="1966500"/>
-            <a:ext cx="610018" cy="195831"/>
-          </a:xfrm>
-          <a:custGeom>
-            <a:avLst/>
-            <a:gdLst>
-              <a:gd name="connsiteX0" fmla="*/ 0 w 1021842"/>
-              <a:gd name="connsiteY0" fmla="*/ 0 h 188686"/>
-              <a:gd name="connsiteX1" fmla="*/ 1021842 w 1021842"/>
-              <a:gd name="connsiteY1" fmla="*/ 0 h 188686"/>
-              <a:gd name="connsiteX2" fmla="*/ 1021842 w 1021842"/>
-              <a:gd name="connsiteY2" fmla="*/ 188686 h 188686"/>
-              <a:gd name="connsiteX3" fmla="*/ 0 w 1021842"/>
-              <a:gd name="connsiteY3" fmla="*/ 188686 h 188686"/>
-              <a:gd name="connsiteX4" fmla="*/ 0 w 1021842"/>
-              <a:gd name="connsiteY4" fmla="*/ 0 h 188686"/>
-              <a:gd name="connsiteX0" fmla="*/ 0 w 1021842"/>
-              <a:gd name="connsiteY0" fmla="*/ 0 h 188686"/>
-              <a:gd name="connsiteX1" fmla="*/ 1021842 w 1021842"/>
-              <a:gd name="connsiteY1" fmla="*/ 0 h 188686"/>
-              <a:gd name="connsiteX2" fmla="*/ 848010 w 1021842"/>
-              <a:gd name="connsiteY2" fmla="*/ 188686 h 188686"/>
-              <a:gd name="connsiteX3" fmla="*/ 0 w 1021842"/>
-              <a:gd name="connsiteY3" fmla="*/ 188686 h 188686"/>
-              <a:gd name="connsiteX4" fmla="*/ 0 w 1021842"/>
-              <a:gd name="connsiteY4" fmla="*/ 0 h 188686"/>
-              <a:gd name="connsiteX0" fmla="*/ 0 w 1021842"/>
-              <a:gd name="connsiteY0" fmla="*/ 0 h 188686"/>
-              <a:gd name="connsiteX1" fmla="*/ 1021842 w 1021842"/>
-              <a:gd name="connsiteY1" fmla="*/ 0 h 188686"/>
-              <a:gd name="connsiteX2" fmla="*/ 894057 w 1021842"/>
-              <a:gd name="connsiteY2" fmla="*/ 188686 h 188686"/>
-              <a:gd name="connsiteX3" fmla="*/ 0 w 1021842"/>
-              <a:gd name="connsiteY3" fmla="*/ 188686 h 188686"/>
-              <a:gd name="connsiteX4" fmla="*/ 0 w 1021842"/>
-              <a:gd name="connsiteY4" fmla="*/ 0 h 188686"/>
-              <a:gd name="connsiteX0" fmla="*/ 0 w 1021842"/>
-              <a:gd name="connsiteY0" fmla="*/ 0 h 193449"/>
-              <a:gd name="connsiteX1" fmla="*/ 1021842 w 1021842"/>
-              <a:gd name="connsiteY1" fmla="*/ 0 h 193449"/>
-              <a:gd name="connsiteX2" fmla="*/ 858637 w 1021842"/>
-              <a:gd name="connsiteY2" fmla="*/ 193449 h 193449"/>
-              <a:gd name="connsiteX3" fmla="*/ 0 w 1021842"/>
-              <a:gd name="connsiteY3" fmla="*/ 188686 h 193449"/>
-              <a:gd name="connsiteX4" fmla="*/ 0 w 1021842"/>
-              <a:gd name="connsiteY4" fmla="*/ 0 h 193449"/>
-              <a:gd name="connsiteX0" fmla="*/ 0 w 1021842"/>
-              <a:gd name="connsiteY0" fmla="*/ 0 h 195831"/>
-              <a:gd name="connsiteX1" fmla="*/ 1021842 w 1021842"/>
-              <a:gd name="connsiteY1" fmla="*/ 0 h 195831"/>
-              <a:gd name="connsiteX2" fmla="*/ 862183 w 1021842"/>
-              <a:gd name="connsiteY2" fmla="*/ 195831 h 195831"/>
-              <a:gd name="connsiteX3" fmla="*/ 0 w 1021842"/>
-              <a:gd name="connsiteY3" fmla="*/ 188686 h 195831"/>
-              <a:gd name="connsiteX4" fmla="*/ 0 w 1021842"/>
-              <a:gd name="connsiteY4" fmla="*/ 0 h 195831"/>
-            </a:gdLst>
-            <a:ahLst/>
-            <a:cxnLst>
-              <a:cxn ang="0">
-                <a:pos x="connsiteX0" y="connsiteY0"/>
-              </a:cxn>
-              <a:cxn ang="0">
-                <a:pos x="connsiteX1" y="connsiteY1"/>
-              </a:cxn>
-              <a:cxn ang="0">
-                <a:pos x="connsiteX2" y="connsiteY2"/>
-              </a:cxn>
-              <a:cxn ang="0">
-                <a:pos x="connsiteX3" y="connsiteY3"/>
-              </a:cxn>
-              <a:cxn ang="0">
-                <a:pos x="connsiteX4" y="connsiteY4"/>
-              </a:cxn>
-            </a:cxnLst>
-            <a:rect l="l" t="t" r="r" b="b"/>
-            <a:pathLst>
-              <a:path w="1021842" h="195831">
-                <a:moveTo>
-                  <a:pt x="0" y="0"/>
-                </a:moveTo>
-                <a:lnTo>
-                  <a:pt x="1021842" y="0"/>
-                </a:lnTo>
-                <a:lnTo>
-                  <a:pt x="862183" y="195831"/>
-                </a:lnTo>
-                <a:lnTo>
-                  <a:pt x="0" y="188686"/>
-                </a:lnTo>
-                <a:lnTo>
-                  <a:pt x="0" y="0"/>
-                </a:lnTo>
-                <a:close/>
-              </a:path>
-            </a:pathLst>
-          </a:custGeom>
-          <a:solidFill>
-            <a:srgbClr val="FF8000"/>
-          </a:solidFill>
-          <a:ln>
-            <a:solidFill>
-              <a:srgbClr val="FF8000"/>
-            </a:solidFill>
-          </a:ln>
-        </p:spPr>
-        <p:style>
-          <a:lnRef idx="2">
-            <a:schemeClr val="accent1">
-              <a:shade val="50000"/>
-            </a:schemeClr>
-          </a:lnRef>
-          <a:fillRef idx="1">
-            <a:schemeClr val="accent1"/>
-          </a:fillRef>
-          <a:effectRef idx="0">
-            <a:schemeClr val="accent1"/>
-          </a:effectRef>
-          <a:fontRef idx="minor">
-            <a:schemeClr val="lt1"/>
-          </a:fontRef>
-        </p:style>
-        <p:txBody>
-          <a:bodyPr rtlCol="0" anchor="ctr"/>
-          <a:lstStyle/>
-          <a:p>
-            <a:pPr algn="ctr"/>
-            <a:endParaRPr lang="en-US"/>
-          </a:p>
-        </p:txBody>
-      </p:sp>
-      <p:sp>
-        <p:nvSpPr>
-          <p:cNvPr id="10" name="Triángulo isósceles 9"/>
-          <p:cNvSpPr/>
-          <p:nvPr/>
-        </p:nvSpPr>
-        <p:spPr>
-          <a:xfrm flipV="1">
-            <a:off x="2285818" y="2522531"/>
-            <a:ext cx="163328" cy="45719"/>
-          </a:xfrm>
-          <a:prstGeom prst="triangle">
-            <a:avLst/>
-          </a:prstGeom>
-          <a:solidFill>
-            <a:schemeClr val="tx1"/>
-          </a:solidFill>
-          <a:ln>
-            <a:solidFill>
-              <a:schemeClr val="tx1"/>
-            </a:solidFill>
-          </a:ln>
-        </p:spPr>
-        <p:style>
-          <a:lnRef idx="2">
-            <a:schemeClr val="accent1">
-              <a:shade val="50000"/>
-            </a:schemeClr>
-          </a:lnRef>
-          <a:fillRef idx="1">
-            <a:schemeClr val="accent1"/>
-          </a:fillRef>
-          <a:effectRef idx="0">
-            <a:schemeClr val="accent1"/>
-          </a:effectRef>
-          <a:fontRef idx="minor">
-            <a:schemeClr val="lt1"/>
-          </a:fontRef>
-        </p:style>
-        <p:txBody>
-          <a:bodyPr rtlCol="0" anchor="ctr"/>
-          <a:lstStyle/>
-          <a:p>
-            <a:pPr algn="ctr"/>
-            <a:endParaRPr lang="en-US"/>
-          </a:p>
-        </p:txBody>
-      </p:sp>
-      <p:sp>
-        <p:nvSpPr>
-          <p:cNvPr id="11" name="Hexágono 16"/>
-          <p:cNvSpPr/>
-          <p:nvPr/>
-        </p:nvSpPr>
-        <p:spPr>
-          <a:xfrm rot="5400000">
-            <a:off x="2199696" y="1807726"/>
-            <a:ext cx="337231" cy="240595"/>
-          </a:xfrm>
-          <a:custGeom>
-            <a:avLst/>
-            <a:gdLst>
-              <a:gd name="connsiteX0" fmla="*/ 0 w 288132"/>
-              <a:gd name="connsiteY0" fmla="*/ 104895 h 209789"/>
-              <a:gd name="connsiteX1" fmla="*/ 52447 w 288132"/>
-              <a:gd name="connsiteY1" fmla="*/ 0 h 209789"/>
-              <a:gd name="connsiteX2" fmla="*/ 235685 w 288132"/>
-              <a:gd name="connsiteY2" fmla="*/ 0 h 209789"/>
-              <a:gd name="connsiteX3" fmla="*/ 288132 w 288132"/>
-              <a:gd name="connsiteY3" fmla="*/ 104895 h 209789"/>
-              <a:gd name="connsiteX4" fmla="*/ 235685 w 288132"/>
-              <a:gd name="connsiteY4" fmla="*/ 209789 h 209789"/>
-              <a:gd name="connsiteX5" fmla="*/ 52447 w 288132"/>
-              <a:gd name="connsiteY5" fmla="*/ 209789 h 209789"/>
-              <a:gd name="connsiteX6" fmla="*/ 0 w 288132"/>
-              <a:gd name="connsiteY6" fmla="*/ 104895 h 209789"/>
-              <a:gd name="connsiteX0" fmla="*/ 0 w 235685"/>
-              <a:gd name="connsiteY0" fmla="*/ 209789 h 209789"/>
-              <a:gd name="connsiteX1" fmla="*/ 0 w 235685"/>
-              <a:gd name="connsiteY1" fmla="*/ 0 h 209789"/>
-              <a:gd name="connsiteX2" fmla="*/ 183238 w 235685"/>
-              <a:gd name="connsiteY2" fmla="*/ 0 h 209789"/>
-              <a:gd name="connsiteX3" fmla="*/ 235685 w 235685"/>
-              <a:gd name="connsiteY3" fmla="*/ 104895 h 209789"/>
-              <a:gd name="connsiteX4" fmla="*/ 183238 w 235685"/>
-              <a:gd name="connsiteY4" fmla="*/ 209789 h 209789"/>
-              <a:gd name="connsiteX5" fmla="*/ 0 w 235685"/>
-              <a:gd name="connsiteY5" fmla="*/ 209789 h 209789"/>
-              <a:gd name="connsiteX0" fmla="*/ 0 w 235685"/>
-              <a:gd name="connsiteY0" fmla="*/ 209789 h 209789"/>
-              <a:gd name="connsiteX1" fmla="*/ 55868 w 235685"/>
-              <a:gd name="connsiteY1" fmla="*/ 0 h 209789"/>
-              <a:gd name="connsiteX2" fmla="*/ 183238 w 235685"/>
-              <a:gd name="connsiteY2" fmla="*/ 0 h 209789"/>
-              <a:gd name="connsiteX3" fmla="*/ 235685 w 235685"/>
-              <a:gd name="connsiteY3" fmla="*/ 104895 h 209789"/>
-              <a:gd name="connsiteX4" fmla="*/ 183238 w 235685"/>
-              <a:gd name="connsiteY4" fmla="*/ 209789 h 209789"/>
-              <a:gd name="connsiteX5" fmla="*/ 0 w 235685"/>
-              <a:gd name="connsiteY5" fmla="*/ 209789 h 209789"/>
-              <a:gd name="connsiteX0" fmla="*/ 0 w 235685"/>
-              <a:gd name="connsiteY0" fmla="*/ 209789 h 209789"/>
-              <a:gd name="connsiteX1" fmla="*/ 68090 w 235685"/>
-              <a:gd name="connsiteY1" fmla="*/ 0 h 209789"/>
-              <a:gd name="connsiteX2" fmla="*/ 183238 w 235685"/>
-              <a:gd name="connsiteY2" fmla="*/ 0 h 209789"/>
-              <a:gd name="connsiteX3" fmla="*/ 235685 w 235685"/>
-              <a:gd name="connsiteY3" fmla="*/ 104895 h 209789"/>
-              <a:gd name="connsiteX4" fmla="*/ 183238 w 235685"/>
-              <a:gd name="connsiteY4" fmla="*/ 209789 h 209789"/>
-              <a:gd name="connsiteX5" fmla="*/ 0 w 235685"/>
-              <a:gd name="connsiteY5" fmla="*/ 209789 h 209789"/>
-              <a:gd name="connsiteX0" fmla="*/ 0 w 235685"/>
-              <a:gd name="connsiteY0" fmla="*/ 209789 h 209789"/>
-              <a:gd name="connsiteX1" fmla="*/ 78567 w 235685"/>
-              <a:gd name="connsiteY1" fmla="*/ 0 h 209789"/>
-              <a:gd name="connsiteX2" fmla="*/ 183238 w 235685"/>
-              <a:gd name="connsiteY2" fmla="*/ 0 h 209789"/>
-              <a:gd name="connsiteX3" fmla="*/ 235685 w 235685"/>
-              <a:gd name="connsiteY3" fmla="*/ 104895 h 209789"/>
-              <a:gd name="connsiteX4" fmla="*/ 183238 w 235685"/>
-              <a:gd name="connsiteY4" fmla="*/ 209789 h 209789"/>
-              <a:gd name="connsiteX5" fmla="*/ 0 w 235685"/>
-              <a:gd name="connsiteY5" fmla="*/ 209789 h 209789"/>
-              <a:gd name="connsiteX0" fmla="*/ 0 w 235685"/>
-              <a:gd name="connsiteY0" fmla="*/ 209789 h 209789"/>
-              <a:gd name="connsiteX1" fmla="*/ 98538 w 235685"/>
-              <a:gd name="connsiteY1" fmla="*/ 0 h 209789"/>
-              <a:gd name="connsiteX2" fmla="*/ 183238 w 235685"/>
-              <a:gd name="connsiteY2" fmla="*/ 0 h 209789"/>
-              <a:gd name="connsiteX3" fmla="*/ 235685 w 235685"/>
-              <a:gd name="connsiteY3" fmla="*/ 104895 h 209789"/>
-              <a:gd name="connsiteX4" fmla="*/ 183238 w 235685"/>
-              <a:gd name="connsiteY4" fmla="*/ 209789 h 209789"/>
-              <a:gd name="connsiteX5" fmla="*/ 0 w 235685"/>
-              <a:gd name="connsiteY5" fmla="*/ 209789 h 209789"/>
-            </a:gdLst>
-            <a:ahLst/>
-            <a:cxnLst>
-              <a:cxn ang="0">
-                <a:pos x="connsiteX0" y="connsiteY0"/>
-              </a:cxn>
-              <a:cxn ang="0">
-                <a:pos x="connsiteX1" y="connsiteY1"/>
-              </a:cxn>
-              <a:cxn ang="0">
-                <a:pos x="connsiteX2" y="connsiteY2"/>
-              </a:cxn>
-              <a:cxn ang="0">
-                <a:pos x="connsiteX3" y="connsiteY3"/>
-              </a:cxn>
-              <a:cxn ang="0">
-                <a:pos x="connsiteX4" y="connsiteY4"/>
-              </a:cxn>
-              <a:cxn ang="0">
-                <a:pos x="connsiteX5" y="connsiteY5"/>
-              </a:cxn>
-            </a:cxnLst>
-            <a:rect l="l" t="t" r="r" b="b"/>
-            <a:pathLst>
-              <a:path w="235685" h="209789">
-                <a:moveTo>
-                  <a:pt x="0" y="209789"/>
-                </a:moveTo>
-                <a:lnTo>
-                  <a:pt x="98538" y="0"/>
-                </a:lnTo>
-                <a:lnTo>
-                  <a:pt x="183238" y="0"/>
-                </a:lnTo>
-                <a:lnTo>
-                  <a:pt x="235685" y="104895"/>
-                </a:lnTo>
-                <a:lnTo>
-                  <a:pt x="183238" y="209789"/>
-                </a:lnTo>
-                <a:lnTo>
-                  <a:pt x="0" y="209789"/>
-                </a:lnTo>
-                <a:close/>
-              </a:path>
-            </a:pathLst>
-          </a:custGeom>
-          <a:solidFill>
-            <a:schemeClr val="tx1"/>
-          </a:solidFill>
-          <a:ln w="28575">
-            <a:solidFill>
-              <a:schemeClr val="bg1"/>
-            </a:solidFill>
-          </a:ln>
-        </p:spPr>
-        <p:style>
-          <a:lnRef idx="2">
-            <a:schemeClr val="accent1">
-              <a:shade val="50000"/>
-            </a:schemeClr>
-          </a:lnRef>
-          <a:fillRef idx="1">
-            <a:schemeClr val="accent1"/>
-          </a:fillRef>
-          <a:effectRef idx="0">
-            <a:schemeClr val="accent1"/>
-          </a:effectRef>
-          <a:fontRef idx="minor">
-            <a:schemeClr val="lt1"/>
-          </a:fontRef>
-        </p:style>
-        <p:txBody>
-          <a:bodyPr rtlCol="0" anchor="ctr"/>
-          <a:lstStyle/>
-          <a:p>
-            <a:pPr algn="ctr"/>
-            <a:endParaRPr lang="en-US"/>
-          </a:p>
-        </p:txBody>
-      </p:sp>
-      <p:sp>
-        <p:nvSpPr>
-          <p:cNvPr id="12" name="Rectángulo 14"/>
-          <p:cNvSpPr/>
-          <p:nvPr/>
-        </p:nvSpPr>
-        <p:spPr>
-          <a:xfrm rot="1728145">
-            <a:off x="1462227" y="1611579"/>
-            <a:ext cx="877762" cy="196109"/>
-          </a:xfrm>
-          <a:custGeom>
-            <a:avLst/>
-            <a:gdLst>
-              <a:gd name="connsiteX0" fmla="*/ 0 w 779095"/>
-              <a:gd name="connsiteY0" fmla="*/ 0 h 188686"/>
-              <a:gd name="connsiteX1" fmla="*/ 779095 w 779095"/>
-              <a:gd name="connsiteY1" fmla="*/ 0 h 188686"/>
-              <a:gd name="connsiteX2" fmla="*/ 779095 w 779095"/>
-              <a:gd name="connsiteY2" fmla="*/ 188686 h 188686"/>
-              <a:gd name="connsiteX3" fmla="*/ 0 w 779095"/>
-              <a:gd name="connsiteY3" fmla="*/ 188686 h 188686"/>
-              <a:gd name="connsiteX4" fmla="*/ 0 w 779095"/>
-              <a:gd name="connsiteY4" fmla="*/ 0 h 188686"/>
-              <a:gd name="connsiteX0" fmla="*/ 0 w 873125"/>
-              <a:gd name="connsiteY0" fmla="*/ 0 h 194959"/>
-              <a:gd name="connsiteX1" fmla="*/ 779095 w 873125"/>
-              <a:gd name="connsiteY1" fmla="*/ 0 h 194959"/>
-              <a:gd name="connsiteX2" fmla="*/ 873125 w 873125"/>
-              <a:gd name="connsiteY2" fmla="*/ 194959 h 194959"/>
-              <a:gd name="connsiteX3" fmla="*/ 0 w 873125"/>
-              <a:gd name="connsiteY3" fmla="*/ 188686 h 194959"/>
-              <a:gd name="connsiteX4" fmla="*/ 0 w 873125"/>
-              <a:gd name="connsiteY4" fmla="*/ 0 h 194959"/>
-              <a:gd name="connsiteX0" fmla="*/ 0 w 890963"/>
-              <a:gd name="connsiteY0" fmla="*/ 0 h 192875"/>
-              <a:gd name="connsiteX1" fmla="*/ 779095 w 890963"/>
-              <a:gd name="connsiteY1" fmla="*/ 0 h 192875"/>
-              <a:gd name="connsiteX2" fmla="*/ 890963 w 890963"/>
-              <a:gd name="connsiteY2" fmla="*/ 192875 h 192875"/>
-              <a:gd name="connsiteX3" fmla="*/ 0 w 890963"/>
-              <a:gd name="connsiteY3" fmla="*/ 188686 h 192875"/>
-              <a:gd name="connsiteX4" fmla="*/ 0 w 890963"/>
-              <a:gd name="connsiteY4" fmla="*/ 0 h 192875"/>
-              <a:gd name="connsiteX0" fmla="*/ 0 w 890963"/>
-              <a:gd name="connsiteY0" fmla="*/ 0 h 192875"/>
-              <a:gd name="connsiteX1" fmla="*/ 779095 w 890963"/>
-              <a:gd name="connsiteY1" fmla="*/ 0 h 192875"/>
-              <a:gd name="connsiteX2" fmla="*/ 890963 w 890963"/>
-              <a:gd name="connsiteY2" fmla="*/ 192875 h 192875"/>
-              <a:gd name="connsiteX3" fmla="*/ 0 w 890963"/>
-              <a:gd name="connsiteY3" fmla="*/ 188686 h 192875"/>
-              <a:gd name="connsiteX4" fmla="*/ 0 w 890963"/>
-              <a:gd name="connsiteY4" fmla="*/ 0 h 192875"/>
-              <a:gd name="connsiteX0" fmla="*/ 0 w 882501"/>
-              <a:gd name="connsiteY0" fmla="*/ 0 h 197464"/>
-              <a:gd name="connsiteX1" fmla="*/ 779095 w 882501"/>
-              <a:gd name="connsiteY1" fmla="*/ 0 h 197464"/>
-              <a:gd name="connsiteX2" fmla="*/ 882501 w 882501"/>
-              <a:gd name="connsiteY2" fmla="*/ 197464 h 197464"/>
-              <a:gd name="connsiteX3" fmla="*/ 0 w 882501"/>
-              <a:gd name="connsiteY3" fmla="*/ 188686 h 197464"/>
-              <a:gd name="connsiteX4" fmla="*/ 0 w 882501"/>
-              <a:gd name="connsiteY4" fmla="*/ 0 h 197464"/>
-              <a:gd name="connsiteX0" fmla="*/ 0 w 890011"/>
-              <a:gd name="connsiteY0" fmla="*/ 0 h 196109"/>
-              <a:gd name="connsiteX1" fmla="*/ 779095 w 890011"/>
-              <a:gd name="connsiteY1" fmla="*/ 0 h 196109"/>
-              <a:gd name="connsiteX2" fmla="*/ 890011 w 890011"/>
-              <a:gd name="connsiteY2" fmla="*/ 196109 h 196109"/>
-              <a:gd name="connsiteX3" fmla="*/ 0 w 890011"/>
-              <a:gd name="connsiteY3" fmla="*/ 188686 h 196109"/>
-              <a:gd name="connsiteX4" fmla="*/ 0 w 890011"/>
-              <a:gd name="connsiteY4" fmla="*/ 0 h 196109"/>
-              <a:gd name="connsiteX0" fmla="*/ 0 w 890011"/>
-              <a:gd name="connsiteY0" fmla="*/ 0 h 196109"/>
-              <a:gd name="connsiteX1" fmla="*/ 779095 w 890011"/>
-              <a:gd name="connsiteY1" fmla="*/ 0 h 196109"/>
-              <a:gd name="connsiteX2" fmla="*/ 890011 w 890011"/>
-              <a:gd name="connsiteY2" fmla="*/ 196109 h 196109"/>
-              <a:gd name="connsiteX3" fmla="*/ 0 w 890011"/>
-              <a:gd name="connsiteY3" fmla="*/ 188686 h 196109"/>
-              <a:gd name="connsiteX4" fmla="*/ 0 w 890011"/>
-              <a:gd name="connsiteY4" fmla="*/ 0 h 196109"/>
-            </a:gdLst>
-            <a:ahLst/>
-            <a:cxnLst>
-              <a:cxn ang="0">
-                <a:pos x="connsiteX0" y="connsiteY0"/>
-              </a:cxn>
-              <a:cxn ang="0">
-                <a:pos x="connsiteX1" y="connsiteY1"/>
-              </a:cxn>
-              <a:cxn ang="0">
-                <a:pos x="connsiteX2" y="connsiteY2"/>
-              </a:cxn>
-              <a:cxn ang="0">
-                <a:pos x="connsiteX3" y="connsiteY3"/>
-              </a:cxn>
-              <a:cxn ang="0">
-                <a:pos x="connsiteX4" y="connsiteY4"/>
-              </a:cxn>
-            </a:cxnLst>
-            <a:rect l="l" t="t" r="r" b="b"/>
-            <a:pathLst>
-              <a:path w="890011" h="196109">
-                <a:moveTo>
-                  <a:pt x="0" y="0"/>
-                </a:moveTo>
-                <a:lnTo>
-                  <a:pt x="779095" y="0"/>
-                </a:lnTo>
-                <a:lnTo>
-                  <a:pt x="890011" y="196109"/>
-                </a:lnTo>
-                <a:lnTo>
-                  <a:pt x="0" y="188686"/>
-                </a:lnTo>
-                <a:lnTo>
-                  <a:pt x="0" y="0"/>
-                </a:lnTo>
-                <a:close/>
-              </a:path>
-            </a:pathLst>
-          </a:custGeom>
-          <a:solidFill>
-            <a:srgbClr val="FF8000"/>
-          </a:solidFill>
-          <a:ln>
-            <a:solidFill>
-              <a:srgbClr val="FF8000"/>
-            </a:solidFill>
-          </a:ln>
-        </p:spPr>
-        <p:style>
-          <a:lnRef idx="2">
-            <a:schemeClr val="accent1">
-              <a:shade val="50000"/>
-            </a:schemeClr>
-          </a:lnRef>
-          <a:fillRef idx="1">
-            <a:schemeClr val="accent1"/>
-          </a:fillRef>
-          <a:effectRef idx="0">
-            <a:schemeClr val="accent1"/>
-          </a:effectRef>
-          <a:fontRef idx="minor">
-            <a:schemeClr val="lt1"/>
-          </a:fontRef>
-        </p:style>
-        <p:txBody>
-          <a:bodyPr rtlCol="0" anchor="ctr"/>
-          <a:lstStyle/>
-          <a:p>
-            <a:pPr algn="ctr"/>
-            <a:endParaRPr lang="en-US"/>
-          </a:p>
-        </p:txBody>
-      </p:sp>
-      <p:sp>
-        <p:nvSpPr>
-          <p:cNvPr id="13" name="Rectángulo 7"/>
-          <p:cNvSpPr/>
-          <p:nvPr/>
-        </p:nvSpPr>
-        <p:spPr>
-          <a:xfrm rot="19871855" flipH="1">
-            <a:off x="2270248" y="2424438"/>
-            <a:ext cx="987412" cy="188910"/>
-          </a:xfrm>
-          <a:custGeom>
-            <a:avLst/>
-            <a:gdLst>
-              <a:gd name="connsiteX0" fmla="*/ 0 w 987412"/>
-              <a:gd name="connsiteY0" fmla="*/ 0 h 188686"/>
-              <a:gd name="connsiteX1" fmla="*/ 987412 w 987412"/>
-              <a:gd name="connsiteY1" fmla="*/ 0 h 188686"/>
-              <a:gd name="connsiteX2" fmla="*/ 987412 w 987412"/>
-              <a:gd name="connsiteY2" fmla="*/ 188686 h 188686"/>
-              <a:gd name="connsiteX3" fmla="*/ 0 w 987412"/>
-              <a:gd name="connsiteY3" fmla="*/ 188686 h 188686"/>
-              <a:gd name="connsiteX4" fmla="*/ 0 w 987412"/>
-              <a:gd name="connsiteY4" fmla="*/ 0 h 188686"/>
-              <a:gd name="connsiteX0" fmla="*/ 0 w 987412"/>
-              <a:gd name="connsiteY0" fmla="*/ 224 h 188910"/>
-              <a:gd name="connsiteX1" fmla="*/ 884026 w 987412"/>
-              <a:gd name="connsiteY1" fmla="*/ 0 h 188910"/>
-              <a:gd name="connsiteX2" fmla="*/ 987412 w 987412"/>
-              <a:gd name="connsiteY2" fmla="*/ 188910 h 188910"/>
-              <a:gd name="connsiteX3" fmla="*/ 0 w 987412"/>
-              <a:gd name="connsiteY3" fmla="*/ 188910 h 188910"/>
-              <a:gd name="connsiteX4" fmla="*/ 0 w 987412"/>
-              <a:gd name="connsiteY4" fmla="*/ 224 h 188910"/>
-            </a:gdLst>
-            <a:ahLst/>
-            <a:cxnLst>
-              <a:cxn ang="0">
-                <a:pos x="connsiteX0" y="connsiteY0"/>
-              </a:cxn>
-              <a:cxn ang="0">
-                <a:pos x="connsiteX1" y="connsiteY1"/>
-              </a:cxn>
-              <a:cxn ang="0">
-                <a:pos x="connsiteX2" y="connsiteY2"/>
-              </a:cxn>
-              <a:cxn ang="0">
-                <a:pos x="connsiteX3" y="connsiteY3"/>
-              </a:cxn>
-              <a:cxn ang="0">
-                <a:pos x="connsiteX4" y="connsiteY4"/>
-              </a:cxn>
-            </a:cxnLst>
-            <a:rect l="l" t="t" r="r" b="b"/>
-            <a:pathLst>
-              <a:path w="987412" h="188910">
-                <a:moveTo>
-                  <a:pt x="0" y="224"/>
-                </a:moveTo>
-                <a:lnTo>
-                  <a:pt x="884026" y="0"/>
-                </a:lnTo>
-                <a:lnTo>
-                  <a:pt x="987412" y="188910"/>
-                </a:lnTo>
-                <a:lnTo>
-                  <a:pt x="0" y="188910"/>
-                </a:lnTo>
-                <a:lnTo>
-                  <a:pt x="0" y="224"/>
-                </a:lnTo>
-                <a:close/>
-              </a:path>
-            </a:pathLst>
-          </a:custGeom>
-          <a:solidFill>
-            <a:srgbClr val="666666"/>
-          </a:solidFill>
-          <a:ln>
-            <a:solidFill>
-              <a:srgbClr val="666666"/>
-            </a:solidFill>
-          </a:ln>
-        </p:spPr>
-        <p:style>
-          <a:lnRef idx="2">
-            <a:schemeClr val="accent1">
-              <a:shade val="50000"/>
-            </a:schemeClr>
-          </a:lnRef>
-          <a:fillRef idx="1">
-            <a:schemeClr val="accent1"/>
-          </a:fillRef>
-          <a:effectRef idx="0">
-            <a:schemeClr val="accent1"/>
-          </a:effectRef>
-          <a:fontRef idx="minor">
-            <a:schemeClr val="lt1"/>
-          </a:fontRef>
-        </p:style>
-        <p:txBody>
-          <a:bodyPr rtlCol="0" anchor="ctr"/>
-          <a:lstStyle/>
-          <a:p>
-            <a:pPr algn="ctr"/>
-            <a:endParaRPr lang="en-US"/>
-          </a:p>
-        </p:txBody>
-      </p:sp>
-      <p:sp>
-        <p:nvSpPr>
-          <p:cNvPr id="14" name="Rectángulo 6"/>
-          <p:cNvSpPr/>
-          <p:nvPr/>
-        </p:nvSpPr>
-        <p:spPr>
-          <a:xfrm rot="5400000">
-            <a:off x="2952182" y="2060398"/>
-            <a:ext cx="385069" cy="195831"/>
-          </a:xfrm>
-          <a:custGeom>
-            <a:avLst/>
-            <a:gdLst>
-              <a:gd name="connsiteX0" fmla="*/ 0 w 1021842"/>
-              <a:gd name="connsiteY0" fmla="*/ 0 h 188686"/>
-              <a:gd name="connsiteX1" fmla="*/ 1021842 w 1021842"/>
-              <a:gd name="connsiteY1" fmla="*/ 0 h 188686"/>
-              <a:gd name="connsiteX2" fmla="*/ 1021842 w 1021842"/>
-              <a:gd name="connsiteY2" fmla="*/ 188686 h 188686"/>
-              <a:gd name="connsiteX3" fmla="*/ 0 w 1021842"/>
-              <a:gd name="connsiteY3" fmla="*/ 188686 h 188686"/>
-              <a:gd name="connsiteX4" fmla="*/ 0 w 1021842"/>
-              <a:gd name="connsiteY4" fmla="*/ 0 h 188686"/>
-              <a:gd name="connsiteX0" fmla="*/ 0 w 1021842"/>
-              <a:gd name="connsiteY0" fmla="*/ 0 h 188686"/>
-              <a:gd name="connsiteX1" fmla="*/ 1021842 w 1021842"/>
-              <a:gd name="connsiteY1" fmla="*/ 0 h 188686"/>
-              <a:gd name="connsiteX2" fmla="*/ 848010 w 1021842"/>
-              <a:gd name="connsiteY2" fmla="*/ 188686 h 188686"/>
-              <a:gd name="connsiteX3" fmla="*/ 0 w 1021842"/>
-              <a:gd name="connsiteY3" fmla="*/ 188686 h 188686"/>
-              <a:gd name="connsiteX4" fmla="*/ 0 w 1021842"/>
-              <a:gd name="connsiteY4" fmla="*/ 0 h 188686"/>
-              <a:gd name="connsiteX0" fmla="*/ 0 w 1021842"/>
-              <a:gd name="connsiteY0" fmla="*/ 0 h 188686"/>
-              <a:gd name="connsiteX1" fmla="*/ 1021842 w 1021842"/>
-              <a:gd name="connsiteY1" fmla="*/ 0 h 188686"/>
-              <a:gd name="connsiteX2" fmla="*/ 894057 w 1021842"/>
-              <a:gd name="connsiteY2" fmla="*/ 188686 h 188686"/>
-              <a:gd name="connsiteX3" fmla="*/ 0 w 1021842"/>
-              <a:gd name="connsiteY3" fmla="*/ 188686 h 188686"/>
-              <a:gd name="connsiteX4" fmla="*/ 0 w 1021842"/>
-              <a:gd name="connsiteY4" fmla="*/ 0 h 188686"/>
-              <a:gd name="connsiteX0" fmla="*/ 0 w 1021842"/>
-              <a:gd name="connsiteY0" fmla="*/ 0 h 193449"/>
-              <a:gd name="connsiteX1" fmla="*/ 1021842 w 1021842"/>
-              <a:gd name="connsiteY1" fmla="*/ 0 h 193449"/>
-              <a:gd name="connsiteX2" fmla="*/ 858637 w 1021842"/>
-              <a:gd name="connsiteY2" fmla="*/ 193449 h 193449"/>
-              <a:gd name="connsiteX3" fmla="*/ 0 w 1021842"/>
-              <a:gd name="connsiteY3" fmla="*/ 188686 h 193449"/>
-              <a:gd name="connsiteX4" fmla="*/ 0 w 1021842"/>
-              <a:gd name="connsiteY4" fmla="*/ 0 h 193449"/>
-              <a:gd name="connsiteX0" fmla="*/ 0 w 1021842"/>
-              <a:gd name="connsiteY0" fmla="*/ 0 h 195831"/>
-              <a:gd name="connsiteX1" fmla="*/ 1021842 w 1021842"/>
-              <a:gd name="connsiteY1" fmla="*/ 0 h 195831"/>
-              <a:gd name="connsiteX2" fmla="*/ 862183 w 1021842"/>
-              <a:gd name="connsiteY2" fmla="*/ 195831 h 195831"/>
-              <a:gd name="connsiteX3" fmla="*/ 0 w 1021842"/>
-              <a:gd name="connsiteY3" fmla="*/ 188686 h 195831"/>
-              <a:gd name="connsiteX4" fmla="*/ 0 w 1021842"/>
-              <a:gd name="connsiteY4" fmla="*/ 0 h 195831"/>
-            </a:gdLst>
-            <a:ahLst/>
-            <a:cxnLst>
-              <a:cxn ang="0">
-                <a:pos x="connsiteX0" y="connsiteY0"/>
-              </a:cxn>
-              <a:cxn ang="0">
-                <a:pos x="connsiteX1" y="connsiteY1"/>
-              </a:cxn>
-              <a:cxn ang="0">
-                <a:pos x="connsiteX2" y="connsiteY2"/>
-              </a:cxn>
-              <a:cxn ang="0">
-                <a:pos x="connsiteX3" y="connsiteY3"/>
-              </a:cxn>
-              <a:cxn ang="0">
-                <a:pos x="connsiteX4" y="connsiteY4"/>
-              </a:cxn>
-            </a:cxnLst>
-            <a:rect l="l" t="t" r="r" b="b"/>
-            <a:pathLst>
-              <a:path w="1021842" h="195831">
-                <a:moveTo>
-                  <a:pt x="0" y="0"/>
-                </a:moveTo>
-                <a:lnTo>
-                  <a:pt x="1021842" y="0"/>
-                </a:lnTo>
-                <a:lnTo>
-                  <a:pt x="862183" y="195831"/>
-                </a:lnTo>
-                <a:lnTo>
-                  <a:pt x="0" y="188686"/>
-                </a:lnTo>
-                <a:lnTo>
-                  <a:pt x="0" y="0"/>
-                </a:lnTo>
-                <a:close/>
-              </a:path>
-            </a:pathLst>
-          </a:custGeom>
-          <a:solidFill>
-            <a:srgbClr val="666666"/>
-          </a:solidFill>
-          <a:ln>
-            <a:solidFill>
-              <a:srgbClr val="666666"/>
-            </a:solidFill>
-          </a:ln>
-        </p:spPr>
-        <p:style>
-          <a:lnRef idx="2">
-            <a:schemeClr val="accent1">
-              <a:shade val="50000"/>
-            </a:schemeClr>
-          </a:lnRef>
-          <a:fillRef idx="1">
-            <a:schemeClr val="accent1"/>
-          </a:fillRef>
-          <a:effectRef idx="0">
-            <a:schemeClr val="accent1"/>
-          </a:effectRef>
-          <a:fontRef idx="minor">
-            <a:schemeClr val="lt1"/>
-          </a:fontRef>
-        </p:style>
-        <p:txBody>
-          <a:bodyPr rtlCol="0" anchor="ctr"/>
-          <a:lstStyle/>
-          <a:p>
-            <a:pPr algn="ctr"/>
-            <a:endParaRPr lang="en-US"/>
-          </a:p>
-        </p:txBody>
-      </p:sp>
-      <p:sp>
-        <p:nvSpPr>
-          <p:cNvPr id="15" name="Rectángulo 14"/>
-          <p:cNvSpPr/>
-          <p:nvPr/>
-        </p:nvSpPr>
-        <p:spPr>
-          <a:xfrm rot="1728145">
-            <a:off x="2224922" y="1705526"/>
-            <a:ext cx="1133157" cy="214465"/>
-          </a:xfrm>
-          <a:custGeom>
-            <a:avLst/>
-            <a:gdLst>
-              <a:gd name="connsiteX0" fmla="*/ 0 w 779095"/>
-              <a:gd name="connsiteY0" fmla="*/ 0 h 188686"/>
-              <a:gd name="connsiteX1" fmla="*/ 779095 w 779095"/>
-              <a:gd name="connsiteY1" fmla="*/ 0 h 188686"/>
-              <a:gd name="connsiteX2" fmla="*/ 779095 w 779095"/>
-              <a:gd name="connsiteY2" fmla="*/ 188686 h 188686"/>
-              <a:gd name="connsiteX3" fmla="*/ 0 w 779095"/>
-              <a:gd name="connsiteY3" fmla="*/ 188686 h 188686"/>
-              <a:gd name="connsiteX4" fmla="*/ 0 w 779095"/>
-              <a:gd name="connsiteY4" fmla="*/ 0 h 188686"/>
-              <a:gd name="connsiteX0" fmla="*/ 0 w 873125"/>
-              <a:gd name="connsiteY0" fmla="*/ 0 h 194959"/>
-              <a:gd name="connsiteX1" fmla="*/ 779095 w 873125"/>
-              <a:gd name="connsiteY1" fmla="*/ 0 h 194959"/>
-              <a:gd name="connsiteX2" fmla="*/ 873125 w 873125"/>
-              <a:gd name="connsiteY2" fmla="*/ 194959 h 194959"/>
-              <a:gd name="connsiteX3" fmla="*/ 0 w 873125"/>
-              <a:gd name="connsiteY3" fmla="*/ 188686 h 194959"/>
-              <a:gd name="connsiteX4" fmla="*/ 0 w 873125"/>
-              <a:gd name="connsiteY4" fmla="*/ 0 h 194959"/>
-              <a:gd name="connsiteX0" fmla="*/ 0 w 890963"/>
-              <a:gd name="connsiteY0" fmla="*/ 0 h 192875"/>
-              <a:gd name="connsiteX1" fmla="*/ 779095 w 890963"/>
-              <a:gd name="connsiteY1" fmla="*/ 0 h 192875"/>
-              <a:gd name="connsiteX2" fmla="*/ 890963 w 890963"/>
-              <a:gd name="connsiteY2" fmla="*/ 192875 h 192875"/>
-              <a:gd name="connsiteX3" fmla="*/ 0 w 890963"/>
-              <a:gd name="connsiteY3" fmla="*/ 188686 h 192875"/>
-              <a:gd name="connsiteX4" fmla="*/ 0 w 890963"/>
-              <a:gd name="connsiteY4" fmla="*/ 0 h 192875"/>
-              <a:gd name="connsiteX0" fmla="*/ 0 w 890963"/>
-              <a:gd name="connsiteY0" fmla="*/ 0 h 192875"/>
-              <a:gd name="connsiteX1" fmla="*/ 779095 w 890963"/>
-              <a:gd name="connsiteY1" fmla="*/ 0 h 192875"/>
-              <a:gd name="connsiteX2" fmla="*/ 890963 w 890963"/>
-              <a:gd name="connsiteY2" fmla="*/ 192875 h 192875"/>
-              <a:gd name="connsiteX3" fmla="*/ 0 w 890963"/>
-              <a:gd name="connsiteY3" fmla="*/ 188686 h 192875"/>
-              <a:gd name="connsiteX4" fmla="*/ 0 w 890963"/>
-              <a:gd name="connsiteY4" fmla="*/ 0 h 192875"/>
-              <a:gd name="connsiteX0" fmla="*/ 0 w 882501"/>
-              <a:gd name="connsiteY0" fmla="*/ 0 h 197464"/>
-              <a:gd name="connsiteX1" fmla="*/ 779095 w 882501"/>
-              <a:gd name="connsiteY1" fmla="*/ 0 h 197464"/>
-              <a:gd name="connsiteX2" fmla="*/ 882501 w 882501"/>
-              <a:gd name="connsiteY2" fmla="*/ 197464 h 197464"/>
-              <a:gd name="connsiteX3" fmla="*/ 0 w 882501"/>
-              <a:gd name="connsiteY3" fmla="*/ 188686 h 197464"/>
-              <a:gd name="connsiteX4" fmla="*/ 0 w 882501"/>
-              <a:gd name="connsiteY4" fmla="*/ 0 h 197464"/>
-              <a:gd name="connsiteX0" fmla="*/ 0 w 890011"/>
-              <a:gd name="connsiteY0" fmla="*/ 0 h 196109"/>
-              <a:gd name="connsiteX1" fmla="*/ 779095 w 890011"/>
-              <a:gd name="connsiteY1" fmla="*/ 0 h 196109"/>
-              <a:gd name="connsiteX2" fmla="*/ 890011 w 890011"/>
-              <a:gd name="connsiteY2" fmla="*/ 196109 h 196109"/>
-              <a:gd name="connsiteX3" fmla="*/ 0 w 890011"/>
-              <a:gd name="connsiteY3" fmla="*/ 188686 h 196109"/>
-              <a:gd name="connsiteX4" fmla="*/ 0 w 890011"/>
-              <a:gd name="connsiteY4" fmla="*/ 0 h 196109"/>
-              <a:gd name="connsiteX0" fmla="*/ 0 w 890011"/>
-              <a:gd name="connsiteY0" fmla="*/ 0 h 196109"/>
-              <a:gd name="connsiteX1" fmla="*/ 779095 w 890011"/>
-              <a:gd name="connsiteY1" fmla="*/ 0 h 196109"/>
-              <a:gd name="connsiteX2" fmla="*/ 890011 w 890011"/>
-              <a:gd name="connsiteY2" fmla="*/ 196109 h 196109"/>
-              <a:gd name="connsiteX3" fmla="*/ 0 w 890011"/>
-              <a:gd name="connsiteY3" fmla="*/ 188686 h 196109"/>
-              <a:gd name="connsiteX4" fmla="*/ 0 w 890011"/>
-              <a:gd name="connsiteY4" fmla="*/ 0 h 196109"/>
-              <a:gd name="connsiteX0" fmla="*/ 0 w 870907"/>
-              <a:gd name="connsiteY0" fmla="*/ 0 h 209877"/>
-              <a:gd name="connsiteX1" fmla="*/ 779095 w 870907"/>
-              <a:gd name="connsiteY1" fmla="*/ 0 h 209877"/>
-              <a:gd name="connsiteX2" fmla="*/ 870907 w 870907"/>
-              <a:gd name="connsiteY2" fmla="*/ 209877 h 209877"/>
-              <a:gd name="connsiteX3" fmla="*/ 0 w 870907"/>
-              <a:gd name="connsiteY3" fmla="*/ 188686 h 209877"/>
-              <a:gd name="connsiteX4" fmla="*/ 0 w 870907"/>
-              <a:gd name="connsiteY4" fmla="*/ 0 h 209877"/>
-              <a:gd name="connsiteX0" fmla="*/ 0 w 864539"/>
-              <a:gd name="connsiteY0" fmla="*/ 0 h 214465"/>
-              <a:gd name="connsiteX1" fmla="*/ 779095 w 864539"/>
-              <a:gd name="connsiteY1" fmla="*/ 0 h 214465"/>
-              <a:gd name="connsiteX2" fmla="*/ 864539 w 864539"/>
-              <a:gd name="connsiteY2" fmla="*/ 214465 h 214465"/>
-              <a:gd name="connsiteX3" fmla="*/ 0 w 864539"/>
-              <a:gd name="connsiteY3" fmla="*/ 188686 h 214465"/>
-              <a:gd name="connsiteX4" fmla="*/ 0 w 864539"/>
-              <a:gd name="connsiteY4" fmla="*/ 0 h 214465"/>
-            </a:gdLst>
-            <a:ahLst/>
-            <a:cxnLst>
-              <a:cxn ang="0">
-                <a:pos x="connsiteX0" y="connsiteY0"/>
-              </a:cxn>
-              <a:cxn ang="0">
-                <a:pos x="connsiteX1" y="connsiteY1"/>
-              </a:cxn>
-              <a:cxn ang="0">
-                <a:pos x="connsiteX2" y="connsiteY2"/>
-              </a:cxn>
-              <a:cxn ang="0">
-                <a:pos x="connsiteX3" y="connsiteY3"/>
-              </a:cxn>
-              <a:cxn ang="0">
-                <a:pos x="connsiteX4" y="connsiteY4"/>
-              </a:cxn>
-            </a:cxnLst>
-            <a:rect l="l" t="t" r="r" b="b"/>
-            <a:pathLst>
-              <a:path w="864539" h="214465">
-                <a:moveTo>
-                  <a:pt x="0" y="0"/>
-                </a:moveTo>
-                <a:lnTo>
-                  <a:pt x="779095" y="0"/>
-                </a:lnTo>
-                <a:lnTo>
-                  <a:pt x="864539" y="214465"/>
-                </a:lnTo>
-                <a:lnTo>
-                  <a:pt x="0" y="188686"/>
-                </a:lnTo>
-                <a:lnTo>
-                  <a:pt x="0" y="0"/>
-                </a:lnTo>
-                <a:close/>
-              </a:path>
-            </a:pathLst>
-          </a:custGeom>
-          <a:solidFill>
-            <a:srgbClr val="666666"/>
-          </a:solidFill>
-          <a:ln>
-            <a:solidFill>
-              <a:srgbClr val="666666"/>
-            </a:solidFill>
-          </a:ln>
-        </p:spPr>
-        <p:style>
-          <a:lnRef idx="2">
-            <a:schemeClr val="accent1">
-              <a:shade val="50000"/>
-            </a:schemeClr>
-          </a:lnRef>
-          <a:fillRef idx="1">
-            <a:schemeClr val="accent1"/>
-          </a:fillRef>
-          <a:effectRef idx="0">
-            <a:schemeClr val="accent1"/>
-          </a:effectRef>
-          <a:fontRef idx="minor">
-            <a:schemeClr val="lt1"/>
-          </a:fontRef>
-        </p:style>
-        <p:txBody>
-          <a:bodyPr rtlCol="0" anchor="ctr"/>
-          <a:lstStyle/>
-          <a:p>
-            <a:pPr algn="ctr"/>
-            <a:endParaRPr lang="en-US"/>
-          </a:p>
-        </p:txBody>
-      </p:sp>
-      <p:pic>
-        <p:nvPicPr>
-          <p:cNvPr id="32" name="Imagen 31"/>
-          <p:cNvPicPr>
-            <a:picLocks noChangeAspect="1"/>
-          </p:cNvPicPr>
-          <p:nvPr/>
-        </p:nvPicPr>
-        <p:blipFill>
-          <a:blip r:embed="rId2"/>
-          <a:stretch>
-            <a:fillRect/>
-          </a:stretch>
-        </p:blipFill>
-        <p:spPr>
-          <a:xfrm>
-            <a:off x="4889518" y="468838"/>
-            <a:ext cx="9352075" cy="6389162"/>
-          </a:xfrm>
-          <a:prstGeom prst="rect">
-            <a:avLst/>
-          </a:prstGeom>
-        </p:spPr>
-      </p:pic>
-      <p:sp>
-        <p:nvSpPr>
-          <p:cNvPr id="16" name="CuadroTexto 15"/>
-          <p:cNvSpPr txBox="1"/>
-          <p:nvPr/>
-        </p:nvSpPr>
-        <p:spPr>
-          <a:xfrm>
-            <a:off x="1248319" y="2758052"/>
-            <a:ext cx="2256882" cy="646331"/>
-          </a:xfrm>
-          <a:prstGeom prst="rect">
-            <a:avLst/>
-          </a:prstGeom>
-          <a:noFill/>
-        </p:spPr>
-        <p:txBody>
-          <a:bodyPr wrap="square" rtlCol="0">
-            <a:spAutoFit/>
-          </a:bodyPr>
-          <a:lstStyle/>
-          <a:p>
-            <a:pPr algn="ctr"/>
-            <a:r>
-              <a:rPr lang="es-ES" dirty="0" smtClean="0">
-                <a:latin typeface="Square (demo ver.)" panose="02000500000000000000" pitchFamily="2" charset="0"/>
-              </a:rPr>
-              <a:t>Soluciones integrales en Seguridad</a:t>
-            </a:r>
-            <a:endParaRPr lang="en-US" sz="1400" dirty="0">
-              <a:latin typeface="Square (demo ver.)" panose="02000500000000000000" pitchFamily="2" charset="0"/>
-            </a:endParaRPr>
-          </a:p>
-        </p:txBody>
-      </p:sp>
-      <p:pic>
-        <p:nvPicPr>
-          <p:cNvPr id="35" name="Imagen 34"/>
-          <p:cNvPicPr>
-            <a:picLocks noChangeAspect="1"/>
-          </p:cNvPicPr>
-          <p:nvPr/>
-        </p:nvPicPr>
-        <p:blipFill>
-          <a:blip r:embed="rId3"/>
-          <a:stretch>
-            <a:fillRect/>
-          </a:stretch>
-        </p:blipFill>
-        <p:spPr>
-          <a:xfrm>
-            <a:off x="3505201" y="3566202"/>
-            <a:ext cx="2006819" cy="2387317"/>
-          </a:xfrm>
-          <a:prstGeom prst="rect">
-            <a:avLst/>
-          </a:prstGeom>
-        </p:spPr>
-      </p:pic>
-    </p:spTree>
-    <p:extLst>
-      <p:ext uri="{BB962C8B-B14F-4D97-AF65-F5344CB8AC3E}">
-        <p14:creationId xmlns:p14="http://schemas.microsoft.com/office/powerpoint/2010/main" val="3253050248"/>
-      </p:ext>
-    </p:extLst>
-  </p:cSld>
-  <p:clrMapOvr>
-    <a:masterClrMapping/>
-  </p:clrMapOvr>
-</p:sld>
-</file>
-
-<file path=ppt/slides/slide8.xml><?xml version="1.0" encoding="utf-8"?>
-<p:sld xmlns:a="http://schemas.openxmlformats.org/drawingml/2006/main" xmlns:r="http://schemas.openxmlformats.org/officeDocument/2006/relationships" xmlns:p="http://schemas.openxmlformats.org/presentationml/2006/main">
-  <p:cSld>
-    <p:spTree>
-      <p:nvGrpSpPr>
-        <p:cNvPr id="1" name=""/>
-        <p:cNvGrpSpPr/>
-        <p:nvPr/>
-      </p:nvGrpSpPr>
-      <p:grpSpPr>
-        <a:xfrm>
-          <a:off x="0" y="0"/>
-          <a:ext cx="0" cy="0"/>
-          <a:chOff x="0" y="0"/>
-          <a:chExt cx="0" cy="0"/>
-        </a:xfrm>
-      </p:grpSpPr>
-      <p:sp>
-        <p:nvSpPr>
-          <p:cNvPr id="2" name="Título 1"/>
-          <p:cNvSpPr>
-            <a:spLocks noGrp="1"/>
-          </p:cNvSpPr>
-          <p:nvPr>
-            <p:ph type="title"/>
-          </p:nvPr>
-        </p:nvSpPr>
-        <p:spPr>
-          <a:xfrm>
-            <a:off x="298235" y="3576711"/>
-            <a:ext cx="2834640" cy="2377440"/>
-          </a:xfrm>
-        </p:spPr>
-        <p:txBody>
-          <a:bodyPr>
-            <a:noAutofit/>
-          </a:bodyPr>
-          <a:lstStyle/>
-          <a:p>
-            <a:pPr algn="ctr"/>
-            <a:r>
-              <a:rPr lang="es-ES" sz="23900" dirty="0" smtClean="0">
-                <a:solidFill>
-                  <a:schemeClr val="bg1"/>
-                </a:solidFill>
-              </a:rPr>
-              <a:t>1</a:t>
-            </a:r>
-            <a:r>
-              <a:rPr lang="es-ES" sz="19900" dirty="0" smtClean="0">
-                <a:solidFill>
-                  <a:schemeClr val="accent3">
-                    <a:lumMod val="40000"/>
-                    <a:lumOff val="60000"/>
-                  </a:schemeClr>
-                </a:solidFill>
-              </a:rPr>
-              <a:t/>
-            </a:r>
-            <a:br>
-              <a:rPr lang="es-ES" sz="19900" dirty="0" smtClean="0">
-                <a:solidFill>
-                  <a:schemeClr val="accent3">
-                    <a:lumMod val="40000"/>
-                    <a:lumOff val="60000"/>
-                  </a:schemeClr>
-                </a:solidFill>
-              </a:rPr>
-            </a:br>
-            <a:r>
-              <a:rPr lang="es-ES" dirty="0" smtClean="0">
-                <a:solidFill>
-                  <a:schemeClr val="accent3">
-                    <a:lumMod val="40000"/>
-                    <a:lumOff val="60000"/>
-                  </a:schemeClr>
-                </a:solidFill>
-              </a:rPr>
-              <a:t>Propuesta logo</a:t>
-            </a:r>
-            <a:endParaRPr lang="en-US" dirty="0">
-              <a:solidFill>
-                <a:schemeClr val="accent3">
-                  <a:lumMod val="40000"/>
-                  <a:lumOff val="60000"/>
-                </a:schemeClr>
-              </a:solidFill>
-            </a:endParaRPr>
-          </a:p>
-        </p:txBody>
-      </p:sp>
-      <p:pic>
-        <p:nvPicPr>
-          <p:cNvPr id="5" name="Imagen 4"/>
-          <p:cNvPicPr/>
-          <p:nvPr/>
-        </p:nvPicPr>
-        <p:blipFill>
-          <a:blip r:embed="rId2"/>
-          <a:stretch>
-            <a:fillRect/>
-          </a:stretch>
-        </p:blipFill>
-        <p:spPr>
-          <a:xfrm>
-            <a:off x="8552453" y="6224954"/>
-            <a:ext cx="3513767" cy="548640"/>
-          </a:xfrm>
-          <a:prstGeom prst="rect">
-            <a:avLst/>
-          </a:prstGeom>
-        </p:spPr>
-      </p:pic>
-      <p:pic>
-        <p:nvPicPr>
-          <p:cNvPr id="10" name="Imagen 9"/>
-          <p:cNvPicPr>
-            <a:picLocks noChangeAspect="1"/>
-          </p:cNvPicPr>
-          <p:nvPr/>
-        </p:nvPicPr>
-        <p:blipFill>
-          <a:blip r:embed="rId3"/>
-          <a:stretch>
-            <a:fillRect/>
-          </a:stretch>
-        </p:blipFill>
-        <p:spPr>
-          <a:xfrm>
-            <a:off x="5848964" y="1625601"/>
-            <a:ext cx="3420152" cy="3578662"/>
-          </a:xfrm>
-          <a:prstGeom prst="rect">
-            <a:avLst/>
-          </a:prstGeom>
-        </p:spPr>
-      </p:pic>
-    </p:spTree>
-    <p:extLst>
-      <p:ext uri="{BB962C8B-B14F-4D97-AF65-F5344CB8AC3E}">
-        <p14:creationId xmlns:p14="http://schemas.microsoft.com/office/powerpoint/2010/main" val="3030390038"/>
-      </p:ext>
-    </p:extLst>
-  </p:cSld>
-  <p:clrMapOvr>
-    <a:masterClrMapping/>
-  </p:clrMapOvr>
-  <p:timing>
-    <p:tnLst>
-      <p:par>
-        <p:cTn id="1" dur="indefinite" restart="never" nodeType="tmRoot"/>
-      </p:par>
-    </p:tnLst>
-  </p:timing>
-</p:sld>
-</file>
-
-<file path=ppt/slides/slide9.xml><?xml version="1.0" encoding="utf-8"?>
-<p:sld xmlns:a="http://schemas.openxmlformats.org/drawingml/2006/main" xmlns:r="http://schemas.openxmlformats.org/officeDocument/2006/relationships" xmlns:p="http://schemas.openxmlformats.org/presentationml/2006/main">
-  <p:cSld>
-    <p:spTree>
-      <p:nvGrpSpPr>
-        <p:cNvPr id="1" name=""/>
-        <p:cNvGrpSpPr/>
-        <p:nvPr/>
-      </p:nvGrpSpPr>
-      <p:grpSpPr>
-        <a:xfrm>
-          <a:off x="0" y="0"/>
-          <a:ext cx="0" cy="0"/>
-          <a:chOff x="0" y="0"/>
-          <a:chExt cx="0" cy="0"/>
-        </a:xfrm>
-      </p:grpSpPr>
-      <p:sp>
-        <p:nvSpPr>
-          <p:cNvPr id="2" name="Título 1"/>
-          <p:cNvSpPr>
-            <a:spLocks noGrp="1"/>
-          </p:cNvSpPr>
-          <p:nvPr>
-            <p:ph type="title"/>
-          </p:nvPr>
-        </p:nvSpPr>
-        <p:spPr>
-          <a:xfrm>
-            <a:off x="298235" y="3576711"/>
-            <a:ext cx="2834640" cy="2377440"/>
-          </a:xfrm>
-        </p:spPr>
-        <p:txBody>
-          <a:bodyPr>
-            <a:noAutofit/>
-          </a:bodyPr>
-          <a:lstStyle/>
-          <a:p>
-            <a:pPr algn="ctr"/>
-            <a:r>
-              <a:rPr lang="es-ES" sz="23900" dirty="0" smtClean="0">
-                <a:solidFill>
-                  <a:schemeClr val="bg1"/>
-                </a:solidFill>
-              </a:rPr>
-              <a:t>1</a:t>
-            </a:r>
-            <a:r>
-              <a:rPr lang="es-ES" sz="19900" dirty="0" smtClean="0">
-                <a:solidFill>
-                  <a:schemeClr val="accent3">
-                    <a:lumMod val="40000"/>
-                    <a:lumOff val="60000"/>
-                  </a:schemeClr>
-                </a:solidFill>
-              </a:rPr>
-              <a:t/>
-            </a:r>
-            <a:br>
-              <a:rPr lang="es-ES" sz="19900" dirty="0" smtClean="0">
-                <a:solidFill>
-                  <a:schemeClr val="accent3">
-                    <a:lumMod val="40000"/>
-                    <a:lumOff val="60000"/>
-                  </a:schemeClr>
-                </a:solidFill>
-              </a:rPr>
-            </a:br>
-            <a:r>
-              <a:rPr lang="es-ES" dirty="0" smtClean="0">
-                <a:solidFill>
-                  <a:schemeClr val="accent3">
-                    <a:lumMod val="40000"/>
-                    <a:lumOff val="60000"/>
-                  </a:schemeClr>
-                </a:solidFill>
-              </a:rPr>
-              <a:t>Propuesta logo con variaciones en el texto</a:t>
-            </a:r>
-            <a:endParaRPr lang="en-US" dirty="0">
-              <a:solidFill>
-                <a:schemeClr val="accent3">
-                  <a:lumMod val="40000"/>
-                  <a:lumOff val="60000"/>
-                </a:schemeClr>
-              </a:solidFill>
-            </a:endParaRPr>
-          </a:p>
-        </p:txBody>
-      </p:sp>
-      <p:pic>
-        <p:nvPicPr>
-          <p:cNvPr id="5" name="Imagen 4"/>
-          <p:cNvPicPr/>
-          <p:nvPr/>
-        </p:nvPicPr>
-        <p:blipFill>
-          <a:blip r:embed="rId2"/>
-          <a:stretch>
-            <a:fillRect/>
-          </a:stretch>
-        </p:blipFill>
-        <p:spPr>
-          <a:xfrm>
-            <a:off x="8552453" y="6224954"/>
-            <a:ext cx="3513767" cy="548640"/>
-          </a:xfrm>
-          <a:prstGeom prst="rect">
-            <a:avLst/>
-          </a:prstGeom>
-        </p:spPr>
-      </p:pic>
-      <p:pic>
-        <p:nvPicPr>
-          <p:cNvPr id="3" name="Imagen 2"/>
-          <p:cNvPicPr>
-            <a:picLocks noChangeAspect="1"/>
-          </p:cNvPicPr>
-          <p:nvPr/>
-        </p:nvPicPr>
-        <p:blipFill>
-          <a:blip r:embed="rId3"/>
-          <a:stretch>
-            <a:fillRect/>
-          </a:stretch>
-        </p:blipFill>
-        <p:spPr>
-          <a:xfrm>
-            <a:off x="3677103" y="1868957"/>
-            <a:ext cx="7909068" cy="3139141"/>
-          </a:xfrm>
-          <a:prstGeom prst="rect">
-            <a:avLst/>
-          </a:prstGeom>
-        </p:spPr>
-      </p:pic>
-    </p:spTree>
-    <p:extLst>
-      <p:ext uri="{BB962C8B-B14F-4D97-AF65-F5344CB8AC3E}">
-        <p14:creationId xmlns:p14="http://schemas.microsoft.com/office/powerpoint/2010/main" val="924380128"/>
-      </p:ext>
-    </p:extLst>
-  </p:cSld>
-  <p:clrMapOvr>
-    <a:masterClrMapping/>
-  </p:clrMapOvr>
-  <p:timing>
-    <p:tnLst>
-      <p:par>
-        <p:cTn id="1" dur="indefinite" restart="never" nodeType="tmRoot"/>
-      </p:par>
-    </p:tnLst>
-  </p:timing>
 </p:sld>
 </file>
 
